--- a/business/C11_FinalPresentation.pptx
+++ b/business/C11_FinalPresentation.pptx
@@ -5,21 +5,23 @@
     <p:sldMasterId id="2147483734" r:id="rId1"/>
   </p:sldMasterIdLst>
   <p:notesMasterIdLst>
-    <p:notesMasterId r:id="rId11"/>
+    <p:notesMasterId r:id="rId13"/>
   </p:notesMasterIdLst>
   <p:handoutMasterIdLst>
-    <p:handoutMasterId r:id="rId12"/>
+    <p:handoutMasterId r:id="rId14"/>
   </p:handoutMasterIdLst>
   <p:sldIdLst>
     <p:sldId id="258" r:id="rId2"/>
-    <p:sldId id="314" r:id="rId3"/>
-    <p:sldId id="313" r:id="rId4"/>
-    <p:sldId id="315" r:id="rId5"/>
-    <p:sldId id="316" r:id="rId6"/>
-    <p:sldId id="317" r:id="rId7"/>
-    <p:sldId id="318" r:id="rId8"/>
-    <p:sldId id="319" r:id="rId9"/>
-    <p:sldId id="320" r:id="rId10"/>
+    <p:sldId id="313" r:id="rId3"/>
+    <p:sldId id="321" r:id="rId4"/>
+    <p:sldId id="322" r:id="rId5"/>
+    <p:sldId id="323" r:id="rId6"/>
+    <p:sldId id="315" r:id="rId7"/>
+    <p:sldId id="316" r:id="rId8"/>
+    <p:sldId id="317" r:id="rId9"/>
+    <p:sldId id="318" r:id="rId10"/>
+    <p:sldId id="319" r:id="rId11"/>
+    <p:sldId id="320" r:id="rId12"/>
   </p:sldIdLst>
   <p:sldSz cx="10077450" cy="7583488"/>
   <p:notesSz cx="6794500" cy="9906000"/>
@@ -5107,7 +5109,7 @@
 <dgm:dataModel xmlns:dgm="http://schemas.openxmlformats.org/drawingml/2006/diagram" xmlns:a="http://schemas.openxmlformats.org/drawingml/2006/main">
   <dgm:ptLst>
     <dgm:pt modelId="{CE6B44ED-7F11-43E4-8D58-2C61CA83AECE}" type="doc">
-      <dgm:prSet loTypeId="urn:microsoft.com/office/officeart/2008/layout/CircularPictureCallout" loCatId="picture" qsTypeId="urn:microsoft.com/office/officeart/2005/8/quickstyle/simple1" qsCatId="simple" csTypeId="urn:microsoft.com/office/officeart/2005/8/colors/accent0_2" csCatId="mainScheme" phldr="1"/>
+      <dgm:prSet loTypeId="urn:microsoft.com/office/officeart/2008/layout/CircularPictureCallout" loCatId="picture" qsTypeId="urn:microsoft.com/office/officeart/2005/8/quickstyle/simple3" qsCatId="simple" csTypeId="urn:microsoft.com/office/officeart/2005/8/colors/accent0_2" csCatId="mainScheme" phldr="1"/>
       <dgm:spPr/>
       <dgm:t>
         <a:bodyPr/>
@@ -5173,18 +5175,46 @@
         </dgm:presLayoutVars>
       </dgm:prSet>
       <dgm:spPr/>
+      <dgm:t>
+        <a:bodyPr/>
+        <a:lstStyle/>
+        <a:p>
+          <a:endParaRPr lang="en-US"/>
+        </a:p>
+      </dgm:t>
     </dgm:pt>
     <dgm:pt modelId="{EAA42099-D0D4-43D8-A7D8-9AE42A567208}" type="pres">
       <dgm:prSet presAssocID="{CE6B44ED-7F11-43E4-8D58-2C61CA83AECE}" presName="Name1" presStyleCnt="0"/>
       <dgm:spPr/>
+      <dgm:t>
+        <a:bodyPr/>
+        <a:lstStyle/>
+        <a:p>
+          <a:endParaRPr lang="en-US"/>
+        </a:p>
+      </dgm:t>
     </dgm:pt>
     <dgm:pt modelId="{FE112652-E8C7-418D-8DD1-FBF3C86E6D7C}" type="pres">
       <dgm:prSet presAssocID="{D6E2285B-8BC2-4BEB-872D-D7182C52F966}" presName="picture_1" presStyleCnt="0"/>
       <dgm:spPr/>
+      <dgm:t>
+        <a:bodyPr/>
+        <a:lstStyle/>
+        <a:p>
+          <a:endParaRPr lang="en-US"/>
+        </a:p>
+      </dgm:t>
     </dgm:pt>
     <dgm:pt modelId="{9C542F68-233E-4FDA-948C-B1067A19D942}" type="pres">
       <dgm:prSet presAssocID="{D6E2285B-8BC2-4BEB-872D-D7182C52F966}" presName="pictureRepeatNode" presStyleLbl="alignImgPlace1" presStyleIdx="0" presStyleCnt="1"/>
       <dgm:spPr/>
+      <dgm:t>
+        <a:bodyPr/>
+        <a:lstStyle/>
+        <a:p>
+          <a:endParaRPr lang="en-US"/>
+        </a:p>
+      </dgm:t>
     </dgm:pt>
     <dgm:pt modelId="{6A50D16A-CE83-40F6-9CAA-1E1A747B3BD0}" type="pres">
       <dgm:prSet presAssocID="{504411A1-A572-4984-A1EF-42B11E48F20F}" presName="text_1" presStyleLbl="node1" presStyleIdx="0" presStyleCnt="0">
@@ -5193,6 +5223,13 @@
         </dgm:presLayoutVars>
       </dgm:prSet>
       <dgm:spPr/>
+      <dgm:t>
+        <a:bodyPr/>
+        <a:lstStyle/>
+        <a:p>
+          <a:endParaRPr lang="en-US"/>
+        </a:p>
+      </dgm:t>
     </dgm:pt>
   </dgm:ptLst>
   <dgm:cxnLst>
@@ -5219,7 +5256,7 @@
 <dgm:dataModel xmlns:dgm="http://schemas.openxmlformats.org/drawingml/2006/diagram" xmlns:a="http://schemas.openxmlformats.org/drawingml/2006/main">
   <dgm:ptLst>
     <dgm:pt modelId="{CE6B44ED-7F11-43E4-8D58-2C61CA83AECE}" type="doc">
-      <dgm:prSet loTypeId="urn:microsoft.com/office/officeart/2008/layout/CircularPictureCallout" loCatId="picture" qsTypeId="urn:microsoft.com/office/officeart/2005/8/quickstyle/simple1" qsCatId="simple" csTypeId="urn:microsoft.com/office/officeart/2005/8/colors/accent0_2" csCatId="mainScheme" phldr="1"/>
+      <dgm:prSet loTypeId="urn:microsoft.com/office/officeart/2008/layout/CircularPictureCallout" loCatId="picture" qsTypeId="urn:microsoft.com/office/officeart/2005/8/quickstyle/simple3" qsCatId="simple" csTypeId="urn:microsoft.com/office/officeart/2005/8/colors/accent0_2" csCatId="mainScheme" phldr="1"/>
       <dgm:spPr/>
       <dgm:t>
         <a:bodyPr/>
@@ -5285,18 +5322,46 @@
         </dgm:presLayoutVars>
       </dgm:prSet>
       <dgm:spPr/>
+      <dgm:t>
+        <a:bodyPr/>
+        <a:lstStyle/>
+        <a:p>
+          <a:endParaRPr lang="en-US"/>
+        </a:p>
+      </dgm:t>
     </dgm:pt>
     <dgm:pt modelId="{EAA42099-D0D4-43D8-A7D8-9AE42A567208}" type="pres">
       <dgm:prSet presAssocID="{CE6B44ED-7F11-43E4-8D58-2C61CA83AECE}" presName="Name1" presStyleCnt="0"/>
       <dgm:spPr/>
+      <dgm:t>
+        <a:bodyPr/>
+        <a:lstStyle/>
+        <a:p>
+          <a:endParaRPr lang="en-US"/>
+        </a:p>
+      </dgm:t>
     </dgm:pt>
     <dgm:pt modelId="{FE112652-E8C7-418D-8DD1-FBF3C86E6D7C}" type="pres">
       <dgm:prSet presAssocID="{D6E2285B-8BC2-4BEB-872D-D7182C52F966}" presName="picture_1" presStyleCnt="0"/>
       <dgm:spPr/>
+      <dgm:t>
+        <a:bodyPr/>
+        <a:lstStyle/>
+        <a:p>
+          <a:endParaRPr lang="en-US"/>
+        </a:p>
+      </dgm:t>
     </dgm:pt>
     <dgm:pt modelId="{9C542F68-233E-4FDA-948C-B1067A19D942}" type="pres">
       <dgm:prSet presAssocID="{D6E2285B-8BC2-4BEB-872D-D7182C52F966}" presName="pictureRepeatNode" presStyleLbl="alignImgPlace1" presStyleIdx="0" presStyleCnt="1"/>
       <dgm:spPr/>
+      <dgm:t>
+        <a:bodyPr/>
+        <a:lstStyle/>
+        <a:p>
+          <a:endParaRPr lang="en-US"/>
+        </a:p>
+      </dgm:t>
     </dgm:pt>
     <dgm:pt modelId="{6A50D16A-CE83-40F6-9CAA-1E1A747B3BD0}" type="pres">
       <dgm:prSet presAssocID="{504411A1-A572-4984-A1EF-42B11E48F20F}" presName="text_1" presStyleLbl="node1" presStyleIdx="0" presStyleCnt="0">
@@ -5305,6 +5370,13 @@
         </dgm:presLayoutVars>
       </dgm:prSet>
       <dgm:spPr/>
+      <dgm:t>
+        <a:bodyPr/>
+        <a:lstStyle/>
+        <a:p>
+          <a:endParaRPr lang="en-US"/>
+        </a:p>
+      </dgm:t>
     </dgm:pt>
   </dgm:ptLst>
   <dgm:cxnLst>
@@ -5331,7 +5403,7 @@
 <dgm:dataModel xmlns:dgm="http://schemas.openxmlformats.org/drawingml/2006/diagram" xmlns:a="http://schemas.openxmlformats.org/drawingml/2006/main">
   <dgm:ptLst>
     <dgm:pt modelId="{CE6B44ED-7F11-43E4-8D58-2C61CA83AECE}" type="doc">
-      <dgm:prSet loTypeId="urn:microsoft.com/office/officeart/2008/layout/CircularPictureCallout" loCatId="picture" qsTypeId="urn:microsoft.com/office/officeart/2005/8/quickstyle/simple1" qsCatId="simple" csTypeId="urn:microsoft.com/office/officeart/2005/8/colors/accent0_2" csCatId="mainScheme" phldr="1"/>
+      <dgm:prSet loTypeId="urn:microsoft.com/office/officeart/2008/layout/CircularPictureCallout" loCatId="picture" qsTypeId="urn:microsoft.com/office/officeart/2005/8/quickstyle/simple3" qsCatId="simple" csTypeId="urn:microsoft.com/office/officeart/2005/8/colors/accent0_2" csCatId="mainScheme" phldr="1"/>
       <dgm:spPr/>
       <dgm:t>
         <a:bodyPr/>
@@ -5397,18 +5469,46 @@
         </dgm:presLayoutVars>
       </dgm:prSet>
       <dgm:spPr/>
+      <dgm:t>
+        <a:bodyPr/>
+        <a:lstStyle/>
+        <a:p>
+          <a:endParaRPr lang="en-US"/>
+        </a:p>
+      </dgm:t>
     </dgm:pt>
     <dgm:pt modelId="{EAA42099-D0D4-43D8-A7D8-9AE42A567208}" type="pres">
       <dgm:prSet presAssocID="{CE6B44ED-7F11-43E4-8D58-2C61CA83AECE}" presName="Name1" presStyleCnt="0"/>
       <dgm:spPr/>
+      <dgm:t>
+        <a:bodyPr/>
+        <a:lstStyle/>
+        <a:p>
+          <a:endParaRPr lang="en-US"/>
+        </a:p>
+      </dgm:t>
     </dgm:pt>
     <dgm:pt modelId="{FE112652-E8C7-418D-8DD1-FBF3C86E6D7C}" type="pres">
       <dgm:prSet presAssocID="{D6E2285B-8BC2-4BEB-872D-D7182C52F966}" presName="picture_1" presStyleCnt="0"/>
       <dgm:spPr/>
+      <dgm:t>
+        <a:bodyPr/>
+        <a:lstStyle/>
+        <a:p>
+          <a:endParaRPr lang="en-US"/>
+        </a:p>
+      </dgm:t>
     </dgm:pt>
     <dgm:pt modelId="{9C542F68-233E-4FDA-948C-B1067A19D942}" type="pres">
       <dgm:prSet presAssocID="{D6E2285B-8BC2-4BEB-872D-D7182C52F966}" presName="pictureRepeatNode" presStyleLbl="alignImgPlace1" presStyleIdx="0" presStyleCnt="1"/>
       <dgm:spPr/>
+      <dgm:t>
+        <a:bodyPr/>
+        <a:lstStyle/>
+        <a:p>
+          <a:endParaRPr lang="en-US"/>
+        </a:p>
+      </dgm:t>
     </dgm:pt>
     <dgm:pt modelId="{6A50D16A-CE83-40F6-9CAA-1E1A747B3BD0}" type="pres">
       <dgm:prSet presAssocID="{504411A1-A572-4984-A1EF-42B11E48F20F}" presName="text_1" presStyleLbl="node1" presStyleIdx="0" presStyleCnt="0">
@@ -5417,6 +5517,13 @@
         </dgm:presLayoutVars>
       </dgm:prSet>
       <dgm:spPr/>
+      <dgm:t>
+        <a:bodyPr/>
+        <a:lstStyle/>
+        <a:p>
+          <a:endParaRPr lang="en-US"/>
+        </a:p>
+      </dgm:t>
     </dgm:pt>
   </dgm:ptLst>
   <dgm:cxnLst>
@@ -5443,7 +5550,7 @@
 <dgm:dataModel xmlns:dgm="http://schemas.openxmlformats.org/drawingml/2006/diagram" xmlns:a="http://schemas.openxmlformats.org/drawingml/2006/main">
   <dgm:ptLst>
     <dgm:pt modelId="{CE6B44ED-7F11-43E4-8D58-2C61CA83AECE}" type="doc">
-      <dgm:prSet loTypeId="urn:microsoft.com/office/officeart/2008/layout/CircularPictureCallout" loCatId="picture" qsTypeId="urn:microsoft.com/office/officeart/2005/8/quickstyle/simple1" qsCatId="simple" csTypeId="urn:microsoft.com/office/officeart/2005/8/colors/accent0_2" csCatId="mainScheme" phldr="1"/>
+      <dgm:prSet loTypeId="urn:microsoft.com/office/officeart/2008/layout/CircularPictureCallout" loCatId="picture" qsTypeId="urn:microsoft.com/office/officeart/2005/8/quickstyle/simple3" qsCatId="simple" csTypeId="urn:microsoft.com/office/officeart/2005/8/colors/accent0_2" csCatId="mainScheme" phldr="1"/>
       <dgm:spPr/>
       <dgm:t>
         <a:bodyPr/>
@@ -5477,7 +5584,21 @@
     </dgm:pt>
     <dgm:pt modelId="{D6E2285B-8BC2-4BEB-872D-D7182C52F966}" type="sibTrans" cxnId="{BC09CC56-889E-4B24-87A7-570B81D042D6}">
       <dgm:prSet/>
-      <dgm:spPr/>
+      <dgm:spPr>
+        <a:blipFill>
+          <a:blip xmlns:r="http://schemas.openxmlformats.org/officeDocument/2006/relationships" r:embed="rId1" cstate="print">
+            <a:extLst>
+              <a:ext uri="{28A0092B-C50C-407E-A947-70E740481C1C}">
+                <a14:useLocalDpi xmlns:a14="http://schemas.microsoft.com/office/drawing/2010/main" val="0"/>
+              </a:ext>
+            </a:extLst>
+          </a:blip>
+          <a:srcRect/>
+          <a:stretch>
+            <a:fillRect t="-15000" b="-15000"/>
+          </a:stretch>
+        </a:blipFill>
+      </dgm:spPr>
       <dgm:t>
         <a:bodyPr/>
         <a:lstStyle/>
@@ -5495,18 +5616,46 @@
         </dgm:presLayoutVars>
       </dgm:prSet>
       <dgm:spPr/>
+      <dgm:t>
+        <a:bodyPr/>
+        <a:lstStyle/>
+        <a:p>
+          <a:endParaRPr lang="en-US"/>
+        </a:p>
+      </dgm:t>
     </dgm:pt>
     <dgm:pt modelId="{EAA42099-D0D4-43D8-A7D8-9AE42A567208}" type="pres">
       <dgm:prSet presAssocID="{CE6B44ED-7F11-43E4-8D58-2C61CA83AECE}" presName="Name1" presStyleCnt="0"/>
       <dgm:spPr/>
+      <dgm:t>
+        <a:bodyPr/>
+        <a:lstStyle/>
+        <a:p>
+          <a:endParaRPr lang="en-US"/>
+        </a:p>
+      </dgm:t>
     </dgm:pt>
     <dgm:pt modelId="{FE112652-E8C7-418D-8DD1-FBF3C86E6D7C}" type="pres">
       <dgm:prSet presAssocID="{D6E2285B-8BC2-4BEB-872D-D7182C52F966}" presName="picture_1" presStyleCnt="0"/>
       <dgm:spPr/>
+      <dgm:t>
+        <a:bodyPr/>
+        <a:lstStyle/>
+        <a:p>
+          <a:endParaRPr lang="en-US"/>
+        </a:p>
+      </dgm:t>
     </dgm:pt>
     <dgm:pt modelId="{9C542F68-233E-4FDA-948C-B1067A19D942}" type="pres">
       <dgm:prSet presAssocID="{D6E2285B-8BC2-4BEB-872D-D7182C52F966}" presName="pictureRepeatNode" presStyleLbl="alignImgPlace1" presStyleIdx="0" presStyleCnt="1"/>
       <dgm:spPr/>
+      <dgm:t>
+        <a:bodyPr/>
+        <a:lstStyle/>
+        <a:p>
+          <a:endParaRPr lang="en-US"/>
+        </a:p>
+      </dgm:t>
     </dgm:pt>
     <dgm:pt modelId="{6A50D16A-CE83-40F6-9CAA-1E1A747B3BD0}" type="pres">
       <dgm:prSet presAssocID="{504411A1-A572-4984-A1EF-42B11E48F20F}" presName="text_1" presStyleLbl="node1" presStyleIdx="0" presStyleCnt="0">
@@ -5515,6 +5664,13 @@
         </dgm:presLayoutVars>
       </dgm:prSet>
       <dgm:spPr/>
+      <dgm:t>
+        <a:bodyPr/>
+        <a:lstStyle/>
+        <a:p>
+          <a:endParaRPr lang="en-US"/>
+        </a:p>
+      </dgm:t>
     </dgm:pt>
   </dgm:ptLst>
   <dgm:cxnLst>
@@ -5541,7 +5697,7 @@
 <dgm:dataModel xmlns:dgm="http://schemas.openxmlformats.org/drawingml/2006/diagram" xmlns:a="http://schemas.openxmlformats.org/drawingml/2006/main">
   <dgm:ptLst>
     <dgm:pt modelId="{CE6B44ED-7F11-43E4-8D58-2C61CA83AECE}" type="doc">
-      <dgm:prSet loTypeId="urn:microsoft.com/office/officeart/2008/layout/CircularPictureCallout" loCatId="picture" qsTypeId="urn:microsoft.com/office/officeart/2005/8/quickstyle/simple1" qsCatId="simple" csTypeId="urn:microsoft.com/office/officeart/2005/8/colors/accent0_2" csCatId="mainScheme" phldr="1"/>
+      <dgm:prSet loTypeId="urn:microsoft.com/office/officeart/2008/layout/CircularPictureCallout" loCatId="picture" qsTypeId="urn:microsoft.com/office/officeart/2005/8/quickstyle/simple3" qsCatId="simple" csTypeId="urn:microsoft.com/office/officeart/2005/8/colors/accent0_2" csCatId="mainScheme" phldr="1"/>
       <dgm:spPr/>
       <dgm:t>
         <a:bodyPr/>
@@ -5607,18 +5763,46 @@
         </dgm:presLayoutVars>
       </dgm:prSet>
       <dgm:spPr/>
+      <dgm:t>
+        <a:bodyPr/>
+        <a:lstStyle/>
+        <a:p>
+          <a:endParaRPr lang="en-US"/>
+        </a:p>
+      </dgm:t>
     </dgm:pt>
     <dgm:pt modelId="{EAA42099-D0D4-43D8-A7D8-9AE42A567208}" type="pres">
       <dgm:prSet presAssocID="{CE6B44ED-7F11-43E4-8D58-2C61CA83AECE}" presName="Name1" presStyleCnt="0"/>
       <dgm:spPr/>
+      <dgm:t>
+        <a:bodyPr/>
+        <a:lstStyle/>
+        <a:p>
+          <a:endParaRPr lang="en-US"/>
+        </a:p>
+      </dgm:t>
     </dgm:pt>
     <dgm:pt modelId="{FE112652-E8C7-418D-8DD1-FBF3C86E6D7C}" type="pres">
       <dgm:prSet presAssocID="{D6E2285B-8BC2-4BEB-872D-D7182C52F966}" presName="picture_1" presStyleCnt="0"/>
       <dgm:spPr/>
+      <dgm:t>
+        <a:bodyPr/>
+        <a:lstStyle/>
+        <a:p>
+          <a:endParaRPr lang="en-US"/>
+        </a:p>
+      </dgm:t>
     </dgm:pt>
     <dgm:pt modelId="{9C542F68-233E-4FDA-948C-B1067A19D942}" type="pres">
       <dgm:prSet presAssocID="{D6E2285B-8BC2-4BEB-872D-D7182C52F966}" presName="pictureRepeatNode" presStyleLbl="alignImgPlace1" presStyleIdx="0" presStyleCnt="1"/>
       <dgm:spPr/>
+      <dgm:t>
+        <a:bodyPr/>
+        <a:lstStyle/>
+        <a:p>
+          <a:endParaRPr lang="en-US"/>
+        </a:p>
+      </dgm:t>
     </dgm:pt>
     <dgm:pt modelId="{6A50D16A-CE83-40F6-9CAA-1E1A747B3BD0}" type="pres">
       <dgm:prSet presAssocID="{504411A1-A572-4984-A1EF-42B11E48F20F}" presName="text_1" presStyleLbl="node1" presStyleIdx="0" presStyleCnt="0">
@@ -5627,6 +5811,13 @@
         </dgm:presLayoutVars>
       </dgm:prSet>
       <dgm:spPr/>
+      <dgm:t>
+        <a:bodyPr/>
+        <a:lstStyle/>
+        <a:p>
+          <a:endParaRPr lang="en-US"/>
+        </a:p>
+      </dgm:t>
     </dgm:pt>
   </dgm:ptLst>
   <dgm:cxnLst>
@@ -5653,7 +5844,7 @@
 <dgm:dataModel xmlns:dgm="http://schemas.openxmlformats.org/drawingml/2006/diagram" xmlns:a="http://schemas.openxmlformats.org/drawingml/2006/main">
   <dgm:ptLst>
     <dgm:pt modelId="{CE6B44ED-7F11-43E4-8D58-2C61CA83AECE}" type="doc">
-      <dgm:prSet loTypeId="urn:microsoft.com/office/officeart/2008/layout/CircularPictureCallout" loCatId="picture" qsTypeId="urn:microsoft.com/office/officeart/2005/8/quickstyle/simple1" qsCatId="simple" csTypeId="urn:microsoft.com/office/officeart/2005/8/colors/accent0_2" csCatId="mainScheme" phldr="1"/>
+      <dgm:prSet loTypeId="urn:microsoft.com/office/officeart/2008/layout/CircularPictureCallout" loCatId="picture" qsTypeId="urn:microsoft.com/office/officeart/2005/8/quickstyle/simple3" qsCatId="simple" csTypeId="urn:microsoft.com/office/officeart/2005/8/colors/accent0_2" csCatId="mainScheme" phldr="1"/>
       <dgm:spPr/>
       <dgm:t>
         <a:bodyPr/>
@@ -5719,18 +5910,46 @@
         </dgm:presLayoutVars>
       </dgm:prSet>
       <dgm:spPr/>
+      <dgm:t>
+        <a:bodyPr/>
+        <a:lstStyle/>
+        <a:p>
+          <a:endParaRPr lang="en-US"/>
+        </a:p>
+      </dgm:t>
     </dgm:pt>
     <dgm:pt modelId="{EAA42099-D0D4-43D8-A7D8-9AE42A567208}" type="pres">
       <dgm:prSet presAssocID="{CE6B44ED-7F11-43E4-8D58-2C61CA83AECE}" presName="Name1" presStyleCnt="0"/>
       <dgm:spPr/>
+      <dgm:t>
+        <a:bodyPr/>
+        <a:lstStyle/>
+        <a:p>
+          <a:endParaRPr lang="en-US"/>
+        </a:p>
+      </dgm:t>
     </dgm:pt>
     <dgm:pt modelId="{FE112652-E8C7-418D-8DD1-FBF3C86E6D7C}" type="pres">
       <dgm:prSet presAssocID="{D6E2285B-8BC2-4BEB-872D-D7182C52F966}" presName="picture_1" presStyleCnt="0"/>
       <dgm:spPr/>
+      <dgm:t>
+        <a:bodyPr/>
+        <a:lstStyle/>
+        <a:p>
+          <a:endParaRPr lang="en-US"/>
+        </a:p>
+      </dgm:t>
     </dgm:pt>
     <dgm:pt modelId="{9C542F68-233E-4FDA-948C-B1067A19D942}" type="pres">
       <dgm:prSet presAssocID="{D6E2285B-8BC2-4BEB-872D-D7182C52F966}" presName="pictureRepeatNode" presStyleLbl="alignImgPlace1" presStyleIdx="0" presStyleCnt="1"/>
       <dgm:spPr/>
+      <dgm:t>
+        <a:bodyPr/>
+        <a:lstStyle/>
+        <a:p>
+          <a:endParaRPr lang="en-US"/>
+        </a:p>
+      </dgm:t>
     </dgm:pt>
     <dgm:pt modelId="{6A50D16A-CE83-40F6-9CAA-1E1A747B3BD0}" type="pres">
       <dgm:prSet presAssocID="{504411A1-A572-4984-A1EF-42B11E48F20F}" presName="text_1" presStyleLbl="node1" presStyleIdx="0" presStyleCnt="0">
@@ -5739,6 +5958,13 @@
         </dgm:presLayoutVars>
       </dgm:prSet>
       <dgm:spPr/>
+      <dgm:t>
+        <a:bodyPr/>
+        <a:lstStyle/>
+        <a:p>
+          <a:endParaRPr lang="en-US"/>
+        </a:p>
+      </dgm:t>
     </dgm:pt>
   </dgm:ptLst>
   <dgm:cxnLst>
@@ -5795,7 +6021,7 @@
             <a:fillRect/>
           </a:stretch>
         </a:blipFill>
-        <a:ln w="25400" cap="flat" cmpd="sng" algn="ctr">
+        <a:ln w="9525" cap="flat" cmpd="sng" algn="ctr">
           <a:solidFill>
             <a:schemeClr val="dk2">
               <a:shade val="80000"/>
@@ -5807,16 +6033,22 @@
           </a:solidFill>
           <a:prstDash val="solid"/>
         </a:ln>
-        <a:effectLst/>
+        <a:effectLst>
+          <a:outerShdw blurRad="40000" dist="20000" dir="5400000" rotWithShape="0">
+            <a:srgbClr val="000000">
+              <a:alpha val="38000"/>
+            </a:srgbClr>
+          </a:outerShdw>
+        </a:effectLst>
       </dsp:spPr>
       <dsp:style>
-        <a:lnRef idx="2">
+        <a:lnRef idx="1">
           <a:scrgbClr r="0" g="0" b="0"/>
         </a:lnRef>
         <a:fillRef idx="1">
           <a:scrgbClr r="0" g="0" b="0"/>
         </a:fillRef>
-        <a:effectRef idx="0">
+        <a:effectRef idx="1">
           <a:scrgbClr r="0" g="0" b="0"/>
         </a:effectRef>
         <a:fontRef idx="minor"/>
@@ -5836,25 +6068,34 @@
           <a:avLst/>
         </a:prstGeom>
         <a:noFill/>
-        <a:ln w="25400" cap="flat" cmpd="sng" algn="ctr">
+        <a:ln>
           <a:noFill/>
-          <a:prstDash val="solid"/>
         </a:ln>
-        <a:effectLst/>
+        <a:effectLst>
+          <a:outerShdw blurRad="40000" dist="20000" dir="5400000" rotWithShape="0">
+            <a:srgbClr val="000000">
+              <a:alpha val="38000"/>
+            </a:srgbClr>
+          </a:outerShdw>
+        </a:effectLst>
+        <a:scene3d>
+          <a:camera prst="orthographicFront"/>
+          <a:lightRig rig="flat" dir="t"/>
+        </a:scene3d>
         <a:sp3d/>
       </dsp:spPr>
       <dsp:style>
-        <a:lnRef idx="2">
+        <a:lnRef idx="0">
           <a:scrgbClr r="0" g="0" b="0"/>
         </a:lnRef>
-        <a:fillRef idx="1">
+        <a:fillRef idx="2">
           <a:scrgbClr r="0" g="0" b="0"/>
         </a:fillRef>
-        <a:effectRef idx="0">
+        <a:effectRef idx="1">
           <a:scrgbClr r="0" g="0" b="0"/>
         </a:effectRef>
         <a:fontRef idx="minor">
-          <a:schemeClr val="lt1"/>
+          <a:schemeClr val="dk1"/>
         </a:fontRef>
       </dsp:style>
       <dsp:txBody>
@@ -5920,7 +6161,7 @@
             <a:fillRect/>
           </a:stretch>
         </a:blipFill>
-        <a:ln w="25400" cap="flat" cmpd="sng" algn="ctr">
+        <a:ln w="9525" cap="flat" cmpd="sng" algn="ctr">
           <a:solidFill>
             <a:schemeClr val="dk2">
               <a:shade val="80000"/>
@@ -5932,16 +6173,22 @@
           </a:solidFill>
           <a:prstDash val="solid"/>
         </a:ln>
-        <a:effectLst/>
+        <a:effectLst>
+          <a:outerShdw blurRad="40000" dist="20000" dir="5400000" rotWithShape="0">
+            <a:srgbClr val="000000">
+              <a:alpha val="38000"/>
+            </a:srgbClr>
+          </a:outerShdw>
+        </a:effectLst>
       </dsp:spPr>
       <dsp:style>
-        <a:lnRef idx="2">
+        <a:lnRef idx="1">
           <a:scrgbClr r="0" g="0" b="0"/>
         </a:lnRef>
         <a:fillRef idx="1">
           <a:scrgbClr r="0" g="0" b="0"/>
         </a:fillRef>
-        <a:effectRef idx="0">
+        <a:effectRef idx="1">
           <a:scrgbClr r="0" g="0" b="0"/>
         </a:effectRef>
         <a:fontRef idx="minor"/>
@@ -5961,25 +6208,34 @@
           <a:avLst/>
         </a:prstGeom>
         <a:noFill/>
-        <a:ln w="25400" cap="flat" cmpd="sng" algn="ctr">
+        <a:ln>
           <a:noFill/>
-          <a:prstDash val="solid"/>
         </a:ln>
-        <a:effectLst/>
+        <a:effectLst>
+          <a:outerShdw blurRad="40000" dist="20000" dir="5400000" rotWithShape="0">
+            <a:srgbClr val="000000">
+              <a:alpha val="38000"/>
+            </a:srgbClr>
+          </a:outerShdw>
+        </a:effectLst>
+        <a:scene3d>
+          <a:camera prst="orthographicFront"/>
+          <a:lightRig rig="flat" dir="t"/>
+        </a:scene3d>
         <a:sp3d/>
       </dsp:spPr>
       <dsp:style>
-        <a:lnRef idx="2">
+        <a:lnRef idx="0">
           <a:scrgbClr r="0" g="0" b="0"/>
         </a:lnRef>
-        <a:fillRef idx="1">
+        <a:fillRef idx="2">
           <a:scrgbClr r="0" g="0" b="0"/>
         </a:fillRef>
-        <a:effectRef idx="0">
+        <a:effectRef idx="1">
           <a:scrgbClr r="0" g="0" b="0"/>
         </a:effectRef>
         <a:fontRef idx="minor">
-          <a:schemeClr val="lt1"/>
+          <a:schemeClr val="dk1"/>
         </a:fontRef>
       </dsp:style>
       <dsp:txBody>
@@ -6045,7 +6301,7 @@
             <a:fillRect/>
           </a:stretch>
         </a:blipFill>
-        <a:ln w="25400" cap="flat" cmpd="sng" algn="ctr">
+        <a:ln w="9525" cap="flat" cmpd="sng" algn="ctr">
           <a:solidFill>
             <a:schemeClr val="dk2">
               <a:shade val="80000"/>
@@ -6057,16 +6313,22 @@
           </a:solidFill>
           <a:prstDash val="solid"/>
         </a:ln>
-        <a:effectLst/>
+        <a:effectLst>
+          <a:outerShdw blurRad="40000" dist="20000" dir="5400000" rotWithShape="0">
+            <a:srgbClr val="000000">
+              <a:alpha val="38000"/>
+            </a:srgbClr>
+          </a:outerShdw>
+        </a:effectLst>
       </dsp:spPr>
       <dsp:style>
-        <a:lnRef idx="2">
+        <a:lnRef idx="1">
           <a:scrgbClr r="0" g="0" b="0"/>
         </a:lnRef>
         <a:fillRef idx="1">
           <a:scrgbClr r="0" g="0" b="0"/>
         </a:fillRef>
-        <a:effectRef idx="0">
+        <a:effectRef idx="1">
           <a:scrgbClr r="0" g="0" b="0"/>
         </a:effectRef>
         <a:fontRef idx="minor"/>
@@ -6086,25 +6348,34 @@
           <a:avLst/>
         </a:prstGeom>
         <a:noFill/>
-        <a:ln w="25400" cap="flat" cmpd="sng" algn="ctr">
+        <a:ln>
           <a:noFill/>
-          <a:prstDash val="solid"/>
         </a:ln>
-        <a:effectLst/>
+        <a:effectLst>
+          <a:outerShdw blurRad="40000" dist="20000" dir="5400000" rotWithShape="0">
+            <a:srgbClr val="000000">
+              <a:alpha val="38000"/>
+            </a:srgbClr>
+          </a:outerShdw>
+        </a:effectLst>
+        <a:scene3d>
+          <a:camera prst="orthographicFront"/>
+          <a:lightRig rig="flat" dir="t"/>
+        </a:scene3d>
         <a:sp3d/>
       </dsp:spPr>
       <dsp:style>
-        <a:lnRef idx="2">
+        <a:lnRef idx="0">
           <a:scrgbClr r="0" g="0" b="0"/>
         </a:lnRef>
-        <a:fillRef idx="1">
+        <a:fillRef idx="2">
           <a:scrgbClr r="0" g="0" b="0"/>
         </a:fillRef>
-        <a:effectRef idx="0">
+        <a:effectRef idx="1">
           <a:scrgbClr r="0" g="0" b="0"/>
         </a:effectRef>
         <a:fontRef idx="minor">
-          <a:schemeClr val="lt1"/>
+          <a:schemeClr val="dk1"/>
         </a:fontRef>
       </dsp:style>
       <dsp:txBody>
@@ -6157,16 +6428,20 @@
         <a:prstGeom prst="ellipse">
           <a:avLst/>
         </a:prstGeom>
-        <a:solidFill>
-          <a:schemeClr val="dk2">
-            <a:tint val="40000"/>
-            <a:hueOff val="0"/>
-            <a:satOff val="0"/>
-            <a:lumOff val="0"/>
-            <a:alphaOff val="0"/>
-          </a:schemeClr>
-        </a:solidFill>
-        <a:ln w="25400" cap="flat" cmpd="sng" algn="ctr">
+        <a:blipFill>
+          <a:blip xmlns:r="http://schemas.openxmlformats.org/officeDocument/2006/relationships" r:embed="rId1" cstate="print">
+            <a:extLst>
+              <a:ext uri="{28A0092B-C50C-407E-A947-70E740481C1C}">
+                <a14:useLocalDpi xmlns:a14="http://schemas.microsoft.com/office/drawing/2010/main" val="0"/>
+              </a:ext>
+            </a:extLst>
+          </a:blip>
+          <a:srcRect/>
+          <a:stretch>
+            <a:fillRect t="-15000" b="-15000"/>
+          </a:stretch>
+        </a:blipFill>
+        <a:ln w="9525" cap="flat" cmpd="sng" algn="ctr">
           <a:solidFill>
             <a:schemeClr val="dk2">
               <a:shade val="80000"/>
@@ -6178,16 +6453,22 @@
           </a:solidFill>
           <a:prstDash val="solid"/>
         </a:ln>
-        <a:effectLst/>
+        <a:effectLst>
+          <a:outerShdw blurRad="40000" dist="20000" dir="5400000" rotWithShape="0">
+            <a:srgbClr val="000000">
+              <a:alpha val="38000"/>
+            </a:srgbClr>
+          </a:outerShdw>
+        </a:effectLst>
       </dsp:spPr>
       <dsp:style>
-        <a:lnRef idx="2">
+        <a:lnRef idx="1">
           <a:scrgbClr r="0" g="0" b="0"/>
         </a:lnRef>
         <a:fillRef idx="1">
           <a:scrgbClr r="0" g="0" b="0"/>
         </a:fillRef>
-        <a:effectRef idx="0">
+        <a:effectRef idx="1">
           <a:scrgbClr r="0" g="0" b="0"/>
         </a:effectRef>
         <a:fontRef idx="minor"/>
@@ -6207,25 +6488,34 @@
           <a:avLst/>
         </a:prstGeom>
         <a:noFill/>
-        <a:ln w="25400" cap="flat" cmpd="sng" algn="ctr">
+        <a:ln>
           <a:noFill/>
-          <a:prstDash val="solid"/>
         </a:ln>
-        <a:effectLst/>
+        <a:effectLst>
+          <a:outerShdw blurRad="40000" dist="20000" dir="5400000" rotWithShape="0">
+            <a:srgbClr val="000000">
+              <a:alpha val="38000"/>
+            </a:srgbClr>
+          </a:outerShdw>
+        </a:effectLst>
+        <a:scene3d>
+          <a:camera prst="orthographicFront"/>
+          <a:lightRig rig="flat" dir="t"/>
+        </a:scene3d>
         <a:sp3d/>
       </dsp:spPr>
       <dsp:style>
-        <a:lnRef idx="2">
+        <a:lnRef idx="0">
           <a:scrgbClr r="0" g="0" b="0"/>
         </a:lnRef>
-        <a:fillRef idx="1">
+        <a:fillRef idx="2">
           <a:scrgbClr r="0" g="0" b="0"/>
         </a:fillRef>
-        <a:effectRef idx="0">
+        <a:effectRef idx="1">
           <a:scrgbClr r="0" g="0" b="0"/>
         </a:effectRef>
         <a:fontRef idx="minor">
-          <a:schemeClr val="lt1"/>
+          <a:schemeClr val="dk1"/>
         </a:fontRef>
       </dsp:style>
       <dsp:txBody>
@@ -6291,7 +6581,7 @@
             <a:fillRect/>
           </a:stretch>
         </a:blipFill>
-        <a:ln w="25400" cap="flat" cmpd="sng" algn="ctr">
+        <a:ln w="9525" cap="flat" cmpd="sng" algn="ctr">
           <a:solidFill>
             <a:schemeClr val="dk2">
               <a:shade val="80000"/>
@@ -6303,16 +6593,22 @@
           </a:solidFill>
           <a:prstDash val="solid"/>
         </a:ln>
-        <a:effectLst/>
+        <a:effectLst>
+          <a:outerShdw blurRad="40000" dist="20000" dir="5400000" rotWithShape="0">
+            <a:srgbClr val="000000">
+              <a:alpha val="38000"/>
+            </a:srgbClr>
+          </a:outerShdw>
+        </a:effectLst>
       </dsp:spPr>
       <dsp:style>
-        <a:lnRef idx="2">
+        <a:lnRef idx="1">
           <a:scrgbClr r="0" g="0" b="0"/>
         </a:lnRef>
         <a:fillRef idx="1">
           <a:scrgbClr r="0" g="0" b="0"/>
         </a:fillRef>
-        <a:effectRef idx="0">
+        <a:effectRef idx="1">
           <a:scrgbClr r="0" g="0" b="0"/>
         </a:effectRef>
         <a:fontRef idx="minor"/>
@@ -6332,25 +6628,34 @@
           <a:avLst/>
         </a:prstGeom>
         <a:noFill/>
-        <a:ln w="25400" cap="flat" cmpd="sng" algn="ctr">
+        <a:ln>
           <a:noFill/>
-          <a:prstDash val="solid"/>
         </a:ln>
-        <a:effectLst/>
+        <a:effectLst>
+          <a:outerShdw blurRad="40000" dist="20000" dir="5400000" rotWithShape="0">
+            <a:srgbClr val="000000">
+              <a:alpha val="38000"/>
+            </a:srgbClr>
+          </a:outerShdw>
+        </a:effectLst>
+        <a:scene3d>
+          <a:camera prst="orthographicFront"/>
+          <a:lightRig rig="flat" dir="t"/>
+        </a:scene3d>
         <a:sp3d/>
       </dsp:spPr>
       <dsp:style>
-        <a:lnRef idx="2">
+        <a:lnRef idx="0">
           <a:scrgbClr r="0" g="0" b="0"/>
         </a:lnRef>
-        <a:fillRef idx="1">
+        <a:fillRef idx="2">
           <a:scrgbClr r="0" g="0" b="0"/>
         </a:fillRef>
-        <a:effectRef idx="0">
+        <a:effectRef idx="1">
           <a:scrgbClr r="0" g="0" b="0"/>
         </a:effectRef>
         <a:fontRef idx="minor">
-          <a:schemeClr val="lt1"/>
+          <a:schemeClr val="dk1"/>
         </a:fontRef>
       </dsp:style>
       <dsp:txBody>
@@ -6416,7 +6721,7 @@
             <a:fillRect/>
           </a:stretch>
         </a:blipFill>
-        <a:ln w="25400" cap="flat" cmpd="sng" algn="ctr">
+        <a:ln w="9525" cap="flat" cmpd="sng" algn="ctr">
           <a:solidFill>
             <a:schemeClr val="dk2">
               <a:shade val="80000"/>
@@ -6428,16 +6733,22 @@
           </a:solidFill>
           <a:prstDash val="solid"/>
         </a:ln>
-        <a:effectLst/>
+        <a:effectLst>
+          <a:outerShdw blurRad="40000" dist="20000" dir="5400000" rotWithShape="0">
+            <a:srgbClr val="000000">
+              <a:alpha val="38000"/>
+            </a:srgbClr>
+          </a:outerShdw>
+        </a:effectLst>
       </dsp:spPr>
       <dsp:style>
-        <a:lnRef idx="2">
+        <a:lnRef idx="1">
           <a:scrgbClr r="0" g="0" b="0"/>
         </a:lnRef>
         <a:fillRef idx="1">
           <a:scrgbClr r="0" g="0" b="0"/>
         </a:fillRef>
-        <a:effectRef idx="0">
+        <a:effectRef idx="1">
           <a:scrgbClr r="0" g="0" b="0"/>
         </a:effectRef>
         <a:fontRef idx="minor"/>
@@ -6457,25 +6768,34 @@
           <a:avLst/>
         </a:prstGeom>
         <a:noFill/>
-        <a:ln w="25400" cap="flat" cmpd="sng" algn="ctr">
+        <a:ln>
           <a:noFill/>
-          <a:prstDash val="solid"/>
         </a:ln>
-        <a:effectLst/>
+        <a:effectLst>
+          <a:outerShdw blurRad="40000" dist="20000" dir="5400000" rotWithShape="0">
+            <a:srgbClr val="000000">
+              <a:alpha val="38000"/>
+            </a:srgbClr>
+          </a:outerShdw>
+        </a:effectLst>
+        <a:scene3d>
+          <a:camera prst="orthographicFront"/>
+          <a:lightRig rig="flat" dir="t"/>
+        </a:scene3d>
         <a:sp3d/>
       </dsp:spPr>
       <dsp:style>
-        <a:lnRef idx="2">
+        <a:lnRef idx="0">
           <a:scrgbClr r="0" g="0" b="0"/>
         </a:lnRef>
-        <a:fillRef idx="1">
+        <a:fillRef idx="2">
           <a:scrgbClr r="0" g="0" b="0"/>
         </a:fillRef>
-        <a:effectRef idx="0">
+        <a:effectRef idx="1">
           <a:scrgbClr r="0" g="0" b="0"/>
         </a:effectRef>
         <a:fontRef idx="minor">
-          <a:schemeClr val="lt1"/>
+          <a:schemeClr val="dk1"/>
         </a:fontRef>
       </dsp:style>
       <dsp:txBody>
@@ -14956,11 +15276,11 @@
 </file>
 
 <file path=ppt/diagrams/quickStyle1.xml><?xml version="1.0" encoding="utf-8"?>
-<dgm:styleDef xmlns:dgm="http://schemas.openxmlformats.org/drawingml/2006/diagram" xmlns:a="http://schemas.openxmlformats.org/drawingml/2006/main" uniqueId="urn:microsoft.com/office/officeart/2005/8/quickstyle/simple1">
+<dgm:styleDef xmlns:dgm="http://schemas.openxmlformats.org/drawingml/2006/diagram" xmlns:a="http://schemas.openxmlformats.org/drawingml/2006/main" uniqueId="urn:microsoft.com/office/officeart/2005/8/quickstyle/simple3">
   <dgm:title val=""/>
   <dgm:desc val=""/>
   <dgm:catLst>
-    <dgm:cat type="simple" pri="10100"/>
+    <dgm:cat type="simple" pri="10300"/>
   </dgm:catLst>
   <dgm:scene3d>
     <a:camera prst="orthographicFront"/>
@@ -14969,59 +15289,65 @@
   <dgm:styleLbl name="node0">
     <dgm:scene3d>
       <a:camera prst="orthographicFront"/>
-      <a:lightRig rig="threePt" dir="t"/>
+      <a:lightRig rig="flat" dir="t"/>
     </dgm:scene3d>
-    <dgm:sp3d/>
+    <dgm:sp3d prstMaterial="dkEdge">
+      <a:bevelT w="8200" h="38100"/>
+    </dgm:sp3d>
     <dgm:txPr/>
     <dgm:style>
-      <a:lnRef idx="2">
+      <a:lnRef idx="0">
         <a:scrgbClr r="0" g="0" b="0"/>
       </a:lnRef>
-      <a:fillRef idx="1">
+      <a:fillRef idx="2">
         <a:scrgbClr r="0" g="0" b="0"/>
       </a:fillRef>
-      <a:effectRef idx="0">
+      <a:effectRef idx="1">
         <a:scrgbClr r="0" g="0" b="0"/>
       </a:effectRef>
       <a:fontRef idx="minor">
-        <a:schemeClr val="lt1"/>
+        <a:schemeClr val="dk1"/>
       </a:fontRef>
     </dgm:style>
   </dgm:styleLbl>
   <dgm:styleLbl name="lnNode1">
     <dgm:scene3d>
       <a:camera prst="orthographicFront"/>
-      <a:lightRig rig="threePt" dir="t"/>
+      <a:lightRig rig="flat" dir="t"/>
     </dgm:scene3d>
-    <dgm:sp3d/>
+    <dgm:sp3d prstMaterial="dkEdge">
+      <a:bevelT w="8200" h="38100"/>
+    </dgm:sp3d>
     <dgm:txPr/>
     <dgm:style>
-      <a:lnRef idx="2">
+      <a:lnRef idx="1">
         <a:scrgbClr r="0" g="0" b="0"/>
       </a:lnRef>
-      <a:fillRef idx="1">
+      <a:fillRef idx="2">
         <a:scrgbClr r="0" g="0" b="0"/>
       </a:fillRef>
       <a:effectRef idx="0">
         <a:scrgbClr r="0" g="0" b="0"/>
       </a:effectRef>
       <a:fontRef idx="minor">
-        <a:schemeClr val="lt1"/>
+        <a:schemeClr val="dk1"/>
       </a:fontRef>
     </dgm:style>
   </dgm:styleLbl>
   <dgm:styleLbl name="vennNode1">
     <dgm:scene3d>
       <a:camera prst="orthographicFront"/>
-      <a:lightRig rig="threePt" dir="t"/>
+      <a:lightRig rig="flat" dir="t"/>
     </dgm:scene3d>
-    <dgm:sp3d/>
+    <dgm:sp3d prstMaterial="dkEdge">
+      <a:bevelT w="8200" h="38100"/>
+    </dgm:sp3d>
     <dgm:txPr/>
     <dgm:style>
-      <a:lnRef idx="2">
+      <a:lnRef idx="0">
         <a:scrgbClr r="0" g="0" b="0"/>
       </a:lnRef>
-      <a:fillRef idx="1">
+      <a:fillRef idx="2">
         <a:scrgbClr r="0" g="0" b="0"/>
       </a:fillRef>
       <a:effectRef idx="0">
@@ -15040,105 +15366,113 @@
     <dgm:sp3d/>
     <dgm:txPr/>
     <dgm:style>
-      <a:lnRef idx="2">
+      <a:lnRef idx="1">
         <a:scrgbClr r="0" g="0" b="0"/>
       </a:lnRef>
-      <a:fillRef idx="1">
+      <a:fillRef idx="2">
         <a:scrgbClr r="0" g="0" b="0"/>
       </a:fillRef>
-      <a:effectRef idx="0">
+      <a:effectRef idx="1">
         <a:scrgbClr r="0" g="0" b="0"/>
       </a:effectRef>
       <a:fontRef idx="minor">
-        <a:schemeClr val="lt1"/>
+        <a:schemeClr val="dk1"/>
       </a:fontRef>
     </dgm:style>
   </dgm:styleLbl>
   <dgm:styleLbl name="node1">
     <dgm:scene3d>
       <a:camera prst="orthographicFront"/>
-      <a:lightRig rig="threePt" dir="t"/>
+      <a:lightRig rig="flat" dir="t"/>
     </dgm:scene3d>
-    <dgm:sp3d/>
+    <dgm:sp3d prstMaterial="dkEdge">
+      <a:bevelT w="8200" h="38100"/>
+    </dgm:sp3d>
     <dgm:txPr/>
     <dgm:style>
-      <a:lnRef idx="2">
+      <a:lnRef idx="0">
         <a:scrgbClr r="0" g="0" b="0"/>
       </a:lnRef>
-      <a:fillRef idx="1">
+      <a:fillRef idx="2">
         <a:scrgbClr r="0" g="0" b="0"/>
       </a:fillRef>
-      <a:effectRef idx="0">
+      <a:effectRef idx="1">
         <a:scrgbClr r="0" g="0" b="0"/>
       </a:effectRef>
       <a:fontRef idx="minor">
-        <a:schemeClr val="lt1"/>
+        <a:schemeClr val="dk1"/>
       </a:fontRef>
     </dgm:style>
   </dgm:styleLbl>
   <dgm:styleLbl name="node2">
     <dgm:scene3d>
       <a:camera prst="orthographicFront"/>
-      <a:lightRig rig="threePt" dir="t"/>
+      <a:lightRig rig="flat" dir="t"/>
     </dgm:scene3d>
-    <dgm:sp3d/>
+    <dgm:sp3d prstMaterial="dkEdge">
+      <a:bevelT w="8200" h="38100"/>
+    </dgm:sp3d>
     <dgm:txPr/>
     <dgm:style>
-      <a:lnRef idx="2">
+      <a:lnRef idx="0">
         <a:scrgbClr r="0" g="0" b="0"/>
       </a:lnRef>
-      <a:fillRef idx="1">
+      <a:fillRef idx="2">
         <a:scrgbClr r="0" g="0" b="0"/>
       </a:fillRef>
-      <a:effectRef idx="0">
+      <a:effectRef idx="1">
         <a:scrgbClr r="0" g="0" b="0"/>
       </a:effectRef>
       <a:fontRef idx="minor">
-        <a:schemeClr val="lt1"/>
+        <a:schemeClr val="dk1"/>
       </a:fontRef>
     </dgm:style>
   </dgm:styleLbl>
   <dgm:styleLbl name="node3">
     <dgm:scene3d>
       <a:camera prst="orthographicFront"/>
-      <a:lightRig rig="threePt" dir="t"/>
+      <a:lightRig rig="flat" dir="t"/>
     </dgm:scene3d>
-    <dgm:sp3d/>
+    <dgm:sp3d prstMaterial="dkEdge">
+      <a:bevelT w="8200" h="38100"/>
+    </dgm:sp3d>
     <dgm:txPr/>
     <dgm:style>
-      <a:lnRef idx="2">
+      <a:lnRef idx="0">
         <a:scrgbClr r="0" g="0" b="0"/>
       </a:lnRef>
-      <a:fillRef idx="1">
+      <a:fillRef idx="2">
         <a:scrgbClr r="0" g="0" b="0"/>
       </a:fillRef>
-      <a:effectRef idx="0">
+      <a:effectRef idx="1">
         <a:scrgbClr r="0" g="0" b="0"/>
       </a:effectRef>
       <a:fontRef idx="minor">
-        <a:schemeClr val="lt1"/>
+        <a:schemeClr val="dk1"/>
       </a:fontRef>
     </dgm:style>
   </dgm:styleLbl>
   <dgm:styleLbl name="node4">
     <dgm:scene3d>
       <a:camera prst="orthographicFront"/>
-      <a:lightRig rig="threePt" dir="t"/>
+      <a:lightRig rig="flat" dir="t"/>
     </dgm:scene3d>
-    <dgm:sp3d/>
+    <dgm:sp3d prstMaterial="dkEdge">
+      <a:bevelT w="8200" h="38100"/>
+    </dgm:sp3d>
     <dgm:txPr/>
     <dgm:style>
-      <a:lnRef idx="2">
+      <a:lnRef idx="0">
         <a:scrgbClr r="0" g="0" b="0"/>
       </a:lnRef>
-      <a:fillRef idx="1">
+      <a:fillRef idx="2">
         <a:scrgbClr r="0" g="0" b="0"/>
       </a:fillRef>
-      <a:effectRef idx="0">
+      <a:effectRef idx="1">
         <a:scrgbClr r="0" g="0" b="0"/>
       </a:effectRef>
       <a:fontRef idx="minor">
-        <a:schemeClr val="lt1"/>
+        <a:schemeClr val="dk1"/>
       </a:fontRef>
     </dgm:style>
   </dgm:styleLbl>
@@ -15150,13 +15484,13 @@
     <dgm:sp3d/>
     <dgm:txPr/>
     <dgm:style>
-      <a:lnRef idx="2">
+      <a:lnRef idx="1">
         <a:scrgbClr r="0" g="0" b="0"/>
       </a:lnRef>
       <a:fillRef idx="1">
         <a:scrgbClr r="0" g="0" b="0"/>
       </a:fillRef>
-      <a:effectRef idx="0">
+      <a:effectRef idx="1">
         <a:scrgbClr r="0" g="0" b="0"/>
       </a:effectRef>
       <a:fontRef idx="minor"/>
@@ -15170,13 +15504,13 @@
     <dgm:sp3d/>
     <dgm:txPr/>
     <dgm:style>
-      <a:lnRef idx="2">
+      <a:lnRef idx="1">
         <a:scrgbClr r="0" g="0" b="0"/>
       </a:lnRef>
       <a:fillRef idx="1">
         <a:scrgbClr r="0" g="0" b="0"/>
       </a:fillRef>
-      <a:effectRef idx="0">
+      <a:effectRef idx="1">
         <a:scrgbClr r="0" g="0" b="0"/>
       </a:effectRef>
       <a:fontRef idx="minor"/>
@@ -15190,13 +15524,13 @@
     <dgm:sp3d/>
     <dgm:txPr/>
     <dgm:style>
-      <a:lnRef idx="2">
+      <a:lnRef idx="1">
         <a:scrgbClr r="0" g="0" b="0"/>
       </a:lnRef>
       <a:fillRef idx="1">
         <a:scrgbClr r="0" g="0" b="0"/>
       </a:fillRef>
-      <a:effectRef idx="0">
+      <a:effectRef idx="1">
         <a:scrgbClr r="0" g="0" b="0"/>
       </a:effectRef>
       <a:fontRef idx="minor"/>
@@ -15213,14 +15547,14 @@
       <a:lnRef idx="0">
         <a:scrgbClr r="0" g="0" b="0"/>
       </a:lnRef>
-      <a:fillRef idx="1">
+      <a:fillRef idx="2">
         <a:scrgbClr r="0" g="0" b="0"/>
       </a:fillRef>
-      <a:effectRef idx="0">
+      <a:effectRef idx="1">
         <a:scrgbClr r="0" g="0" b="0"/>
       </a:effectRef>
       <a:fontRef idx="minor">
-        <a:schemeClr val="lt1"/>
+        <a:schemeClr val="dk1"/>
       </a:fontRef>
     </dgm:style>
   </dgm:styleLbl>
@@ -15235,14 +15569,14 @@
       <a:lnRef idx="0">
         <a:scrgbClr r="0" g="0" b="0"/>
       </a:lnRef>
-      <a:fillRef idx="1">
+      <a:fillRef idx="2">
         <a:scrgbClr r="0" g="0" b="0"/>
       </a:fillRef>
-      <a:effectRef idx="0">
+      <a:effectRef idx="1">
         <a:scrgbClr r="0" g="0" b="0"/>
       </a:effectRef>
       <a:fontRef idx="minor">
-        <a:schemeClr val="lt1"/>
+        <a:schemeClr val="dk1"/>
       </a:fontRef>
     </dgm:style>
   </dgm:styleLbl>
@@ -15257,14 +15591,14 @@
       <a:lnRef idx="0">
         <a:scrgbClr r="0" g="0" b="0"/>
       </a:lnRef>
-      <a:fillRef idx="1">
+      <a:fillRef idx="2">
         <a:scrgbClr r="0" g="0" b="0"/>
       </a:fillRef>
-      <a:effectRef idx="0">
+      <a:effectRef idx="1">
         <a:scrgbClr r="0" g="0" b="0"/>
       </a:effectRef>
       <a:fontRef idx="minor">
-        <a:schemeClr val="lt1"/>
+        <a:schemeClr val="dk1"/>
       </a:fontRef>
     </dgm:style>
   </dgm:styleLbl>
@@ -15296,13 +15630,13 @@
     <dgm:sp3d/>
     <dgm:txPr/>
     <dgm:style>
-      <a:lnRef idx="2">
+      <a:lnRef idx="1">
         <a:scrgbClr r="0" g="0" b="0"/>
       </a:lnRef>
-      <a:fillRef idx="1">
+      <a:fillRef idx="2">
         <a:scrgbClr r="0" g="0" b="0"/>
       </a:fillRef>
-      <a:effectRef idx="0">
+      <a:effectRef idx="1">
         <a:scrgbClr r="0" g="0" b="0"/>
       </a:effectRef>
       <a:fontRef idx="minor"/>
@@ -15311,110 +15645,120 @@
   <dgm:styleLbl name="asst0">
     <dgm:scene3d>
       <a:camera prst="orthographicFront"/>
-      <a:lightRig rig="threePt" dir="t"/>
+      <a:lightRig rig="flat" dir="t"/>
     </dgm:scene3d>
-    <dgm:sp3d/>
+    <dgm:sp3d prstMaterial="dkEdge">
+      <a:bevelT w="8200" h="38100"/>
+    </dgm:sp3d>
     <dgm:txPr/>
     <dgm:style>
-      <a:lnRef idx="2">
+      <a:lnRef idx="0">
         <a:scrgbClr r="0" g="0" b="0"/>
       </a:lnRef>
-      <a:fillRef idx="1">
+      <a:fillRef idx="2">
         <a:scrgbClr r="0" g="0" b="0"/>
       </a:fillRef>
-      <a:effectRef idx="0">
+      <a:effectRef idx="1">
         <a:scrgbClr r="0" g="0" b="0"/>
       </a:effectRef>
       <a:fontRef idx="minor">
-        <a:schemeClr val="lt1"/>
+        <a:schemeClr val="dk1"/>
       </a:fontRef>
     </dgm:style>
   </dgm:styleLbl>
   <dgm:styleLbl name="asst1">
     <dgm:scene3d>
       <a:camera prst="orthographicFront"/>
-      <a:lightRig rig="threePt" dir="t"/>
+      <a:lightRig rig="flat" dir="t"/>
     </dgm:scene3d>
-    <dgm:sp3d/>
+    <dgm:sp3d prstMaterial="dkEdge">
+      <a:bevelT w="8200" h="38100"/>
+    </dgm:sp3d>
     <dgm:txPr/>
     <dgm:style>
-      <a:lnRef idx="2">
+      <a:lnRef idx="0">
         <a:scrgbClr r="0" g="0" b="0"/>
       </a:lnRef>
-      <a:fillRef idx="1">
+      <a:fillRef idx="2">
         <a:scrgbClr r="0" g="0" b="0"/>
       </a:fillRef>
-      <a:effectRef idx="0">
+      <a:effectRef idx="1">
         <a:scrgbClr r="0" g="0" b="0"/>
       </a:effectRef>
       <a:fontRef idx="minor">
-        <a:schemeClr val="lt1"/>
+        <a:schemeClr val="dk1"/>
       </a:fontRef>
     </dgm:style>
   </dgm:styleLbl>
   <dgm:styleLbl name="asst2">
     <dgm:scene3d>
       <a:camera prst="orthographicFront"/>
-      <a:lightRig rig="threePt" dir="t"/>
+      <a:lightRig rig="flat" dir="t"/>
     </dgm:scene3d>
-    <dgm:sp3d/>
+    <dgm:sp3d prstMaterial="dkEdge">
+      <a:bevelT w="8200" h="38100"/>
+    </dgm:sp3d>
     <dgm:txPr/>
     <dgm:style>
-      <a:lnRef idx="2">
+      <a:lnRef idx="0">
         <a:scrgbClr r="0" g="0" b="0"/>
       </a:lnRef>
-      <a:fillRef idx="1">
+      <a:fillRef idx="2">
         <a:scrgbClr r="0" g="0" b="0"/>
       </a:fillRef>
-      <a:effectRef idx="0">
+      <a:effectRef idx="1">
         <a:scrgbClr r="0" g="0" b="0"/>
       </a:effectRef>
       <a:fontRef idx="minor">
-        <a:schemeClr val="lt1"/>
+        <a:schemeClr val="dk1"/>
       </a:fontRef>
     </dgm:style>
   </dgm:styleLbl>
   <dgm:styleLbl name="asst3">
     <dgm:scene3d>
       <a:camera prst="orthographicFront"/>
-      <a:lightRig rig="threePt" dir="t"/>
+      <a:lightRig rig="flat" dir="t"/>
     </dgm:scene3d>
-    <dgm:sp3d/>
+    <dgm:sp3d prstMaterial="dkEdge">
+      <a:bevelT w="8200" h="38100"/>
+    </dgm:sp3d>
     <dgm:txPr/>
     <dgm:style>
-      <a:lnRef idx="2">
+      <a:lnRef idx="0">
         <a:scrgbClr r="0" g="0" b="0"/>
       </a:lnRef>
-      <a:fillRef idx="1">
+      <a:fillRef idx="2">
         <a:scrgbClr r="0" g="0" b="0"/>
       </a:fillRef>
-      <a:effectRef idx="0">
+      <a:effectRef idx="1">
         <a:scrgbClr r="0" g="0" b="0"/>
       </a:effectRef>
       <a:fontRef idx="minor">
-        <a:schemeClr val="lt1"/>
+        <a:schemeClr val="dk1"/>
       </a:fontRef>
     </dgm:style>
   </dgm:styleLbl>
   <dgm:styleLbl name="asst4">
     <dgm:scene3d>
       <a:camera prst="orthographicFront"/>
-      <a:lightRig rig="threePt" dir="t"/>
+      <a:lightRig rig="flat" dir="t"/>
     </dgm:scene3d>
-    <dgm:sp3d/>
+    <dgm:sp3d prstMaterial="dkEdge">
+      <a:bevelT w="8200" h="38100"/>
+    </dgm:sp3d>
     <dgm:txPr/>
     <dgm:style>
-      <a:lnRef idx="2">
+      <a:lnRef idx="0">
         <a:scrgbClr r="0" g="0" b="0"/>
       </a:lnRef>
-      <a:fillRef idx="1">
+      <a:fillRef idx="2">
         <a:scrgbClr r="0" g="0" b="0"/>
       </a:fillRef>
-      <a:effectRef idx="0">
+      <a:effectRef idx="1">
         <a:scrgbClr r="0" g="0" b="0"/>
       </a:effectRef>
       <a:fontRef idx="minor">
-        <a:schemeClr val="lt1"/>
+        <a:schemeClr val="dk1"/>
       </a:fontRef>
     </dgm:style>
   </dgm:styleLbl>
@@ -15426,17 +15770,17 @@
     <dgm:sp3d/>
     <dgm:txPr/>
     <dgm:style>
-      <a:lnRef idx="2">
+      <a:lnRef idx="1">
         <a:scrgbClr r="0" g="0" b="0"/>
       </a:lnRef>
-      <a:fillRef idx="1">
+      <a:fillRef idx="2">
         <a:scrgbClr r="0" g="0" b="0"/>
       </a:fillRef>
-      <a:effectRef idx="0">
+      <a:effectRef idx="1">
         <a:scrgbClr r="0" g="0" b="0"/>
       </a:effectRef>
       <a:fontRef idx="minor">
-        <a:schemeClr val="lt1"/>
+        <a:schemeClr val="dk1"/>
       </a:fontRef>
     </dgm:style>
   </dgm:styleLbl>
@@ -15448,17 +15792,17 @@
     <dgm:sp3d/>
     <dgm:txPr/>
     <dgm:style>
-      <a:lnRef idx="2">
+      <a:lnRef idx="1">
         <a:scrgbClr r="0" g="0" b="0"/>
       </a:lnRef>
-      <a:fillRef idx="1">
+      <a:fillRef idx="2">
         <a:scrgbClr r="0" g="0" b="0"/>
       </a:fillRef>
-      <a:effectRef idx="0">
+      <a:effectRef idx="1">
         <a:scrgbClr r="0" g="0" b="0"/>
       </a:effectRef>
       <a:fontRef idx="minor">
-        <a:schemeClr val="lt1"/>
+        <a:schemeClr val="dk1"/>
       </a:fontRef>
     </dgm:style>
   </dgm:styleLbl>
@@ -15470,17 +15814,17 @@
     <dgm:sp3d/>
     <dgm:txPr/>
     <dgm:style>
-      <a:lnRef idx="2">
+      <a:lnRef idx="1">
         <a:scrgbClr r="0" g="0" b="0"/>
       </a:lnRef>
-      <a:fillRef idx="1">
+      <a:fillRef idx="2">
         <a:scrgbClr r="0" g="0" b="0"/>
       </a:fillRef>
-      <a:effectRef idx="0">
+      <a:effectRef idx="1">
         <a:scrgbClr r="0" g="0" b="0"/>
       </a:effectRef>
       <a:fontRef idx="minor">
-        <a:schemeClr val="lt1"/>
+        <a:schemeClr val="dk1"/>
       </a:fontRef>
     </dgm:style>
   </dgm:styleLbl>
@@ -15492,17 +15836,17 @@
     <dgm:sp3d/>
     <dgm:txPr/>
     <dgm:style>
-      <a:lnRef idx="2">
+      <a:lnRef idx="1">
         <a:scrgbClr r="0" g="0" b="0"/>
       </a:lnRef>
-      <a:fillRef idx="1">
+      <a:fillRef idx="2">
         <a:scrgbClr r="0" g="0" b="0"/>
       </a:fillRef>
-      <a:effectRef idx="0">
+      <a:effectRef idx="1">
         <a:scrgbClr r="0" g="0" b="0"/>
       </a:effectRef>
       <a:fontRef idx="minor">
-        <a:schemeClr val="lt1"/>
+        <a:schemeClr val="dk1"/>
       </a:fontRef>
     </dgm:style>
   </dgm:styleLbl>
@@ -15594,7 +15938,7 @@
     <dgm:sp3d/>
     <dgm:txPr/>
     <dgm:style>
-      <a:lnRef idx="2">
+      <a:lnRef idx="1">
         <a:scrgbClr r="0" g="0" b="0"/>
       </a:lnRef>
       <a:fillRef idx="1">
@@ -15614,7 +15958,7 @@
     <dgm:sp3d/>
     <dgm:txPr/>
     <dgm:style>
-      <a:lnRef idx="2">
+      <a:lnRef idx="1">
         <a:scrgbClr r="0" g="0" b="0"/>
       </a:lnRef>
       <a:fillRef idx="1">
@@ -15634,7 +15978,7 @@
     <dgm:sp3d/>
     <dgm:txPr/>
     <dgm:style>
-      <a:lnRef idx="2">
+      <a:lnRef idx="1">
         <a:scrgbClr r="0" g="0" b="0"/>
       </a:lnRef>
       <a:fillRef idx="1">
@@ -15674,7 +16018,7 @@
     <dgm:sp3d/>
     <dgm:txPr/>
     <dgm:style>
-      <a:lnRef idx="2">
+      <a:lnRef idx="1">
         <a:scrgbClr r="0" g="0" b="0"/>
       </a:lnRef>
       <a:fillRef idx="1">
@@ -15694,10 +16038,10 @@
     <dgm:sp3d/>
     <dgm:txPr/>
     <dgm:style>
-      <a:lnRef idx="2">
+      <a:lnRef idx="1">
         <a:scrgbClr r="0" g="0" b="0"/>
       </a:lnRef>
-      <a:fillRef idx="1">
+      <a:fillRef idx="2">
         <a:scrgbClr r="0" g="0" b="0"/>
       </a:fillRef>
       <a:effectRef idx="0">
@@ -15714,7 +16058,7 @@
     <dgm:sp3d/>
     <dgm:txPr/>
     <dgm:style>
-      <a:lnRef idx="2">
+      <a:lnRef idx="1">
         <a:scrgbClr r="0" g="0" b="0"/>
       </a:lnRef>
       <a:fillRef idx="1">
@@ -15734,7 +16078,7 @@
     <dgm:sp3d/>
     <dgm:txPr/>
     <dgm:style>
-      <a:lnRef idx="2">
+      <a:lnRef idx="1">
         <a:scrgbClr r="0" g="0" b="0"/>
       </a:lnRef>
       <a:fillRef idx="1">
@@ -15754,7 +16098,7 @@
     <dgm:sp3d/>
     <dgm:txPr/>
     <dgm:style>
-      <a:lnRef idx="2">
+      <a:lnRef idx="1">
         <a:scrgbClr r="0" g="0" b="0"/>
       </a:lnRef>
       <a:fillRef idx="1">
@@ -15774,7 +16118,7 @@
     <dgm:sp3d/>
     <dgm:txPr/>
     <dgm:style>
-      <a:lnRef idx="2">
+      <a:lnRef idx="1">
         <a:scrgbClr r="0" g="0" b="0"/>
       </a:lnRef>
       <a:fillRef idx="1">
@@ -15794,7 +16138,7 @@
     <dgm:sp3d/>
     <dgm:txPr/>
     <dgm:style>
-      <a:lnRef idx="2">
+      <a:lnRef idx="1">
         <a:scrgbClr r="0" g="0" b="0"/>
       </a:lnRef>
       <a:fillRef idx="1">
@@ -15814,7 +16158,7 @@
     <dgm:sp3d/>
     <dgm:txPr/>
     <dgm:style>
-      <a:lnRef idx="2">
+      <a:lnRef idx="1">
         <a:scrgbClr r="0" g="0" b="0"/>
       </a:lnRef>
       <a:fillRef idx="1">
@@ -15834,7 +16178,7 @@
     <dgm:sp3d/>
     <dgm:txPr/>
     <dgm:style>
-      <a:lnRef idx="2">
+      <a:lnRef idx="1">
         <a:scrgbClr r="0" g="0" b="0"/>
       </a:lnRef>
       <a:fillRef idx="1">
@@ -15854,7 +16198,7 @@
     <dgm:sp3d/>
     <dgm:txPr/>
     <dgm:style>
-      <a:lnRef idx="2">
+      <a:lnRef idx="1">
         <a:scrgbClr r="0" g="0" b="0"/>
       </a:lnRef>
       <a:fillRef idx="1">
@@ -15874,7 +16218,7 @@
     <dgm:sp3d/>
     <dgm:txPr/>
     <dgm:style>
-      <a:lnRef idx="2">
+      <a:lnRef idx="1">
         <a:scrgbClr r="0" g="0" b="0"/>
       </a:lnRef>
       <a:fillRef idx="1">
@@ -15900,7 +16244,7 @@
       <a:fillRef idx="1">
         <a:scrgbClr r="0" g="0" b="0"/>
       </a:fillRef>
-      <a:effectRef idx="0">
+      <a:effectRef idx="1">
         <a:scrgbClr r="0" g="0" b="0"/>
       </a:effectRef>
       <a:fontRef idx="minor"/>
@@ -15920,7 +16264,7 @@
       <a:fillRef idx="1">
         <a:scrgbClr r="0" g="0" b="0"/>
       </a:fillRef>
-      <a:effectRef idx="0">
+      <a:effectRef idx="1">
         <a:scrgbClr r="0" g="0" b="0"/>
       </a:effectRef>
       <a:fontRef idx="minor"/>
@@ -15949,18 +16293,20 @@
   <dgm:styleLbl name="fgShp">
     <dgm:scene3d>
       <a:camera prst="orthographicFront"/>
-      <a:lightRig rig="threePt" dir="t"/>
+      <a:lightRig rig="flat" dir="t"/>
     </dgm:scene3d>
-    <dgm:sp3d/>
+    <dgm:sp3d prstMaterial="dkEdge">
+      <a:bevelT w="8200" h="38100"/>
+    </dgm:sp3d>
     <dgm:txPr/>
     <dgm:style>
-      <a:lnRef idx="2">
+      <a:lnRef idx="1">
         <a:scrgbClr r="0" g="0" b="0"/>
       </a:lnRef>
-      <a:fillRef idx="1">
+      <a:fillRef idx="2">
         <a:scrgbClr r="0" g="0" b="0"/>
       </a:fillRef>
-      <a:effectRef idx="0">
+      <a:effectRef idx="1">
         <a:scrgbClr r="0" g="0" b="0"/>
       </a:effectRef>
       <a:fontRef idx="minor"/>
@@ -15990,11 +16336,11 @@
 </file>
 
 <file path=ppt/diagrams/quickStyle2.xml><?xml version="1.0" encoding="utf-8"?>
-<dgm:styleDef xmlns:dgm="http://schemas.openxmlformats.org/drawingml/2006/diagram" xmlns:a="http://schemas.openxmlformats.org/drawingml/2006/main" uniqueId="urn:microsoft.com/office/officeart/2005/8/quickstyle/simple1">
+<dgm:styleDef xmlns:dgm="http://schemas.openxmlformats.org/drawingml/2006/diagram" xmlns:a="http://schemas.openxmlformats.org/drawingml/2006/main" uniqueId="urn:microsoft.com/office/officeart/2005/8/quickstyle/simple3">
   <dgm:title val=""/>
   <dgm:desc val=""/>
   <dgm:catLst>
-    <dgm:cat type="simple" pri="10100"/>
+    <dgm:cat type="simple" pri="10300"/>
   </dgm:catLst>
   <dgm:scene3d>
     <a:camera prst="orthographicFront"/>
@@ -16003,59 +16349,65 @@
   <dgm:styleLbl name="node0">
     <dgm:scene3d>
       <a:camera prst="orthographicFront"/>
-      <a:lightRig rig="threePt" dir="t"/>
+      <a:lightRig rig="flat" dir="t"/>
     </dgm:scene3d>
-    <dgm:sp3d/>
+    <dgm:sp3d prstMaterial="dkEdge">
+      <a:bevelT w="8200" h="38100"/>
+    </dgm:sp3d>
     <dgm:txPr/>
     <dgm:style>
-      <a:lnRef idx="2">
+      <a:lnRef idx="0">
         <a:scrgbClr r="0" g="0" b="0"/>
       </a:lnRef>
-      <a:fillRef idx="1">
+      <a:fillRef idx="2">
         <a:scrgbClr r="0" g="0" b="0"/>
       </a:fillRef>
-      <a:effectRef idx="0">
+      <a:effectRef idx="1">
         <a:scrgbClr r="0" g="0" b="0"/>
       </a:effectRef>
       <a:fontRef idx="minor">
-        <a:schemeClr val="lt1"/>
+        <a:schemeClr val="dk1"/>
       </a:fontRef>
     </dgm:style>
   </dgm:styleLbl>
   <dgm:styleLbl name="lnNode1">
     <dgm:scene3d>
       <a:camera prst="orthographicFront"/>
-      <a:lightRig rig="threePt" dir="t"/>
+      <a:lightRig rig="flat" dir="t"/>
     </dgm:scene3d>
-    <dgm:sp3d/>
+    <dgm:sp3d prstMaterial="dkEdge">
+      <a:bevelT w="8200" h="38100"/>
+    </dgm:sp3d>
     <dgm:txPr/>
     <dgm:style>
-      <a:lnRef idx="2">
+      <a:lnRef idx="1">
         <a:scrgbClr r="0" g="0" b="0"/>
       </a:lnRef>
-      <a:fillRef idx="1">
+      <a:fillRef idx="2">
         <a:scrgbClr r="0" g="0" b="0"/>
       </a:fillRef>
       <a:effectRef idx="0">
         <a:scrgbClr r="0" g="0" b="0"/>
       </a:effectRef>
       <a:fontRef idx="minor">
-        <a:schemeClr val="lt1"/>
+        <a:schemeClr val="dk1"/>
       </a:fontRef>
     </dgm:style>
   </dgm:styleLbl>
   <dgm:styleLbl name="vennNode1">
     <dgm:scene3d>
       <a:camera prst="orthographicFront"/>
-      <a:lightRig rig="threePt" dir="t"/>
+      <a:lightRig rig="flat" dir="t"/>
     </dgm:scene3d>
-    <dgm:sp3d/>
+    <dgm:sp3d prstMaterial="dkEdge">
+      <a:bevelT w="8200" h="38100"/>
+    </dgm:sp3d>
     <dgm:txPr/>
     <dgm:style>
-      <a:lnRef idx="2">
+      <a:lnRef idx="0">
         <a:scrgbClr r="0" g="0" b="0"/>
       </a:lnRef>
-      <a:fillRef idx="1">
+      <a:fillRef idx="2">
         <a:scrgbClr r="0" g="0" b="0"/>
       </a:fillRef>
       <a:effectRef idx="0">
@@ -16074,105 +16426,113 @@
     <dgm:sp3d/>
     <dgm:txPr/>
     <dgm:style>
-      <a:lnRef idx="2">
+      <a:lnRef idx="1">
         <a:scrgbClr r="0" g="0" b="0"/>
       </a:lnRef>
-      <a:fillRef idx="1">
+      <a:fillRef idx="2">
         <a:scrgbClr r="0" g="0" b="0"/>
       </a:fillRef>
-      <a:effectRef idx="0">
+      <a:effectRef idx="1">
         <a:scrgbClr r="0" g="0" b="0"/>
       </a:effectRef>
       <a:fontRef idx="minor">
-        <a:schemeClr val="lt1"/>
+        <a:schemeClr val="dk1"/>
       </a:fontRef>
     </dgm:style>
   </dgm:styleLbl>
   <dgm:styleLbl name="node1">
     <dgm:scene3d>
       <a:camera prst="orthographicFront"/>
-      <a:lightRig rig="threePt" dir="t"/>
+      <a:lightRig rig="flat" dir="t"/>
     </dgm:scene3d>
-    <dgm:sp3d/>
+    <dgm:sp3d prstMaterial="dkEdge">
+      <a:bevelT w="8200" h="38100"/>
+    </dgm:sp3d>
     <dgm:txPr/>
     <dgm:style>
-      <a:lnRef idx="2">
+      <a:lnRef idx="0">
         <a:scrgbClr r="0" g="0" b="0"/>
       </a:lnRef>
-      <a:fillRef idx="1">
+      <a:fillRef idx="2">
         <a:scrgbClr r="0" g="0" b="0"/>
       </a:fillRef>
-      <a:effectRef idx="0">
+      <a:effectRef idx="1">
         <a:scrgbClr r="0" g="0" b="0"/>
       </a:effectRef>
       <a:fontRef idx="minor">
-        <a:schemeClr val="lt1"/>
+        <a:schemeClr val="dk1"/>
       </a:fontRef>
     </dgm:style>
   </dgm:styleLbl>
   <dgm:styleLbl name="node2">
     <dgm:scene3d>
       <a:camera prst="orthographicFront"/>
-      <a:lightRig rig="threePt" dir="t"/>
+      <a:lightRig rig="flat" dir="t"/>
     </dgm:scene3d>
-    <dgm:sp3d/>
+    <dgm:sp3d prstMaterial="dkEdge">
+      <a:bevelT w="8200" h="38100"/>
+    </dgm:sp3d>
     <dgm:txPr/>
     <dgm:style>
-      <a:lnRef idx="2">
+      <a:lnRef idx="0">
         <a:scrgbClr r="0" g="0" b="0"/>
       </a:lnRef>
-      <a:fillRef idx="1">
+      <a:fillRef idx="2">
         <a:scrgbClr r="0" g="0" b="0"/>
       </a:fillRef>
-      <a:effectRef idx="0">
+      <a:effectRef idx="1">
         <a:scrgbClr r="0" g="0" b="0"/>
       </a:effectRef>
       <a:fontRef idx="minor">
-        <a:schemeClr val="lt1"/>
+        <a:schemeClr val="dk1"/>
       </a:fontRef>
     </dgm:style>
   </dgm:styleLbl>
   <dgm:styleLbl name="node3">
     <dgm:scene3d>
       <a:camera prst="orthographicFront"/>
-      <a:lightRig rig="threePt" dir="t"/>
+      <a:lightRig rig="flat" dir="t"/>
     </dgm:scene3d>
-    <dgm:sp3d/>
+    <dgm:sp3d prstMaterial="dkEdge">
+      <a:bevelT w="8200" h="38100"/>
+    </dgm:sp3d>
     <dgm:txPr/>
     <dgm:style>
-      <a:lnRef idx="2">
+      <a:lnRef idx="0">
         <a:scrgbClr r="0" g="0" b="0"/>
       </a:lnRef>
-      <a:fillRef idx="1">
+      <a:fillRef idx="2">
         <a:scrgbClr r="0" g="0" b="0"/>
       </a:fillRef>
-      <a:effectRef idx="0">
+      <a:effectRef idx="1">
         <a:scrgbClr r="0" g="0" b="0"/>
       </a:effectRef>
       <a:fontRef idx="minor">
-        <a:schemeClr val="lt1"/>
+        <a:schemeClr val="dk1"/>
       </a:fontRef>
     </dgm:style>
   </dgm:styleLbl>
   <dgm:styleLbl name="node4">
     <dgm:scene3d>
       <a:camera prst="orthographicFront"/>
-      <a:lightRig rig="threePt" dir="t"/>
+      <a:lightRig rig="flat" dir="t"/>
     </dgm:scene3d>
-    <dgm:sp3d/>
+    <dgm:sp3d prstMaterial="dkEdge">
+      <a:bevelT w="8200" h="38100"/>
+    </dgm:sp3d>
     <dgm:txPr/>
     <dgm:style>
-      <a:lnRef idx="2">
+      <a:lnRef idx="0">
         <a:scrgbClr r="0" g="0" b="0"/>
       </a:lnRef>
-      <a:fillRef idx="1">
+      <a:fillRef idx="2">
         <a:scrgbClr r="0" g="0" b="0"/>
       </a:fillRef>
-      <a:effectRef idx="0">
+      <a:effectRef idx="1">
         <a:scrgbClr r="0" g="0" b="0"/>
       </a:effectRef>
       <a:fontRef idx="minor">
-        <a:schemeClr val="lt1"/>
+        <a:schemeClr val="dk1"/>
       </a:fontRef>
     </dgm:style>
   </dgm:styleLbl>
@@ -16184,13 +16544,13 @@
     <dgm:sp3d/>
     <dgm:txPr/>
     <dgm:style>
-      <a:lnRef idx="2">
+      <a:lnRef idx="1">
         <a:scrgbClr r="0" g="0" b="0"/>
       </a:lnRef>
       <a:fillRef idx="1">
         <a:scrgbClr r="0" g="0" b="0"/>
       </a:fillRef>
-      <a:effectRef idx="0">
+      <a:effectRef idx="1">
         <a:scrgbClr r="0" g="0" b="0"/>
       </a:effectRef>
       <a:fontRef idx="minor"/>
@@ -16204,13 +16564,13 @@
     <dgm:sp3d/>
     <dgm:txPr/>
     <dgm:style>
-      <a:lnRef idx="2">
+      <a:lnRef idx="1">
         <a:scrgbClr r="0" g="0" b="0"/>
       </a:lnRef>
       <a:fillRef idx="1">
         <a:scrgbClr r="0" g="0" b="0"/>
       </a:fillRef>
-      <a:effectRef idx="0">
+      <a:effectRef idx="1">
         <a:scrgbClr r="0" g="0" b="0"/>
       </a:effectRef>
       <a:fontRef idx="minor"/>
@@ -16224,13 +16584,13 @@
     <dgm:sp3d/>
     <dgm:txPr/>
     <dgm:style>
-      <a:lnRef idx="2">
+      <a:lnRef idx="1">
         <a:scrgbClr r="0" g="0" b="0"/>
       </a:lnRef>
       <a:fillRef idx="1">
         <a:scrgbClr r="0" g="0" b="0"/>
       </a:fillRef>
-      <a:effectRef idx="0">
+      <a:effectRef idx="1">
         <a:scrgbClr r="0" g="0" b="0"/>
       </a:effectRef>
       <a:fontRef idx="minor"/>
@@ -16247,14 +16607,14 @@
       <a:lnRef idx="0">
         <a:scrgbClr r="0" g="0" b="0"/>
       </a:lnRef>
-      <a:fillRef idx="1">
+      <a:fillRef idx="2">
         <a:scrgbClr r="0" g="0" b="0"/>
       </a:fillRef>
-      <a:effectRef idx="0">
+      <a:effectRef idx="1">
         <a:scrgbClr r="0" g="0" b="0"/>
       </a:effectRef>
       <a:fontRef idx="minor">
-        <a:schemeClr val="lt1"/>
+        <a:schemeClr val="dk1"/>
       </a:fontRef>
     </dgm:style>
   </dgm:styleLbl>
@@ -16269,14 +16629,14 @@
       <a:lnRef idx="0">
         <a:scrgbClr r="0" g="0" b="0"/>
       </a:lnRef>
-      <a:fillRef idx="1">
+      <a:fillRef idx="2">
         <a:scrgbClr r="0" g="0" b="0"/>
       </a:fillRef>
-      <a:effectRef idx="0">
+      <a:effectRef idx="1">
         <a:scrgbClr r="0" g="0" b="0"/>
       </a:effectRef>
       <a:fontRef idx="minor">
-        <a:schemeClr val="lt1"/>
+        <a:schemeClr val="dk1"/>
       </a:fontRef>
     </dgm:style>
   </dgm:styleLbl>
@@ -16291,14 +16651,14 @@
       <a:lnRef idx="0">
         <a:scrgbClr r="0" g="0" b="0"/>
       </a:lnRef>
-      <a:fillRef idx="1">
+      <a:fillRef idx="2">
         <a:scrgbClr r="0" g="0" b="0"/>
       </a:fillRef>
-      <a:effectRef idx="0">
+      <a:effectRef idx="1">
         <a:scrgbClr r="0" g="0" b="0"/>
       </a:effectRef>
       <a:fontRef idx="minor">
-        <a:schemeClr val="lt1"/>
+        <a:schemeClr val="dk1"/>
       </a:fontRef>
     </dgm:style>
   </dgm:styleLbl>
@@ -16330,13 +16690,13 @@
     <dgm:sp3d/>
     <dgm:txPr/>
     <dgm:style>
-      <a:lnRef idx="2">
+      <a:lnRef idx="1">
         <a:scrgbClr r="0" g="0" b="0"/>
       </a:lnRef>
-      <a:fillRef idx="1">
+      <a:fillRef idx="2">
         <a:scrgbClr r="0" g="0" b="0"/>
       </a:fillRef>
-      <a:effectRef idx="0">
+      <a:effectRef idx="1">
         <a:scrgbClr r="0" g="0" b="0"/>
       </a:effectRef>
       <a:fontRef idx="minor"/>
@@ -16345,110 +16705,120 @@
   <dgm:styleLbl name="asst0">
     <dgm:scene3d>
       <a:camera prst="orthographicFront"/>
-      <a:lightRig rig="threePt" dir="t"/>
+      <a:lightRig rig="flat" dir="t"/>
     </dgm:scene3d>
-    <dgm:sp3d/>
+    <dgm:sp3d prstMaterial="dkEdge">
+      <a:bevelT w="8200" h="38100"/>
+    </dgm:sp3d>
     <dgm:txPr/>
     <dgm:style>
-      <a:lnRef idx="2">
+      <a:lnRef idx="0">
         <a:scrgbClr r="0" g="0" b="0"/>
       </a:lnRef>
-      <a:fillRef idx="1">
+      <a:fillRef idx="2">
         <a:scrgbClr r="0" g="0" b="0"/>
       </a:fillRef>
-      <a:effectRef idx="0">
+      <a:effectRef idx="1">
         <a:scrgbClr r="0" g="0" b="0"/>
       </a:effectRef>
       <a:fontRef idx="minor">
-        <a:schemeClr val="lt1"/>
+        <a:schemeClr val="dk1"/>
       </a:fontRef>
     </dgm:style>
   </dgm:styleLbl>
   <dgm:styleLbl name="asst1">
     <dgm:scene3d>
       <a:camera prst="orthographicFront"/>
-      <a:lightRig rig="threePt" dir="t"/>
+      <a:lightRig rig="flat" dir="t"/>
     </dgm:scene3d>
-    <dgm:sp3d/>
+    <dgm:sp3d prstMaterial="dkEdge">
+      <a:bevelT w="8200" h="38100"/>
+    </dgm:sp3d>
     <dgm:txPr/>
     <dgm:style>
-      <a:lnRef idx="2">
+      <a:lnRef idx="0">
         <a:scrgbClr r="0" g="0" b="0"/>
       </a:lnRef>
-      <a:fillRef idx="1">
+      <a:fillRef idx="2">
         <a:scrgbClr r="0" g="0" b="0"/>
       </a:fillRef>
-      <a:effectRef idx="0">
+      <a:effectRef idx="1">
         <a:scrgbClr r="0" g="0" b="0"/>
       </a:effectRef>
       <a:fontRef idx="minor">
-        <a:schemeClr val="lt1"/>
+        <a:schemeClr val="dk1"/>
       </a:fontRef>
     </dgm:style>
   </dgm:styleLbl>
   <dgm:styleLbl name="asst2">
     <dgm:scene3d>
       <a:camera prst="orthographicFront"/>
-      <a:lightRig rig="threePt" dir="t"/>
+      <a:lightRig rig="flat" dir="t"/>
     </dgm:scene3d>
-    <dgm:sp3d/>
+    <dgm:sp3d prstMaterial="dkEdge">
+      <a:bevelT w="8200" h="38100"/>
+    </dgm:sp3d>
     <dgm:txPr/>
     <dgm:style>
-      <a:lnRef idx="2">
+      <a:lnRef idx="0">
         <a:scrgbClr r="0" g="0" b="0"/>
       </a:lnRef>
-      <a:fillRef idx="1">
+      <a:fillRef idx="2">
         <a:scrgbClr r="0" g="0" b="0"/>
       </a:fillRef>
-      <a:effectRef idx="0">
+      <a:effectRef idx="1">
         <a:scrgbClr r="0" g="0" b="0"/>
       </a:effectRef>
       <a:fontRef idx="minor">
-        <a:schemeClr val="lt1"/>
+        <a:schemeClr val="dk1"/>
       </a:fontRef>
     </dgm:style>
   </dgm:styleLbl>
   <dgm:styleLbl name="asst3">
     <dgm:scene3d>
       <a:camera prst="orthographicFront"/>
-      <a:lightRig rig="threePt" dir="t"/>
+      <a:lightRig rig="flat" dir="t"/>
     </dgm:scene3d>
-    <dgm:sp3d/>
+    <dgm:sp3d prstMaterial="dkEdge">
+      <a:bevelT w="8200" h="38100"/>
+    </dgm:sp3d>
     <dgm:txPr/>
     <dgm:style>
-      <a:lnRef idx="2">
+      <a:lnRef idx="0">
         <a:scrgbClr r="0" g="0" b="0"/>
       </a:lnRef>
-      <a:fillRef idx="1">
+      <a:fillRef idx="2">
         <a:scrgbClr r="0" g="0" b="0"/>
       </a:fillRef>
-      <a:effectRef idx="0">
+      <a:effectRef idx="1">
         <a:scrgbClr r="0" g="0" b="0"/>
       </a:effectRef>
       <a:fontRef idx="minor">
-        <a:schemeClr val="lt1"/>
+        <a:schemeClr val="dk1"/>
       </a:fontRef>
     </dgm:style>
   </dgm:styleLbl>
   <dgm:styleLbl name="asst4">
     <dgm:scene3d>
       <a:camera prst="orthographicFront"/>
-      <a:lightRig rig="threePt" dir="t"/>
+      <a:lightRig rig="flat" dir="t"/>
     </dgm:scene3d>
-    <dgm:sp3d/>
+    <dgm:sp3d prstMaterial="dkEdge">
+      <a:bevelT w="8200" h="38100"/>
+    </dgm:sp3d>
     <dgm:txPr/>
     <dgm:style>
-      <a:lnRef idx="2">
+      <a:lnRef idx="0">
         <a:scrgbClr r="0" g="0" b="0"/>
       </a:lnRef>
-      <a:fillRef idx="1">
+      <a:fillRef idx="2">
         <a:scrgbClr r="0" g="0" b="0"/>
       </a:fillRef>
-      <a:effectRef idx="0">
+      <a:effectRef idx="1">
         <a:scrgbClr r="0" g="0" b="0"/>
       </a:effectRef>
       <a:fontRef idx="minor">
-        <a:schemeClr val="lt1"/>
+        <a:schemeClr val="dk1"/>
       </a:fontRef>
     </dgm:style>
   </dgm:styleLbl>
@@ -16460,17 +16830,17 @@
     <dgm:sp3d/>
     <dgm:txPr/>
     <dgm:style>
-      <a:lnRef idx="2">
+      <a:lnRef idx="1">
         <a:scrgbClr r="0" g="0" b="0"/>
       </a:lnRef>
-      <a:fillRef idx="1">
+      <a:fillRef idx="2">
         <a:scrgbClr r="0" g="0" b="0"/>
       </a:fillRef>
-      <a:effectRef idx="0">
+      <a:effectRef idx="1">
         <a:scrgbClr r="0" g="0" b="0"/>
       </a:effectRef>
       <a:fontRef idx="minor">
-        <a:schemeClr val="lt1"/>
+        <a:schemeClr val="dk1"/>
       </a:fontRef>
     </dgm:style>
   </dgm:styleLbl>
@@ -16482,17 +16852,17 @@
     <dgm:sp3d/>
     <dgm:txPr/>
     <dgm:style>
-      <a:lnRef idx="2">
+      <a:lnRef idx="1">
         <a:scrgbClr r="0" g="0" b="0"/>
       </a:lnRef>
-      <a:fillRef idx="1">
+      <a:fillRef idx="2">
         <a:scrgbClr r="0" g="0" b="0"/>
       </a:fillRef>
-      <a:effectRef idx="0">
+      <a:effectRef idx="1">
         <a:scrgbClr r="0" g="0" b="0"/>
       </a:effectRef>
       <a:fontRef idx="minor">
-        <a:schemeClr val="lt1"/>
+        <a:schemeClr val="dk1"/>
       </a:fontRef>
     </dgm:style>
   </dgm:styleLbl>
@@ -16504,17 +16874,17 @@
     <dgm:sp3d/>
     <dgm:txPr/>
     <dgm:style>
-      <a:lnRef idx="2">
+      <a:lnRef idx="1">
         <a:scrgbClr r="0" g="0" b="0"/>
       </a:lnRef>
-      <a:fillRef idx="1">
+      <a:fillRef idx="2">
         <a:scrgbClr r="0" g="0" b="0"/>
       </a:fillRef>
-      <a:effectRef idx="0">
+      <a:effectRef idx="1">
         <a:scrgbClr r="0" g="0" b="0"/>
       </a:effectRef>
       <a:fontRef idx="minor">
-        <a:schemeClr val="lt1"/>
+        <a:schemeClr val="dk1"/>
       </a:fontRef>
     </dgm:style>
   </dgm:styleLbl>
@@ -16526,17 +16896,17 @@
     <dgm:sp3d/>
     <dgm:txPr/>
     <dgm:style>
-      <a:lnRef idx="2">
+      <a:lnRef idx="1">
         <a:scrgbClr r="0" g="0" b="0"/>
       </a:lnRef>
-      <a:fillRef idx="1">
+      <a:fillRef idx="2">
         <a:scrgbClr r="0" g="0" b="0"/>
       </a:fillRef>
-      <a:effectRef idx="0">
+      <a:effectRef idx="1">
         <a:scrgbClr r="0" g="0" b="0"/>
       </a:effectRef>
       <a:fontRef idx="minor">
-        <a:schemeClr val="lt1"/>
+        <a:schemeClr val="dk1"/>
       </a:fontRef>
     </dgm:style>
   </dgm:styleLbl>
@@ -16628,7 +16998,7 @@
     <dgm:sp3d/>
     <dgm:txPr/>
     <dgm:style>
-      <a:lnRef idx="2">
+      <a:lnRef idx="1">
         <a:scrgbClr r="0" g="0" b="0"/>
       </a:lnRef>
       <a:fillRef idx="1">
@@ -16648,7 +17018,7 @@
     <dgm:sp3d/>
     <dgm:txPr/>
     <dgm:style>
-      <a:lnRef idx="2">
+      <a:lnRef idx="1">
         <a:scrgbClr r="0" g="0" b="0"/>
       </a:lnRef>
       <a:fillRef idx="1">
@@ -16668,7 +17038,7 @@
     <dgm:sp3d/>
     <dgm:txPr/>
     <dgm:style>
-      <a:lnRef idx="2">
+      <a:lnRef idx="1">
         <a:scrgbClr r="0" g="0" b="0"/>
       </a:lnRef>
       <a:fillRef idx="1">
@@ -16708,7 +17078,7 @@
     <dgm:sp3d/>
     <dgm:txPr/>
     <dgm:style>
-      <a:lnRef idx="2">
+      <a:lnRef idx="1">
         <a:scrgbClr r="0" g="0" b="0"/>
       </a:lnRef>
       <a:fillRef idx="1">
@@ -16728,10 +17098,10 @@
     <dgm:sp3d/>
     <dgm:txPr/>
     <dgm:style>
-      <a:lnRef idx="2">
+      <a:lnRef idx="1">
         <a:scrgbClr r="0" g="0" b="0"/>
       </a:lnRef>
-      <a:fillRef idx="1">
+      <a:fillRef idx="2">
         <a:scrgbClr r="0" g="0" b="0"/>
       </a:fillRef>
       <a:effectRef idx="0">
@@ -16748,7 +17118,7 @@
     <dgm:sp3d/>
     <dgm:txPr/>
     <dgm:style>
-      <a:lnRef idx="2">
+      <a:lnRef idx="1">
         <a:scrgbClr r="0" g="0" b="0"/>
       </a:lnRef>
       <a:fillRef idx="1">
@@ -16768,7 +17138,7 @@
     <dgm:sp3d/>
     <dgm:txPr/>
     <dgm:style>
-      <a:lnRef idx="2">
+      <a:lnRef idx="1">
         <a:scrgbClr r="0" g="0" b="0"/>
       </a:lnRef>
       <a:fillRef idx="1">
@@ -16788,7 +17158,7 @@
     <dgm:sp3d/>
     <dgm:txPr/>
     <dgm:style>
-      <a:lnRef idx="2">
+      <a:lnRef idx="1">
         <a:scrgbClr r="0" g="0" b="0"/>
       </a:lnRef>
       <a:fillRef idx="1">
@@ -16808,7 +17178,7 @@
     <dgm:sp3d/>
     <dgm:txPr/>
     <dgm:style>
-      <a:lnRef idx="2">
+      <a:lnRef idx="1">
         <a:scrgbClr r="0" g="0" b="0"/>
       </a:lnRef>
       <a:fillRef idx="1">
@@ -16828,7 +17198,7 @@
     <dgm:sp3d/>
     <dgm:txPr/>
     <dgm:style>
-      <a:lnRef idx="2">
+      <a:lnRef idx="1">
         <a:scrgbClr r="0" g="0" b="0"/>
       </a:lnRef>
       <a:fillRef idx="1">
@@ -16848,7 +17218,7 @@
     <dgm:sp3d/>
     <dgm:txPr/>
     <dgm:style>
-      <a:lnRef idx="2">
+      <a:lnRef idx="1">
         <a:scrgbClr r="0" g="0" b="0"/>
       </a:lnRef>
       <a:fillRef idx="1">
@@ -16868,7 +17238,7 @@
     <dgm:sp3d/>
     <dgm:txPr/>
     <dgm:style>
-      <a:lnRef idx="2">
+      <a:lnRef idx="1">
         <a:scrgbClr r="0" g="0" b="0"/>
       </a:lnRef>
       <a:fillRef idx="1">
@@ -16888,7 +17258,7 @@
     <dgm:sp3d/>
     <dgm:txPr/>
     <dgm:style>
-      <a:lnRef idx="2">
+      <a:lnRef idx="1">
         <a:scrgbClr r="0" g="0" b="0"/>
       </a:lnRef>
       <a:fillRef idx="1">
@@ -16908,7 +17278,7 @@
     <dgm:sp3d/>
     <dgm:txPr/>
     <dgm:style>
-      <a:lnRef idx="2">
+      <a:lnRef idx="1">
         <a:scrgbClr r="0" g="0" b="0"/>
       </a:lnRef>
       <a:fillRef idx="1">
@@ -16934,7 +17304,7 @@
       <a:fillRef idx="1">
         <a:scrgbClr r="0" g="0" b="0"/>
       </a:fillRef>
-      <a:effectRef idx="0">
+      <a:effectRef idx="1">
         <a:scrgbClr r="0" g="0" b="0"/>
       </a:effectRef>
       <a:fontRef idx="minor"/>
@@ -16954,7 +17324,7 @@
       <a:fillRef idx="1">
         <a:scrgbClr r="0" g="0" b="0"/>
       </a:fillRef>
-      <a:effectRef idx="0">
+      <a:effectRef idx="1">
         <a:scrgbClr r="0" g="0" b="0"/>
       </a:effectRef>
       <a:fontRef idx="minor"/>
@@ -16983,18 +17353,20 @@
   <dgm:styleLbl name="fgShp">
     <dgm:scene3d>
       <a:camera prst="orthographicFront"/>
-      <a:lightRig rig="threePt" dir="t"/>
+      <a:lightRig rig="flat" dir="t"/>
     </dgm:scene3d>
-    <dgm:sp3d/>
+    <dgm:sp3d prstMaterial="dkEdge">
+      <a:bevelT w="8200" h="38100"/>
+    </dgm:sp3d>
     <dgm:txPr/>
     <dgm:style>
-      <a:lnRef idx="2">
+      <a:lnRef idx="1">
         <a:scrgbClr r="0" g="0" b="0"/>
       </a:lnRef>
-      <a:fillRef idx="1">
+      <a:fillRef idx="2">
         <a:scrgbClr r="0" g="0" b="0"/>
       </a:fillRef>
-      <a:effectRef idx="0">
+      <a:effectRef idx="1">
         <a:scrgbClr r="0" g="0" b="0"/>
       </a:effectRef>
       <a:fontRef idx="minor"/>
@@ -17024,11 +17396,11 @@
 </file>
 
 <file path=ppt/diagrams/quickStyle3.xml><?xml version="1.0" encoding="utf-8"?>
-<dgm:styleDef xmlns:dgm="http://schemas.openxmlformats.org/drawingml/2006/diagram" xmlns:a="http://schemas.openxmlformats.org/drawingml/2006/main" uniqueId="urn:microsoft.com/office/officeart/2005/8/quickstyle/simple1">
+<dgm:styleDef xmlns:dgm="http://schemas.openxmlformats.org/drawingml/2006/diagram" xmlns:a="http://schemas.openxmlformats.org/drawingml/2006/main" uniqueId="urn:microsoft.com/office/officeart/2005/8/quickstyle/simple3">
   <dgm:title val=""/>
   <dgm:desc val=""/>
   <dgm:catLst>
-    <dgm:cat type="simple" pri="10100"/>
+    <dgm:cat type="simple" pri="10300"/>
   </dgm:catLst>
   <dgm:scene3d>
     <a:camera prst="orthographicFront"/>
@@ -17037,59 +17409,65 @@
   <dgm:styleLbl name="node0">
     <dgm:scene3d>
       <a:camera prst="orthographicFront"/>
-      <a:lightRig rig="threePt" dir="t"/>
+      <a:lightRig rig="flat" dir="t"/>
     </dgm:scene3d>
-    <dgm:sp3d/>
+    <dgm:sp3d prstMaterial="dkEdge">
+      <a:bevelT w="8200" h="38100"/>
+    </dgm:sp3d>
     <dgm:txPr/>
     <dgm:style>
-      <a:lnRef idx="2">
+      <a:lnRef idx="0">
         <a:scrgbClr r="0" g="0" b="0"/>
       </a:lnRef>
-      <a:fillRef idx="1">
+      <a:fillRef idx="2">
         <a:scrgbClr r="0" g="0" b="0"/>
       </a:fillRef>
-      <a:effectRef idx="0">
+      <a:effectRef idx="1">
         <a:scrgbClr r="0" g="0" b="0"/>
       </a:effectRef>
       <a:fontRef idx="minor">
-        <a:schemeClr val="lt1"/>
+        <a:schemeClr val="dk1"/>
       </a:fontRef>
     </dgm:style>
   </dgm:styleLbl>
   <dgm:styleLbl name="lnNode1">
     <dgm:scene3d>
       <a:camera prst="orthographicFront"/>
-      <a:lightRig rig="threePt" dir="t"/>
+      <a:lightRig rig="flat" dir="t"/>
     </dgm:scene3d>
-    <dgm:sp3d/>
+    <dgm:sp3d prstMaterial="dkEdge">
+      <a:bevelT w="8200" h="38100"/>
+    </dgm:sp3d>
     <dgm:txPr/>
     <dgm:style>
-      <a:lnRef idx="2">
+      <a:lnRef idx="1">
         <a:scrgbClr r="0" g="0" b="0"/>
       </a:lnRef>
-      <a:fillRef idx="1">
+      <a:fillRef idx="2">
         <a:scrgbClr r="0" g="0" b="0"/>
       </a:fillRef>
       <a:effectRef idx="0">
         <a:scrgbClr r="0" g="0" b="0"/>
       </a:effectRef>
       <a:fontRef idx="minor">
-        <a:schemeClr val="lt1"/>
+        <a:schemeClr val="dk1"/>
       </a:fontRef>
     </dgm:style>
   </dgm:styleLbl>
   <dgm:styleLbl name="vennNode1">
     <dgm:scene3d>
       <a:camera prst="orthographicFront"/>
-      <a:lightRig rig="threePt" dir="t"/>
+      <a:lightRig rig="flat" dir="t"/>
     </dgm:scene3d>
-    <dgm:sp3d/>
+    <dgm:sp3d prstMaterial="dkEdge">
+      <a:bevelT w="8200" h="38100"/>
+    </dgm:sp3d>
     <dgm:txPr/>
     <dgm:style>
-      <a:lnRef idx="2">
+      <a:lnRef idx="0">
         <a:scrgbClr r="0" g="0" b="0"/>
       </a:lnRef>
-      <a:fillRef idx="1">
+      <a:fillRef idx="2">
         <a:scrgbClr r="0" g="0" b="0"/>
       </a:fillRef>
       <a:effectRef idx="0">
@@ -17108,105 +17486,113 @@
     <dgm:sp3d/>
     <dgm:txPr/>
     <dgm:style>
-      <a:lnRef idx="2">
+      <a:lnRef idx="1">
         <a:scrgbClr r="0" g="0" b="0"/>
       </a:lnRef>
-      <a:fillRef idx="1">
+      <a:fillRef idx="2">
         <a:scrgbClr r="0" g="0" b="0"/>
       </a:fillRef>
-      <a:effectRef idx="0">
+      <a:effectRef idx="1">
         <a:scrgbClr r="0" g="0" b="0"/>
       </a:effectRef>
       <a:fontRef idx="minor">
-        <a:schemeClr val="lt1"/>
+        <a:schemeClr val="dk1"/>
       </a:fontRef>
     </dgm:style>
   </dgm:styleLbl>
   <dgm:styleLbl name="node1">
     <dgm:scene3d>
       <a:camera prst="orthographicFront"/>
-      <a:lightRig rig="threePt" dir="t"/>
+      <a:lightRig rig="flat" dir="t"/>
     </dgm:scene3d>
-    <dgm:sp3d/>
+    <dgm:sp3d prstMaterial="dkEdge">
+      <a:bevelT w="8200" h="38100"/>
+    </dgm:sp3d>
     <dgm:txPr/>
     <dgm:style>
-      <a:lnRef idx="2">
+      <a:lnRef idx="0">
         <a:scrgbClr r="0" g="0" b="0"/>
       </a:lnRef>
-      <a:fillRef idx="1">
+      <a:fillRef idx="2">
         <a:scrgbClr r="0" g="0" b="0"/>
       </a:fillRef>
-      <a:effectRef idx="0">
+      <a:effectRef idx="1">
         <a:scrgbClr r="0" g="0" b="0"/>
       </a:effectRef>
       <a:fontRef idx="minor">
-        <a:schemeClr val="lt1"/>
+        <a:schemeClr val="dk1"/>
       </a:fontRef>
     </dgm:style>
   </dgm:styleLbl>
   <dgm:styleLbl name="node2">
     <dgm:scene3d>
       <a:camera prst="orthographicFront"/>
-      <a:lightRig rig="threePt" dir="t"/>
+      <a:lightRig rig="flat" dir="t"/>
     </dgm:scene3d>
-    <dgm:sp3d/>
+    <dgm:sp3d prstMaterial="dkEdge">
+      <a:bevelT w="8200" h="38100"/>
+    </dgm:sp3d>
     <dgm:txPr/>
     <dgm:style>
-      <a:lnRef idx="2">
+      <a:lnRef idx="0">
         <a:scrgbClr r="0" g="0" b="0"/>
       </a:lnRef>
-      <a:fillRef idx="1">
+      <a:fillRef idx="2">
         <a:scrgbClr r="0" g="0" b="0"/>
       </a:fillRef>
-      <a:effectRef idx="0">
+      <a:effectRef idx="1">
         <a:scrgbClr r="0" g="0" b="0"/>
       </a:effectRef>
       <a:fontRef idx="minor">
-        <a:schemeClr val="lt1"/>
+        <a:schemeClr val="dk1"/>
       </a:fontRef>
     </dgm:style>
   </dgm:styleLbl>
   <dgm:styleLbl name="node3">
     <dgm:scene3d>
       <a:camera prst="orthographicFront"/>
-      <a:lightRig rig="threePt" dir="t"/>
+      <a:lightRig rig="flat" dir="t"/>
     </dgm:scene3d>
-    <dgm:sp3d/>
+    <dgm:sp3d prstMaterial="dkEdge">
+      <a:bevelT w="8200" h="38100"/>
+    </dgm:sp3d>
     <dgm:txPr/>
     <dgm:style>
-      <a:lnRef idx="2">
+      <a:lnRef idx="0">
         <a:scrgbClr r="0" g="0" b="0"/>
       </a:lnRef>
-      <a:fillRef idx="1">
+      <a:fillRef idx="2">
         <a:scrgbClr r="0" g="0" b="0"/>
       </a:fillRef>
-      <a:effectRef idx="0">
+      <a:effectRef idx="1">
         <a:scrgbClr r="0" g="0" b="0"/>
       </a:effectRef>
       <a:fontRef idx="minor">
-        <a:schemeClr val="lt1"/>
+        <a:schemeClr val="dk1"/>
       </a:fontRef>
     </dgm:style>
   </dgm:styleLbl>
   <dgm:styleLbl name="node4">
     <dgm:scene3d>
       <a:camera prst="orthographicFront"/>
-      <a:lightRig rig="threePt" dir="t"/>
+      <a:lightRig rig="flat" dir="t"/>
     </dgm:scene3d>
-    <dgm:sp3d/>
+    <dgm:sp3d prstMaterial="dkEdge">
+      <a:bevelT w="8200" h="38100"/>
+    </dgm:sp3d>
     <dgm:txPr/>
     <dgm:style>
-      <a:lnRef idx="2">
+      <a:lnRef idx="0">
         <a:scrgbClr r="0" g="0" b="0"/>
       </a:lnRef>
-      <a:fillRef idx="1">
+      <a:fillRef idx="2">
         <a:scrgbClr r="0" g="0" b="0"/>
       </a:fillRef>
-      <a:effectRef idx="0">
+      <a:effectRef idx="1">
         <a:scrgbClr r="0" g="0" b="0"/>
       </a:effectRef>
       <a:fontRef idx="minor">
-        <a:schemeClr val="lt1"/>
+        <a:schemeClr val="dk1"/>
       </a:fontRef>
     </dgm:style>
   </dgm:styleLbl>
@@ -17218,13 +17604,13 @@
     <dgm:sp3d/>
     <dgm:txPr/>
     <dgm:style>
-      <a:lnRef idx="2">
+      <a:lnRef idx="1">
         <a:scrgbClr r="0" g="0" b="0"/>
       </a:lnRef>
       <a:fillRef idx="1">
         <a:scrgbClr r="0" g="0" b="0"/>
       </a:fillRef>
-      <a:effectRef idx="0">
+      <a:effectRef idx="1">
         <a:scrgbClr r="0" g="0" b="0"/>
       </a:effectRef>
       <a:fontRef idx="minor"/>
@@ -17238,13 +17624,13 @@
     <dgm:sp3d/>
     <dgm:txPr/>
     <dgm:style>
-      <a:lnRef idx="2">
+      <a:lnRef idx="1">
         <a:scrgbClr r="0" g="0" b="0"/>
       </a:lnRef>
       <a:fillRef idx="1">
         <a:scrgbClr r="0" g="0" b="0"/>
       </a:fillRef>
-      <a:effectRef idx="0">
+      <a:effectRef idx="1">
         <a:scrgbClr r="0" g="0" b="0"/>
       </a:effectRef>
       <a:fontRef idx="minor"/>
@@ -17258,13 +17644,13 @@
     <dgm:sp3d/>
     <dgm:txPr/>
     <dgm:style>
-      <a:lnRef idx="2">
+      <a:lnRef idx="1">
         <a:scrgbClr r="0" g="0" b="0"/>
       </a:lnRef>
       <a:fillRef idx="1">
         <a:scrgbClr r="0" g="0" b="0"/>
       </a:fillRef>
-      <a:effectRef idx="0">
+      <a:effectRef idx="1">
         <a:scrgbClr r="0" g="0" b="0"/>
       </a:effectRef>
       <a:fontRef idx="minor"/>
@@ -17281,14 +17667,14 @@
       <a:lnRef idx="0">
         <a:scrgbClr r="0" g="0" b="0"/>
       </a:lnRef>
-      <a:fillRef idx="1">
+      <a:fillRef idx="2">
         <a:scrgbClr r="0" g="0" b="0"/>
       </a:fillRef>
-      <a:effectRef idx="0">
+      <a:effectRef idx="1">
         <a:scrgbClr r="0" g="0" b="0"/>
       </a:effectRef>
       <a:fontRef idx="minor">
-        <a:schemeClr val="lt1"/>
+        <a:schemeClr val="dk1"/>
       </a:fontRef>
     </dgm:style>
   </dgm:styleLbl>
@@ -17303,14 +17689,14 @@
       <a:lnRef idx="0">
         <a:scrgbClr r="0" g="0" b="0"/>
       </a:lnRef>
-      <a:fillRef idx="1">
+      <a:fillRef idx="2">
         <a:scrgbClr r="0" g="0" b="0"/>
       </a:fillRef>
-      <a:effectRef idx="0">
+      <a:effectRef idx="1">
         <a:scrgbClr r="0" g="0" b="0"/>
       </a:effectRef>
       <a:fontRef idx="minor">
-        <a:schemeClr val="lt1"/>
+        <a:schemeClr val="dk1"/>
       </a:fontRef>
     </dgm:style>
   </dgm:styleLbl>
@@ -17325,14 +17711,14 @@
       <a:lnRef idx="0">
         <a:scrgbClr r="0" g="0" b="0"/>
       </a:lnRef>
-      <a:fillRef idx="1">
+      <a:fillRef idx="2">
         <a:scrgbClr r="0" g="0" b="0"/>
       </a:fillRef>
-      <a:effectRef idx="0">
+      <a:effectRef idx="1">
         <a:scrgbClr r="0" g="0" b="0"/>
       </a:effectRef>
       <a:fontRef idx="minor">
-        <a:schemeClr val="lt1"/>
+        <a:schemeClr val="dk1"/>
       </a:fontRef>
     </dgm:style>
   </dgm:styleLbl>
@@ -17364,13 +17750,13 @@
     <dgm:sp3d/>
     <dgm:txPr/>
     <dgm:style>
-      <a:lnRef idx="2">
+      <a:lnRef idx="1">
         <a:scrgbClr r="0" g="0" b="0"/>
       </a:lnRef>
-      <a:fillRef idx="1">
+      <a:fillRef idx="2">
         <a:scrgbClr r="0" g="0" b="0"/>
       </a:fillRef>
-      <a:effectRef idx="0">
+      <a:effectRef idx="1">
         <a:scrgbClr r="0" g="0" b="0"/>
       </a:effectRef>
       <a:fontRef idx="minor"/>
@@ -17379,110 +17765,120 @@
   <dgm:styleLbl name="asst0">
     <dgm:scene3d>
       <a:camera prst="orthographicFront"/>
-      <a:lightRig rig="threePt" dir="t"/>
+      <a:lightRig rig="flat" dir="t"/>
     </dgm:scene3d>
-    <dgm:sp3d/>
+    <dgm:sp3d prstMaterial="dkEdge">
+      <a:bevelT w="8200" h="38100"/>
+    </dgm:sp3d>
     <dgm:txPr/>
     <dgm:style>
-      <a:lnRef idx="2">
+      <a:lnRef idx="0">
         <a:scrgbClr r="0" g="0" b="0"/>
       </a:lnRef>
-      <a:fillRef idx="1">
+      <a:fillRef idx="2">
         <a:scrgbClr r="0" g="0" b="0"/>
       </a:fillRef>
-      <a:effectRef idx="0">
+      <a:effectRef idx="1">
         <a:scrgbClr r="0" g="0" b="0"/>
       </a:effectRef>
       <a:fontRef idx="minor">
-        <a:schemeClr val="lt1"/>
+        <a:schemeClr val="dk1"/>
       </a:fontRef>
     </dgm:style>
   </dgm:styleLbl>
   <dgm:styleLbl name="asst1">
     <dgm:scene3d>
       <a:camera prst="orthographicFront"/>
-      <a:lightRig rig="threePt" dir="t"/>
+      <a:lightRig rig="flat" dir="t"/>
     </dgm:scene3d>
-    <dgm:sp3d/>
+    <dgm:sp3d prstMaterial="dkEdge">
+      <a:bevelT w="8200" h="38100"/>
+    </dgm:sp3d>
     <dgm:txPr/>
     <dgm:style>
-      <a:lnRef idx="2">
+      <a:lnRef idx="0">
         <a:scrgbClr r="0" g="0" b="0"/>
       </a:lnRef>
-      <a:fillRef idx="1">
+      <a:fillRef idx="2">
         <a:scrgbClr r="0" g="0" b="0"/>
       </a:fillRef>
-      <a:effectRef idx="0">
+      <a:effectRef idx="1">
         <a:scrgbClr r="0" g="0" b="0"/>
       </a:effectRef>
       <a:fontRef idx="minor">
-        <a:schemeClr val="lt1"/>
+        <a:schemeClr val="dk1"/>
       </a:fontRef>
     </dgm:style>
   </dgm:styleLbl>
   <dgm:styleLbl name="asst2">
     <dgm:scene3d>
       <a:camera prst="orthographicFront"/>
-      <a:lightRig rig="threePt" dir="t"/>
+      <a:lightRig rig="flat" dir="t"/>
     </dgm:scene3d>
-    <dgm:sp3d/>
+    <dgm:sp3d prstMaterial="dkEdge">
+      <a:bevelT w="8200" h="38100"/>
+    </dgm:sp3d>
     <dgm:txPr/>
     <dgm:style>
-      <a:lnRef idx="2">
+      <a:lnRef idx="0">
         <a:scrgbClr r="0" g="0" b="0"/>
       </a:lnRef>
-      <a:fillRef idx="1">
+      <a:fillRef idx="2">
         <a:scrgbClr r="0" g="0" b="0"/>
       </a:fillRef>
-      <a:effectRef idx="0">
+      <a:effectRef idx="1">
         <a:scrgbClr r="0" g="0" b="0"/>
       </a:effectRef>
       <a:fontRef idx="minor">
-        <a:schemeClr val="lt1"/>
+        <a:schemeClr val="dk1"/>
       </a:fontRef>
     </dgm:style>
   </dgm:styleLbl>
   <dgm:styleLbl name="asst3">
     <dgm:scene3d>
       <a:camera prst="orthographicFront"/>
-      <a:lightRig rig="threePt" dir="t"/>
+      <a:lightRig rig="flat" dir="t"/>
     </dgm:scene3d>
-    <dgm:sp3d/>
+    <dgm:sp3d prstMaterial="dkEdge">
+      <a:bevelT w="8200" h="38100"/>
+    </dgm:sp3d>
     <dgm:txPr/>
     <dgm:style>
-      <a:lnRef idx="2">
+      <a:lnRef idx="0">
         <a:scrgbClr r="0" g="0" b="0"/>
       </a:lnRef>
-      <a:fillRef idx="1">
+      <a:fillRef idx="2">
         <a:scrgbClr r="0" g="0" b="0"/>
       </a:fillRef>
-      <a:effectRef idx="0">
+      <a:effectRef idx="1">
         <a:scrgbClr r="0" g="0" b="0"/>
       </a:effectRef>
       <a:fontRef idx="minor">
-        <a:schemeClr val="lt1"/>
+        <a:schemeClr val="dk1"/>
       </a:fontRef>
     </dgm:style>
   </dgm:styleLbl>
   <dgm:styleLbl name="asst4">
     <dgm:scene3d>
       <a:camera prst="orthographicFront"/>
-      <a:lightRig rig="threePt" dir="t"/>
+      <a:lightRig rig="flat" dir="t"/>
     </dgm:scene3d>
-    <dgm:sp3d/>
+    <dgm:sp3d prstMaterial="dkEdge">
+      <a:bevelT w="8200" h="38100"/>
+    </dgm:sp3d>
     <dgm:txPr/>
     <dgm:style>
-      <a:lnRef idx="2">
+      <a:lnRef idx="0">
         <a:scrgbClr r="0" g="0" b="0"/>
       </a:lnRef>
-      <a:fillRef idx="1">
+      <a:fillRef idx="2">
         <a:scrgbClr r="0" g="0" b="0"/>
       </a:fillRef>
-      <a:effectRef idx="0">
+      <a:effectRef idx="1">
         <a:scrgbClr r="0" g="0" b="0"/>
       </a:effectRef>
       <a:fontRef idx="minor">
-        <a:schemeClr val="lt1"/>
+        <a:schemeClr val="dk1"/>
       </a:fontRef>
     </dgm:style>
   </dgm:styleLbl>
@@ -17494,17 +17890,17 @@
     <dgm:sp3d/>
     <dgm:txPr/>
     <dgm:style>
-      <a:lnRef idx="2">
+      <a:lnRef idx="1">
         <a:scrgbClr r="0" g="0" b="0"/>
       </a:lnRef>
-      <a:fillRef idx="1">
+      <a:fillRef idx="2">
         <a:scrgbClr r="0" g="0" b="0"/>
       </a:fillRef>
-      <a:effectRef idx="0">
+      <a:effectRef idx="1">
         <a:scrgbClr r="0" g="0" b="0"/>
       </a:effectRef>
       <a:fontRef idx="minor">
-        <a:schemeClr val="lt1"/>
+        <a:schemeClr val="dk1"/>
       </a:fontRef>
     </dgm:style>
   </dgm:styleLbl>
@@ -17516,17 +17912,17 @@
     <dgm:sp3d/>
     <dgm:txPr/>
     <dgm:style>
-      <a:lnRef idx="2">
+      <a:lnRef idx="1">
         <a:scrgbClr r="0" g="0" b="0"/>
       </a:lnRef>
-      <a:fillRef idx="1">
+      <a:fillRef idx="2">
         <a:scrgbClr r="0" g="0" b="0"/>
       </a:fillRef>
-      <a:effectRef idx="0">
+      <a:effectRef idx="1">
         <a:scrgbClr r="0" g="0" b="0"/>
       </a:effectRef>
       <a:fontRef idx="minor">
-        <a:schemeClr val="lt1"/>
+        <a:schemeClr val="dk1"/>
       </a:fontRef>
     </dgm:style>
   </dgm:styleLbl>
@@ -17538,17 +17934,17 @@
     <dgm:sp3d/>
     <dgm:txPr/>
     <dgm:style>
-      <a:lnRef idx="2">
+      <a:lnRef idx="1">
         <a:scrgbClr r="0" g="0" b="0"/>
       </a:lnRef>
-      <a:fillRef idx="1">
+      <a:fillRef idx="2">
         <a:scrgbClr r="0" g="0" b="0"/>
       </a:fillRef>
-      <a:effectRef idx="0">
+      <a:effectRef idx="1">
         <a:scrgbClr r="0" g="0" b="0"/>
       </a:effectRef>
       <a:fontRef idx="minor">
-        <a:schemeClr val="lt1"/>
+        <a:schemeClr val="dk1"/>
       </a:fontRef>
     </dgm:style>
   </dgm:styleLbl>
@@ -17560,17 +17956,17 @@
     <dgm:sp3d/>
     <dgm:txPr/>
     <dgm:style>
-      <a:lnRef idx="2">
+      <a:lnRef idx="1">
         <a:scrgbClr r="0" g="0" b="0"/>
       </a:lnRef>
-      <a:fillRef idx="1">
+      <a:fillRef idx="2">
         <a:scrgbClr r="0" g="0" b="0"/>
       </a:fillRef>
-      <a:effectRef idx="0">
+      <a:effectRef idx="1">
         <a:scrgbClr r="0" g="0" b="0"/>
       </a:effectRef>
       <a:fontRef idx="minor">
-        <a:schemeClr val="lt1"/>
+        <a:schemeClr val="dk1"/>
       </a:fontRef>
     </dgm:style>
   </dgm:styleLbl>
@@ -17662,7 +18058,7 @@
     <dgm:sp3d/>
     <dgm:txPr/>
     <dgm:style>
-      <a:lnRef idx="2">
+      <a:lnRef idx="1">
         <a:scrgbClr r="0" g="0" b="0"/>
       </a:lnRef>
       <a:fillRef idx="1">
@@ -17682,7 +18078,7 @@
     <dgm:sp3d/>
     <dgm:txPr/>
     <dgm:style>
-      <a:lnRef idx="2">
+      <a:lnRef idx="1">
         <a:scrgbClr r="0" g="0" b="0"/>
       </a:lnRef>
       <a:fillRef idx="1">
@@ -17702,7 +18098,7 @@
     <dgm:sp3d/>
     <dgm:txPr/>
     <dgm:style>
-      <a:lnRef idx="2">
+      <a:lnRef idx="1">
         <a:scrgbClr r="0" g="0" b="0"/>
       </a:lnRef>
       <a:fillRef idx="1">
@@ -17742,7 +18138,7 @@
     <dgm:sp3d/>
     <dgm:txPr/>
     <dgm:style>
-      <a:lnRef idx="2">
+      <a:lnRef idx="1">
         <a:scrgbClr r="0" g="0" b="0"/>
       </a:lnRef>
       <a:fillRef idx="1">
@@ -17762,10 +18158,10 @@
     <dgm:sp3d/>
     <dgm:txPr/>
     <dgm:style>
-      <a:lnRef idx="2">
+      <a:lnRef idx="1">
         <a:scrgbClr r="0" g="0" b="0"/>
       </a:lnRef>
-      <a:fillRef idx="1">
+      <a:fillRef idx="2">
         <a:scrgbClr r="0" g="0" b="0"/>
       </a:fillRef>
       <a:effectRef idx="0">
@@ -17782,7 +18178,7 @@
     <dgm:sp3d/>
     <dgm:txPr/>
     <dgm:style>
-      <a:lnRef idx="2">
+      <a:lnRef idx="1">
         <a:scrgbClr r="0" g="0" b="0"/>
       </a:lnRef>
       <a:fillRef idx="1">
@@ -17802,7 +18198,7 @@
     <dgm:sp3d/>
     <dgm:txPr/>
     <dgm:style>
-      <a:lnRef idx="2">
+      <a:lnRef idx="1">
         <a:scrgbClr r="0" g="0" b="0"/>
       </a:lnRef>
       <a:fillRef idx="1">
@@ -17822,7 +18218,7 @@
     <dgm:sp3d/>
     <dgm:txPr/>
     <dgm:style>
-      <a:lnRef idx="2">
+      <a:lnRef idx="1">
         <a:scrgbClr r="0" g="0" b="0"/>
       </a:lnRef>
       <a:fillRef idx="1">
@@ -17842,7 +18238,7 @@
     <dgm:sp3d/>
     <dgm:txPr/>
     <dgm:style>
-      <a:lnRef idx="2">
+      <a:lnRef idx="1">
         <a:scrgbClr r="0" g="0" b="0"/>
       </a:lnRef>
       <a:fillRef idx="1">
@@ -17862,7 +18258,7 @@
     <dgm:sp3d/>
     <dgm:txPr/>
     <dgm:style>
-      <a:lnRef idx="2">
+      <a:lnRef idx="1">
         <a:scrgbClr r="0" g="0" b="0"/>
       </a:lnRef>
       <a:fillRef idx="1">
@@ -17882,7 +18278,7 @@
     <dgm:sp3d/>
     <dgm:txPr/>
     <dgm:style>
-      <a:lnRef idx="2">
+      <a:lnRef idx="1">
         <a:scrgbClr r="0" g="0" b="0"/>
       </a:lnRef>
       <a:fillRef idx="1">
@@ -17902,7 +18298,7 @@
     <dgm:sp3d/>
     <dgm:txPr/>
     <dgm:style>
-      <a:lnRef idx="2">
+      <a:lnRef idx="1">
         <a:scrgbClr r="0" g="0" b="0"/>
       </a:lnRef>
       <a:fillRef idx="1">
@@ -17922,7 +18318,7 @@
     <dgm:sp3d/>
     <dgm:txPr/>
     <dgm:style>
-      <a:lnRef idx="2">
+      <a:lnRef idx="1">
         <a:scrgbClr r="0" g="0" b="0"/>
       </a:lnRef>
       <a:fillRef idx="1">
@@ -17942,7 +18338,7 @@
     <dgm:sp3d/>
     <dgm:txPr/>
     <dgm:style>
-      <a:lnRef idx="2">
+      <a:lnRef idx="1">
         <a:scrgbClr r="0" g="0" b="0"/>
       </a:lnRef>
       <a:fillRef idx="1">
@@ -17968,7 +18364,7 @@
       <a:fillRef idx="1">
         <a:scrgbClr r="0" g="0" b="0"/>
       </a:fillRef>
-      <a:effectRef idx="0">
+      <a:effectRef idx="1">
         <a:scrgbClr r="0" g="0" b="0"/>
       </a:effectRef>
       <a:fontRef idx="minor"/>
@@ -17988,7 +18384,7 @@
       <a:fillRef idx="1">
         <a:scrgbClr r="0" g="0" b="0"/>
       </a:fillRef>
-      <a:effectRef idx="0">
+      <a:effectRef idx="1">
         <a:scrgbClr r="0" g="0" b="0"/>
       </a:effectRef>
       <a:fontRef idx="minor"/>
@@ -18017,18 +18413,20 @@
   <dgm:styleLbl name="fgShp">
     <dgm:scene3d>
       <a:camera prst="orthographicFront"/>
-      <a:lightRig rig="threePt" dir="t"/>
+      <a:lightRig rig="flat" dir="t"/>
     </dgm:scene3d>
-    <dgm:sp3d/>
+    <dgm:sp3d prstMaterial="dkEdge">
+      <a:bevelT w="8200" h="38100"/>
+    </dgm:sp3d>
     <dgm:txPr/>
     <dgm:style>
-      <a:lnRef idx="2">
+      <a:lnRef idx="1">
         <a:scrgbClr r="0" g="0" b="0"/>
       </a:lnRef>
-      <a:fillRef idx="1">
+      <a:fillRef idx="2">
         <a:scrgbClr r="0" g="0" b="0"/>
       </a:fillRef>
-      <a:effectRef idx="0">
+      <a:effectRef idx="1">
         <a:scrgbClr r="0" g="0" b="0"/>
       </a:effectRef>
       <a:fontRef idx="minor"/>
@@ -18058,11 +18456,11 @@
 </file>
 
 <file path=ppt/diagrams/quickStyle4.xml><?xml version="1.0" encoding="utf-8"?>
-<dgm:styleDef xmlns:dgm="http://schemas.openxmlformats.org/drawingml/2006/diagram" xmlns:a="http://schemas.openxmlformats.org/drawingml/2006/main" uniqueId="urn:microsoft.com/office/officeart/2005/8/quickstyle/simple1">
+<dgm:styleDef xmlns:dgm="http://schemas.openxmlformats.org/drawingml/2006/diagram" xmlns:a="http://schemas.openxmlformats.org/drawingml/2006/main" uniqueId="urn:microsoft.com/office/officeart/2005/8/quickstyle/simple3">
   <dgm:title val=""/>
   <dgm:desc val=""/>
   <dgm:catLst>
-    <dgm:cat type="simple" pri="10100"/>
+    <dgm:cat type="simple" pri="10300"/>
   </dgm:catLst>
   <dgm:scene3d>
     <a:camera prst="orthographicFront"/>
@@ -18071,59 +18469,65 @@
   <dgm:styleLbl name="node0">
     <dgm:scene3d>
       <a:camera prst="orthographicFront"/>
-      <a:lightRig rig="threePt" dir="t"/>
+      <a:lightRig rig="flat" dir="t"/>
     </dgm:scene3d>
-    <dgm:sp3d/>
+    <dgm:sp3d prstMaterial="dkEdge">
+      <a:bevelT w="8200" h="38100"/>
+    </dgm:sp3d>
     <dgm:txPr/>
     <dgm:style>
-      <a:lnRef idx="2">
+      <a:lnRef idx="0">
         <a:scrgbClr r="0" g="0" b="0"/>
       </a:lnRef>
-      <a:fillRef idx="1">
+      <a:fillRef idx="2">
         <a:scrgbClr r="0" g="0" b="0"/>
       </a:fillRef>
-      <a:effectRef idx="0">
+      <a:effectRef idx="1">
         <a:scrgbClr r="0" g="0" b="0"/>
       </a:effectRef>
       <a:fontRef idx="minor">
-        <a:schemeClr val="lt1"/>
+        <a:schemeClr val="dk1"/>
       </a:fontRef>
     </dgm:style>
   </dgm:styleLbl>
   <dgm:styleLbl name="lnNode1">
     <dgm:scene3d>
       <a:camera prst="orthographicFront"/>
-      <a:lightRig rig="threePt" dir="t"/>
+      <a:lightRig rig="flat" dir="t"/>
     </dgm:scene3d>
-    <dgm:sp3d/>
+    <dgm:sp3d prstMaterial="dkEdge">
+      <a:bevelT w="8200" h="38100"/>
+    </dgm:sp3d>
     <dgm:txPr/>
     <dgm:style>
-      <a:lnRef idx="2">
+      <a:lnRef idx="1">
         <a:scrgbClr r="0" g="0" b="0"/>
       </a:lnRef>
-      <a:fillRef idx="1">
+      <a:fillRef idx="2">
         <a:scrgbClr r="0" g="0" b="0"/>
       </a:fillRef>
       <a:effectRef idx="0">
         <a:scrgbClr r="0" g="0" b="0"/>
       </a:effectRef>
       <a:fontRef idx="minor">
-        <a:schemeClr val="lt1"/>
+        <a:schemeClr val="dk1"/>
       </a:fontRef>
     </dgm:style>
   </dgm:styleLbl>
   <dgm:styleLbl name="vennNode1">
     <dgm:scene3d>
       <a:camera prst="orthographicFront"/>
-      <a:lightRig rig="threePt" dir="t"/>
+      <a:lightRig rig="flat" dir="t"/>
     </dgm:scene3d>
-    <dgm:sp3d/>
+    <dgm:sp3d prstMaterial="dkEdge">
+      <a:bevelT w="8200" h="38100"/>
+    </dgm:sp3d>
     <dgm:txPr/>
     <dgm:style>
-      <a:lnRef idx="2">
+      <a:lnRef idx="0">
         <a:scrgbClr r="0" g="0" b="0"/>
       </a:lnRef>
-      <a:fillRef idx="1">
+      <a:fillRef idx="2">
         <a:scrgbClr r="0" g="0" b="0"/>
       </a:fillRef>
       <a:effectRef idx="0">
@@ -18142,105 +18546,113 @@
     <dgm:sp3d/>
     <dgm:txPr/>
     <dgm:style>
-      <a:lnRef idx="2">
+      <a:lnRef idx="1">
         <a:scrgbClr r="0" g="0" b="0"/>
       </a:lnRef>
-      <a:fillRef idx="1">
+      <a:fillRef idx="2">
         <a:scrgbClr r="0" g="0" b="0"/>
       </a:fillRef>
-      <a:effectRef idx="0">
+      <a:effectRef idx="1">
         <a:scrgbClr r="0" g="0" b="0"/>
       </a:effectRef>
       <a:fontRef idx="minor">
-        <a:schemeClr val="lt1"/>
+        <a:schemeClr val="dk1"/>
       </a:fontRef>
     </dgm:style>
   </dgm:styleLbl>
   <dgm:styleLbl name="node1">
     <dgm:scene3d>
       <a:camera prst="orthographicFront"/>
-      <a:lightRig rig="threePt" dir="t"/>
+      <a:lightRig rig="flat" dir="t"/>
     </dgm:scene3d>
-    <dgm:sp3d/>
+    <dgm:sp3d prstMaterial="dkEdge">
+      <a:bevelT w="8200" h="38100"/>
+    </dgm:sp3d>
     <dgm:txPr/>
     <dgm:style>
-      <a:lnRef idx="2">
+      <a:lnRef idx="0">
         <a:scrgbClr r="0" g="0" b="0"/>
       </a:lnRef>
-      <a:fillRef idx="1">
+      <a:fillRef idx="2">
         <a:scrgbClr r="0" g="0" b="0"/>
       </a:fillRef>
-      <a:effectRef idx="0">
+      <a:effectRef idx="1">
         <a:scrgbClr r="0" g="0" b="0"/>
       </a:effectRef>
       <a:fontRef idx="minor">
-        <a:schemeClr val="lt1"/>
+        <a:schemeClr val="dk1"/>
       </a:fontRef>
     </dgm:style>
   </dgm:styleLbl>
   <dgm:styleLbl name="node2">
     <dgm:scene3d>
       <a:camera prst="orthographicFront"/>
-      <a:lightRig rig="threePt" dir="t"/>
+      <a:lightRig rig="flat" dir="t"/>
     </dgm:scene3d>
-    <dgm:sp3d/>
+    <dgm:sp3d prstMaterial="dkEdge">
+      <a:bevelT w="8200" h="38100"/>
+    </dgm:sp3d>
     <dgm:txPr/>
     <dgm:style>
-      <a:lnRef idx="2">
+      <a:lnRef idx="0">
         <a:scrgbClr r="0" g="0" b="0"/>
       </a:lnRef>
-      <a:fillRef idx="1">
+      <a:fillRef idx="2">
         <a:scrgbClr r="0" g="0" b="0"/>
       </a:fillRef>
-      <a:effectRef idx="0">
+      <a:effectRef idx="1">
         <a:scrgbClr r="0" g="0" b="0"/>
       </a:effectRef>
       <a:fontRef idx="minor">
-        <a:schemeClr val="lt1"/>
+        <a:schemeClr val="dk1"/>
       </a:fontRef>
     </dgm:style>
   </dgm:styleLbl>
   <dgm:styleLbl name="node3">
     <dgm:scene3d>
       <a:camera prst="orthographicFront"/>
-      <a:lightRig rig="threePt" dir="t"/>
+      <a:lightRig rig="flat" dir="t"/>
     </dgm:scene3d>
-    <dgm:sp3d/>
+    <dgm:sp3d prstMaterial="dkEdge">
+      <a:bevelT w="8200" h="38100"/>
+    </dgm:sp3d>
     <dgm:txPr/>
     <dgm:style>
-      <a:lnRef idx="2">
+      <a:lnRef idx="0">
         <a:scrgbClr r="0" g="0" b="0"/>
       </a:lnRef>
-      <a:fillRef idx="1">
+      <a:fillRef idx="2">
         <a:scrgbClr r="0" g="0" b="0"/>
       </a:fillRef>
-      <a:effectRef idx="0">
+      <a:effectRef idx="1">
         <a:scrgbClr r="0" g="0" b="0"/>
       </a:effectRef>
       <a:fontRef idx="minor">
-        <a:schemeClr val="lt1"/>
+        <a:schemeClr val="dk1"/>
       </a:fontRef>
     </dgm:style>
   </dgm:styleLbl>
   <dgm:styleLbl name="node4">
     <dgm:scene3d>
       <a:camera prst="orthographicFront"/>
-      <a:lightRig rig="threePt" dir="t"/>
+      <a:lightRig rig="flat" dir="t"/>
     </dgm:scene3d>
-    <dgm:sp3d/>
+    <dgm:sp3d prstMaterial="dkEdge">
+      <a:bevelT w="8200" h="38100"/>
+    </dgm:sp3d>
     <dgm:txPr/>
     <dgm:style>
-      <a:lnRef idx="2">
+      <a:lnRef idx="0">
         <a:scrgbClr r="0" g="0" b="0"/>
       </a:lnRef>
-      <a:fillRef idx="1">
+      <a:fillRef idx="2">
         <a:scrgbClr r="0" g="0" b="0"/>
       </a:fillRef>
-      <a:effectRef idx="0">
+      <a:effectRef idx="1">
         <a:scrgbClr r="0" g="0" b="0"/>
       </a:effectRef>
       <a:fontRef idx="minor">
-        <a:schemeClr val="lt1"/>
+        <a:schemeClr val="dk1"/>
       </a:fontRef>
     </dgm:style>
   </dgm:styleLbl>
@@ -18252,13 +18664,13 @@
     <dgm:sp3d/>
     <dgm:txPr/>
     <dgm:style>
-      <a:lnRef idx="2">
+      <a:lnRef idx="1">
         <a:scrgbClr r="0" g="0" b="0"/>
       </a:lnRef>
       <a:fillRef idx="1">
         <a:scrgbClr r="0" g="0" b="0"/>
       </a:fillRef>
-      <a:effectRef idx="0">
+      <a:effectRef idx="1">
         <a:scrgbClr r="0" g="0" b="0"/>
       </a:effectRef>
       <a:fontRef idx="minor"/>
@@ -18272,13 +18684,13 @@
     <dgm:sp3d/>
     <dgm:txPr/>
     <dgm:style>
-      <a:lnRef idx="2">
+      <a:lnRef idx="1">
         <a:scrgbClr r="0" g="0" b="0"/>
       </a:lnRef>
       <a:fillRef idx="1">
         <a:scrgbClr r="0" g="0" b="0"/>
       </a:fillRef>
-      <a:effectRef idx="0">
+      <a:effectRef idx="1">
         <a:scrgbClr r="0" g="0" b="0"/>
       </a:effectRef>
       <a:fontRef idx="minor"/>
@@ -18292,13 +18704,13 @@
     <dgm:sp3d/>
     <dgm:txPr/>
     <dgm:style>
-      <a:lnRef idx="2">
+      <a:lnRef idx="1">
         <a:scrgbClr r="0" g="0" b="0"/>
       </a:lnRef>
       <a:fillRef idx="1">
         <a:scrgbClr r="0" g="0" b="0"/>
       </a:fillRef>
-      <a:effectRef idx="0">
+      <a:effectRef idx="1">
         <a:scrgbClr r="0" g="0" b="0"/>
       </a:effectRef>
       <a:fontRef idx="minor"/>
@@ -18315,14 +18727,14 @@
       <a:lnRef idx="0">
         <a:scrgbClr r="0" g="0" b="0"/>
       </a:lnRef>
-      <a:fillRef idx="1">
+      <a:fillRef idx="2">
         <a:scrgbClr r="0" g="0" b="0"/>
       </a:fillRef>
-      <a:effectRef idx="0">
+      <a:effectRef idx="1">
         <a:scrgbClr r="0" g="0" b="0"/>
       </a:effectRef>
       <a:fontRef idx="minor">
-        <a:schemeClr val="lt1"/>
+        <a:schemeClr val="dk1"/>
       </a:fontRef>
     </dgm:style>
   </dgm:styleLbl>
@@ -18337,14 +18749,14 @@
       <a:lnRef idx="0">
         <a:scrgbClr r="0" g="0" b="0"/>
       </a:lnRef>
-      <a:fillRef idx="1">
+      <a:fillRef idx="2">
         <a:scrgbClr r="0" g="0" b="0"/>
       </a:fillRef>
-      <a:effectRef idx="0">
+      <a:effectRef idx="1">
         <a:scrgbClr r="0" g="0" b="0"/>
       </a:effectRef>
       <a:fontRef idx="minor">
-        <a:schemeClr val="lt1"/>
+        <a:schemeClr val="dk1"/>
       </a:fontRef>
     </dgm:style>
   </dgm:styleLbl>
@@ -18359,14 +18771,14 @@
       <a:lnRef idx="0">
         <a:scrgbClr r="0" g="0" b="0"/>
       </a:lnRef>
-      <a:fillRef idx="1">
+      <a:fillRef idx="2">
         <a:scrgbClr r="0" g="0" b="0"/>
       </a:fillRef>
-      <a:effectRef idx="0">
+      <a:effectRef idx="1">
         <a:scrgbClr r="0" g="0" b="0"/>
       </a:effectRef>
       <a:fontRef idx="minor">
-        <a:schemeClr val="lt1"/>
+        <a:schemeClr val="dk1"/>
       </a:fontRef>
     </dgm:style>
   </dgm:styleLbl>
@@ -18398,13 +18810,13 @@
     <dgm:sp3d/>
     <dgm:txPr/>
     <dgm:style>
-      <a:lnRef idx="2">
+      <a:lnRef idx="1">
         <a:scrgbClr r="0" g="0" b="0"/>
       </a:lnRef>
-      <a:fillRef idx="1">
+      <a:fillRef idx="2">
         <a:scrgbClr r="0" g="0" b="0"/>
       </a:fillRef>
-      <a:effectRef idx="0">
+      <a:effectRef idx="1">
         <a:scrgbClr r="0" g="0" b="0"/>
       </a:effectRef>
       <a:fontRef idx="minor"/>
@@ -18413,110 +18825,120 @@
   <dgm:styleLbl name="asst0">
     <dgm:scene3d>
       <a:camera prst="orthographicFront"/>
-      <a:lightRig rig="threePt" dir="t"/>
+      <a:lightRig rig="flat" dir="t"/>
     </dgm:scene3d>
-    <dgm:sp3d/>
+    <dgm:sp3d prstMaterial="dkEdge">
+      <a:bevelT w="8200" h="38100"/>
+    </dgm:sp3d>
     <dgm:txPr/>
     <dgm:style>
-      <a:lnRef idx="2">
+      <a:lnRef idx="0">
         <a:scrgbClr r="0" g="0" b="0"/>
       </a:lnRef>
-      <a:fillRef idx="1">
+      <a:fillRef idx="2">
         <a:scrgbClr r="0" g="0" b="0"/>
       </a:fillRef>
-      <a:effectRef idx="0">
+      <a:effectRef idx="1">
         <a:scrgbClr r="0" g="0" b="0"/>
       </a:effectRef>
       <a:fontRef idx="minor">
-        <a:schemeClr val="lt1"/>
+        <a:schemeClr val="dk1"/>
       </a:fontRef>
     </dgm:style>
   </dgm:styleLbl>
   <dgm:styleLbl name="asst1">
     <dgm:scene3d>
       <a:camera prst="orthographicFront"/>
-      <a:lightRig rig="threePt" dir="t"/>
+      <a:lightRig rig="flat" dir="t"/>
     </dgm:scene3d>
-    <dgm:sp3d/>
+    <dgm:sp3d prstMaterial="dkEdge">
+      <a:bevelT w="8200" h="38100"/>
+    </dgm:sp3d>
     <dgm:txPr/>
     <dgm:style>
-      <a:lnRef idx="2">
+      <a:lnRef idx="0">
         <a:scrgbClr r="0" g="0" b="0"/>
       </a:lnRef>
-      <a:fillRef idx="1">
+      <a:fillRef idx="2">
         <a:scrgbClr r="0" g="0" b="0"/>
       </a:fillRef>
-      <a:effectRef idx="0">
+      <a:effectRef idx="1">
         <a:scrgbClr r="0" g="0" b="0"/>
       </a:effectRef>
       <a:fontRef idx="minor">
-        <a:schemeClr val="lt1"/>
+        <a:schemeClr val="dk1"/>
       </a:fontRef>
     </dgm:style>
   </dgm:styleLbl>
   <dgm:styleLbl name="asst2">
     <dgm:scene3d>
       <a:camera prst="orthographicFront"/>
-      <a:lightRig rig="threePt" dir="t"/>
+      <a:lightRig rig="flat" dir="t"/>
     </dgm:scene3d>
-    <dgm:sp3d/>
+    <dgm:sp3d prstMaterial="dkEdge">
+      <a:bevelT w="8200" h="38100"/>
+    </dgm:sp3d>
     <dgm:txPr/>
     <dgm:style>
-      <a:lnRef idx="2">
+      <a:lnRef idx="0">
         <a:scrgbClr r="0" g="0" b="0"/>
       </a:lnRef>
-      <a:fillRef idx="1">
+      <a:fillRef idx="2">
         <a:scrgbClr r="0" g="0" b="0"/>
       </a:fillRef>
-      <a:effectRef idx="0">
+      <a:effectRef idx="1">
         <a:scrgbClr r="0" g="0" b="0"/>
       </a:effectRef>
       <a:fontRef idx="minor">
-        <a:schemeClr val="lt1"/>
+        <a:schemeClr val="dk1"/>
       </a:fontRef>
     </dgm:style>
   </dgm:styleLbl>
   <dgm:styleLbl name="asst3">
     <dgm:scene3d>
       <a:camera prst="orthographicFront"/>
-      <a:lightRig rig="threePt" dir="t"/>
+      <a:lightRig rig="flat" dir="t"/>
     </dgm:scene3d>
-    <dgm:sp3d/>
+    <dgm:sp3d prstMaterial="dkEdge">
+      <a:bevelT w="8200" h="38100"/>
+    </dgm:sp3d>
     <dgm:txPr/>
     <dgm:style>
-      <a:lnRef idx="2">
+      <a:lnRef idx="0">
         <a:scrgbClr r="0" g="0" b="0"/>
       </a:lnRef>
-      <a:fillRef idx="1">
+      <a:fillRef idx="2">
         <a:scrgbClr r="0" g="0" b="0"/>
       </a:fillRef>
-      <a:effectRef idx="0">
+      <a:effectRef idx="1">
         <a:scrgbClr r="0" g="0" b="0"/>
       </a:effectRef>
       <a:fontRef idx="minor">
-        <a:schemeClr val="lt1"/>
+        <a:schemeClr val="dk1"/>
       </a:fontRef>
     </dgm:style>
   </dgm:styleLbl>
   <dgm:styleLbl name="asst4">
     <dgm:scene3d>
       <a:camera prst="orthographicFront"/>
-      <a:lightRig rig="threePt" dir="t"/>
+      <a:lightRig rig="flat" dir="t"/>
     </dgm:scene3d>
-    <dgm:sp3d/>
+    <dgm:sp3d prstMaterial="dkEdge">
+      <a:bevelT w="8200" h="38100"/>
+    </dgm:sp3d>
     <dgm:txPr/>
     <dgm:style>
-      <a:lnRef idx="2">
+      <a:lnRef idx="0">
         <a:scrgbClr r="0" g="0" b="0"/>
       </a:lnRef>
-      <a:fillRef idx="1">
+      <a:fillRef idx="2">
         <a:scrgbClr r="0" g="0" b="0"/>
       </a:fillRef>
-      <a:effectRef idx="0">
+      <a:effectRef idx="1">
         <a:scrgbClr r="0" g="0" b="0"/>
       </a:effectRef>
       <a:fontRef idx="minor">
-        <a:schemeClr val="lt1"/>
+        <a:schemeClr val="dk1"/>
       </a:fontRef>
     </dgm:style>
   </dgm:styleLbl>
@@ -18528,17 +18950,17 @@
     <dgm:sp3d/>
     <dgm:txPr/>
     <dgm:style>
-      <a:lnRef idx="2">
+      <a:lnRef idx="1">
         <a:scrgbClr r="0" g="0" b="0"/>
       </a:lnRef>
-      <a:fillRef idx="1">
+      <a:fillRef idx="2">
         <a:scrgbClr r="0" g="0" b="0"/>
       </a:fillRef>
-      <a:effectRef idx="0">
+      <a:effectRef idx="1">
         <a:scrgbClr r="0" g="0" b="0"/>
       </a:effectRef>
       <a:fontRef idx="minor">
-        <a:schemeClr val="lt1"/>
+        <a:schemeClr val="dk1"/>
       </a:fontRef>
     </dgm:style>
   </dgm:styleLbl>
@@ -18550,17 +18972,17 @@
     <dgm:sp3d/>
     <dgm:txPr/>
     <dgm:style>
-      <a:lnRef idx="2">
+      <a:lnRef idx="1">
         <a:scrgbClr r="0" g="0" b="0"/>
       </a:lnRef>
-      <a:fillRef idx="1">
+      <a:fillRef idx="2">
         <a:scrgbClr r="0" g="0" b="0"/>
       </a:fillRef>
-      <a:effectRef idx="0">
+      <a:effectRef idx="1">
         <a:scrgbClr r="0" g="0" b="0"/>
       </a:effectRef>
       <a:fontRef idx="minor">
-        <a:schemeClr val="lt1"/>
+        <a:schemeClr val="dk1"/>
       </a:fontRef>
     </dgm:style>
   </dgm:styleLbl>
@@ -18572,17 +18994,17 @@
     <dgm:sp3d/>
     <dgm:txPr/>
     <dgm:style>
-      <a:lnRef idx="2">
+      <a:lnRef idx="1">
         <a:scrgbClr r="0" g="0" b="0"/>
       </a:lnRef>
-      <a:fillRef idx="1">
+      <a:fillRef idx="2">
         <a:scrgbClr r="0" g="0" b="0"/>
       </a:fillRef>
-      <a:effectRef idx="0">
+      <a:effectRef idx="1">
         <a:scrgbClr r="0" g="0" b="0"/>
       </a:effectRef>
       <a:fontRef idx="minor">
-        <a:schemeClr val="lt1"/>
+        <a:schemeClr val="dk1"/>
       </a:fontRef>
     </dgm:style>
   </dgm:styleLbl>
@@ -18594,17 +19016,17 @@
     <dgm:sp3d/>
     <dgm:txPr/>
     <dgm:style>
-      <a:lnRef idx="2">
+      <a:lnRef idx="1">
         <a:scrgbClr r="0" g="0" b="0"/>
       </a:lnRef>
-      <a:fillRef idx="1">
+      <a:fillRef idx="2">
         <a:scrgbClr r="0" g="0" b="0"/>
       </a:fillRef>
-      <a:effectRef idx="0">
+      <a:effectRef idx="1">
         <a:scrgbClr r="0" g="0" b="0"/>
       </a:effectRef>
       <a:fontRef idx="minor">
-        <a:schemeClr val="lt1"/>
+        <a:schemeClr val="dk1"/>
       </a:fontRef>
     </dgm:style>
   </dgm:styleLbl>
@@ -18696,7 +19118,7 @@
     <dgm:sp3d/>
     <dgm:txPr/>
     <dgm:style>
-      <a:lnRef idx="2">
+      <a:lnRef idx="1">
         <a:scrgbClr r="0" g="0" b="0"/>
       </a:lnRef>
       <a:fillRef idx="1">
@@ -18716,7 +19138,7 @@
     <dgm:sp3d/>
     <dgm:txPr/>
     <dgm:style>
-      <a:lnRef idx="2">
+      <a:lnRef idx="1">
         <a:scrgbClr r="0" g="0" b="0"/>
       </a:lnRef>
       <a:fillRef idx="1">
@@ -18736,7 +19158,7 @@
     <dgm:sp3d/>
     <dgm:txPr/>
     <dgm:style>
-      <a:lnRef idx="2">
+      <a:lnRef idx="1">
         <a:scrgbClr r="0" g="0" b="0"/>
       </a:lnRef>
       <a:fillRef idx="1">
@@ -18776,7 +19198,7 @@
     <dgm:sp3d/>
     <dgm:txPr/>
     <dgm:style>
-      <a:lnRef idx="2">
+      <a:lnRef idx="1">
         <a:scrgbClr r="0" g="0" b="0"/>
       </a:lnRef>
       <a:fillRef idx="1">
@@ -18796,10 +19218,10 @@
     <dgm:sp3d/>
     <dgm:txPr/>
     <dgm:style>
-      <a:lnRef idx="2">
+      <a:lnRef idx="1">
         <a:scrgbClr r="0" g="0" b="0"/>
       </a:lnRef>
-      <a:fillRef idx="1">
+      <a:fillRef idx="2">
         <a:scrgbClr r="0" g="0" b="0"/>
       </a:fillRef>
       <a:effectRef idx="0">
@@ -18816,7 +19238,7 @@
     <dgm:sp3d/>
     <dgm:txPr/>
     <dgm:style>
-      <a:lnRef idx="2">
+      <a:lnRef idx="1">
         <a:scrgbClr r="0" g="0" b="0"/>
       </a:lnRef>
       <a:fillRef idx="1">
@@ -18836,7 +19258,7 @@
     <dgm:sp3d/>
     <dgm:txPr/>
     <dgm:style>
-      <a:lnRef idx="2">
+      <a:lnRef idx="1">
         <a:scrgbClr r="0" g="0" b="0"/>
       </a:lnRef>
       <a:fillRef idx="1">
@@ -18856,7 +19278,7 @@
     <dgm:sp3d/>
     <dgm:txPr/>
     <dgm:style>
-      <a:lnRef idx="2">
+      <a:lnRef idx="1">
         <a:scrgbClr r="0" g="0" b="0"/>
       </a:lnRef>
       <a:fillRef idx="1">
@@ -18876,7 +19298,7 @@
     <dgm:sp3d/>
     <dgm:txPr/>
     <dgm:style>
-      <a:lnRef idx="2">
+      <a:lnRef idx="1">
         <a:scrgbClr r="0" g="0" b="0"/>
       </a:lnRef>
       <a:fillRef idx="1">
@@ -18896,7 +19318,7 @@
     <dgm:sp3d/>
     <dgm:txPr/>
     <dgm:style>
-      <a:lnRef idx="2">
+      <a:lnRef idx="1">
         <a:scrgbClr r="0" g="0" b="0"/>
       </a:lnRef>
       <a:fillRef idx="1">
@@ -18916,7 +19338,7 @@
     <dgm:sp3d/>
     <dgm:txPr/>
     <dgm:style>
-      <a:lnRef idx="2">
+      <a:lnRef idx="1">
         <a:scrgbClr r="0" g="0" b="0"/>
       </a:lnRef>
       <a:fillRef idx="1">
@@ -18936,7 +19358,7 @@
     <dgm:sp3d/>
     <dgm:txPr/>
     <dgm:style>
-      <a:lnRef idx="2">
+      <a:lnRef idx="1">
         <a:scrgbClr r="0" g="0" b="0"/>
       </a:lnRef>
       <a:fillRef idx="1">
@@ -18956,7 +19378,7 @@
     <dgm:sp3d/>
     <dgm:txPr/>
     <dgm:style>
-      <a:lnRef idx="2">
+      <a:lnRef idx="1">
         <a:scrgbClr r="0" g="0" b="0"/>
       </a:lnRef>
       <a:fillRef idx="1">
@@ -18976,7 +19398,7 @@
     <dgm:sp3d/>
     <dgm:txPr/>
     <dgm:style>
-      <a:lnRef idx="2">
+      <a:lnRef idx="1">
         <a:scrgbClr r="0" g="0" b="0"/>
       </a:lnRef>
       <a:fillRef idx="1">
@@ -19002,7 +19424,7 @@
       <a:fillRef idx="1">
         <a:scrgbClr r="0" g="0" b="0"/>
       </a:fillRef>
-      <a:effectRef idx="0">
+      <a:effectRef idx="1">
         <a:scrgbClr r="0" g="0" b="0"/>
       </a:effectRef>
       <a:fontRef idx="minor"/>
@@ -19022,7 +19444,7 @@
       <a:fillRef idx="1">
         <a:scrgbClr r="0" g="0" b="0"/>
       </a:fillRef>
-      <a:effectRef idx="0">
+      <a:effectRef idx="1">
         <a:scrgbClr r="0" g="0" b="0"/>
       </a:effectRef>
       <a:fontRef idx="minor"/>
@@ -19051,18 +19473,20 @@
   <dgm:styleLbl name="fgShp">
     <dgm:scene3d>
       <a:camera prst="orthographicFront"/>
-      <a:lightRig rig="threePt" dir="t"/>
+      <a:lightRig rig="flat" dir="t"/>
     </dgm:scene3d>
-    <dgm:sp3d/>
+    <dgm:sp3d prstMaterial="dkEdge">
+      <a:bevelT w="8200" h="38100"/>
+    </dgm:sp3d>
     <dgm:txPr/>
     <dgm:style>
-      <a:lnRef idx="2">
+      <a:lnRef idx="1">
         <a:scrgbClr r="0" g="0" b="0"/>
       </a:lnRef>
-      <a:fillRef idx="1">
+      <a:fillRef idx="2">
         <a:scrgbClr r="0" g="0" b="0"/>
       </a:fillRef>
-      <a:effectRef idx="0">
+      <a:effectRef idx="1">
         <a:scrgbClr r="0" g="0" b="0"/>
       </a:effectRef>
       <a:fontRef idx="minor"/>
@@ -19092,11 +19516,11 @@
 </file>
 
 <file path=ppt/diagrams/quickStyle5.xml><?xml version="1.0" encoding="utf-8"?>
-<dgm:styleDef xmlns:dgm="http://schemas.openxmlformats.org/drawingml/2006/diagram" xmlns:a="http://schemas.openxmlformats.org/drawingml/2006/main" uniqueId="urn:microsoft.com/office/officeart/2005/8/quickstyle/simple1">
+<dgm:styleDef xmlns:dgm="http://schemas.openxmlformats.org/drawingml/2006/diagram" xmlns:a="http://schemas.openxmlformats.org/drawingml/2006/main" uniqueId="urn:microsoft.com/office/officeart/2005/8/quickstyle/simple3">
   <dgm:title val=""/>
   <dgm:desc val=""/>
   <dgm:catLst>
-    <dgm:cat type="simple" pri="10100"/>
+    <dgm:cat type="simple" pri="10300"/>
   </dgm:catLst>
   <dgm:scene3d>
     <a:camera prst="orthographicFront"/>
@@ -19105,59 +19529,65 @@
   <dgm:styleLbl name="node0">
     <dgm:scene3d>
       <a:camera prst="orthographicFront"/>
-      <a:lightRig rig="threePt" dir="t"/>
+      <a:lightRig rig="flat" dir="t"/>
     </dgm:scene3d>
-    <dgm:sp3d/>
+    <dgm:sp3d prstMaterial="dkEdge">
+      <a:bevelT w="8200" h="38100"/>
+    </dgm:sp3d>
     <dgm:txPr/>
     <dgm:style>
-      <a:lnRef idx="2">
+      <a:lnRef idx="0">
         <a:scrgbClr r="0" g="0" b="0"/>
       </a:lnRef>
-      <a:fillRef idx="1">
+      <a:fillRef idx="2">
         <a:scrgbClr r="0" g="0" b="0"/>
       </a:fillRef>
-      <a:effectRef idx="0">
+      <a:effectRef idx="1">
         <a:scrgbClr r="0" g="0" b="0"/>
       </a:effectRef>
       <a:fontRef idx="minor">
-        <a:schemeClr val="lt1"/>
+        <a:schemeClr val="dk1"/>
       </a:fontRef>
     </dgm:style>
   </dgm:styleLbl>
   <dgm:styleLbl name="lnNode1">
     <dgm:scene3d>
       <a:camera prst="orthographicFront"/>
-      <a:lightRig rig="threePt" dir="t"/>
+      <a:lightRig rig="flat" dir="t"/>
     </dgm:scene3d>
-    <dgm:sp3d/>
+    <dgm:sp3d prstMaterial="dkEdge">
+      <a:bevelT w="8200" h="38100"/>
+    </dgm:sp3d>
     <dgm:txPr/>
     <dgm:style>
-      <a:lnRef idx="2">
+      <a:lnRef idx="1">
         <a:scrgbClr r="0" g="0" b="0"/>
       </a:lnRef>
-      <a:fillRef idx="1">
+      <a:fillRef idx="2">
         <a:scrgbClr r="0" g="0" b="0"/>
       </a:fillRef>
       <a:effectRef idx="0">
         <a:scrgbClr r="0" g="0" b="0"/>
       </a:effectRef>
       <a:fontRef idx="minor">
-        <a:schemeClr val="lt1"/>
+        <a:schemeClr val="dk1"/>
       </a:fontRef>
     </dgm:style>
   </dgm:styleLbl>
   <dgm:styleLbl name="vennNode1">
     <dgm:scene3d>
       <a:camera prst="orthographicFront"/>
-      <a:lightRig rig="threePt" dir="t"/>
+      <a:lightRig rig="flat" dir="t"/>
     </dgm:scene3d>
-    <dgm:sp3d/>
+    <dgm:sp3d prstMaterial="dkEdge">
+      <a:bevelT w="8200" h="38100"/>
+    </dgm:sp3d>
     <dgm:txPr/>
     <dgm:style>
-      <a:lnRef idx="2">
+      <a:lnRef idx="0">
         <a:scrgbClr r="0" g="0" b="0"/>
       </a:lnRef>
-      <a:fillRef idx="1">
+      <a:fillRef idx="2">
         <a:scrgbClr r="0" g="0" b="0"/>
       </a:fillRef>
       <a:effectRef idx="0">
@@ -19176,105 +19606,113 @@
     <dgm:sp3d/>
     <dgm:txPr/>
     <dgm:style>
-      <a:lnRef idx="2">
+      <a:lnRef idx="1">
         <a:scrgbClr r="0" g="0" b="0"/>
       </a:lnRef>
-      <a:fillRef idx="1">
+      <a:fillRef idx="2">
         <a:scrgbClr r="0" g="0" b="0"/>
       </a:fillRef>
-      <a:effectRef idx="0">
+      <a:effectRef idx="1">
         <a:scrgbClr r="0" g="0" b="0"/>
       </a:effectRef>
       <a:fontRef idx="minor">
-        <a:schemeClr val="lt1"/>
+        <a:schemeClr val="dk1"/>
       </a:fontRef>
     </dgm:style>
   </dgm:styleLbl>
   <dgm:styleLbl name="node1">
     <dgm:scene3d>
       <a:camera prst="orthographicFront"/>
-      <a:lightRig rig="threePt" dir="t"/>
+      <a:lightRig rig="flat" dir="t"/>
     </dgm:scene3d>
-    <dgm:sp3d/>
+    <dgm:sp3d prstMaterial="dkEdge">
+      <a:bevelT w="8200" h="38100"/>
+    </dgm:sp3d>
     <dgm:txPr/>
     <dgm:style>
-      <a:lnRef idx="2">
+      <a:lnRef idx="0">
         <a:scrgbClr r="0" g="0" b="0"/>
       </a:lnRef>
-      <a:fillRef idx="1">
+      <a:fillRef idx="2">
         <a:scrgbClr r="0" g="0" b="0"/>
       </a:fillRef>
-      <a:effectRef idx="0">
+      <a:effectRef idx="1">
         <a:scrgbClr r="0" g="0" b="0"/>
       </a:effectRef>
       <a:fontRef idx="minor">
-        <a:schemeClr val="lt1"/>
+        <a:schemeClr val="dk1"/>
       </a:fontRef>
     </dgm:style>
   </dgm:styleLbl>
   <dgm:styleLbl name="node2">
     <dgm:scene3d>
       <a:camera prst="orthographicFront"/>
-      <a:lightRig rig="threePt" dir="t"/>
+      <a:lightRig rig="flat" dir="t"/>
     </dgm:scene3d>
-    <dgm:sp3d/>
+    <dgm:sp3d prstMaterial="dkEdge">
+      <a:bevelT w="8200" h="38100"/>
+    </dgm:sp3d>
     <dgm:txPr/>
     <dgm:style>
-      <a:lnRef idx="2">
+      <a:lnRef idx="0">
         <a:scrgbClr r="0" g="0" b="0"/>
       </a:lnRef>
-      <a:fillRef idx="1">
+      <a:fillRef idx="2">
         <a:scrgbClr r="0" g="0" b="0"/>
       </a:fillRef>
-      <a:effectRef idx="0">
+      <a:effectRef idx="1">
         <a:scrgbClr r="0" g="0" b="0"/>
       </a:effectRef>
       <a:fontRef idx="minor">
-        <a:schemeClr val="lt1"/>
+        <a:schemeClr val="dk1"/>
       </a:fontRef>
     </dgm:style>
   </dgm:styleLbl>
   <dgm:styleLbl name="node3">
     <dgm:scene3d>
       <a:camera prst="orthographicFront"/>
-      <a:lightRig rig="threePt" dir="t"/>
+      <a:lightRig rig="flat" dir="t"/>
     </dgm:scene3d>
-    <dgm:sp3d/>
+    <dgm:sp3d prstMaterial="dkEdge">
+      <a:bevelT w="8200" h="38100"/>
+    </dgm:sp3d>
     <dgm:txPr/>
     <dgm:style>
-      <a:lnRef idx="2">
+      <a:lnRef idx="0">
         <a:scrgbClr r="0" g="0" b="0"/>
       </a:lnRef>
-      <a:fillRef idx="1">
+      <a:fillRef idx="2">
         <a:scrgbClr r="0" g="0" b="0"/>
       </a:fillRef>
-      <a:effectRef idx="0">
+      <a:effectRef idx="1">
         <a:scrgbClr r="0" g="0" b="0"/>
       </a:effectRef>
       <a:fontRef idx="minor">
-        <a:schemeClr val="lt1"/>
+        <a:schemeClr val="dk1"/>
       </a:fontRef>
     </dgm:style>
   </dgm:styleLbl>
   <dgm:styleLbl name="node4">
     <dgm:scene3d>
       <a:camera prst="orthographicFront"/>
-      <a:lightRig rig="threePt" dir="t"/>
+      <a:lightRig rig="flat" dir="t"/>
     </dgm:scene3d>
-    <dgm:sp3d/>
+    <dgm:sp3d prstMaterial="dkEdge">
+      <a:bevelT w="8200" h="38100"/>
+    </dgm:sp3d>
     <dgm:txPr/>
     <dgm:style>
-      <a:lnRef idx="2">
+      <a:lnRef idx="0">
         <a:scrgbClr r="0" g="0" b="0"/>
       </a:lnRef>
-      <a:fillRef idx="1">
+      <a:fillRef idx="2">
         <a:scrgbClr r="0" g="0" b="0"/>
       </a:fillRef>
-      <a:effectRef idx="0">
+      <a:effectRef idx="1">
         <a:scrgbClr r="0" g="0" b="0"/>
       </a:effectRef>
       <a:fontRef idx="minor">
-        <a:schemeClr val="lt1"/>
+        <a:schemeClr val="dk1"/>
       </a:fontRef>
     </dgm:style>
   </dgm:styleLbl>
@@ -19286,13 +19724,13 @@
     <dgm:sp3d/>
     <dgm:txPr/>
     <dgm:style>
-      <a:lnRef idx="2">
+      <a:lnRef idx="1">
         <a:scrgbClr r="0" g="0" b="0"/>
       </a:lnRef>
       <a:fillRef idx="1">
         <a:scrgbClr r="0" g="0" b="0"/>
       </a:fillRef>
-      <a:effectRef idx="0">
+      <a:effectRef idx="1">
         <a:scrgbClr r="0" g="0" b="0"/>
       </a:effectRef>
       <a:fontRef idx="minor"/>
@@ -19306,13 +19744,13 @@
     <dgm:sp3d/>
     <dgm:txPr/>
     <dgm:style>
-      <a:lnRef idx="2">
+      <a:lnRef idx="1">
         <a:scrgbClr r="0" g="0" b="0"/>
       </a:lnRef>
       <a:fillRef idx="1">
         <a:scrgbClr r="0" g="0" b="0"/>
       </a:fillRef>
-      <a:effectRef idx="0">
+      <a:effectRef idx="1">
         <a:scrgbClr r="0" g="0" b="0"/>
       </a:effectRef>
       <a:fontRef idx="minor"/>
@@ -19326,13 +19764,13 @@
     <dgm:sp3d/>
     <dgm:txPr/>
     <dgm:style>
-      <a:lnRef idx="2">
+      <a:lnRef idx="1">
         <a:scrgbClr r="0" g="0" b="0"/>
       </a:lnRef>
       <a:fillRef idx="1">
         <a:scrgbClr r="0" g="0" b="0"/>
       </a:fillRef>
-      <a:effectRef idx="0">
+      <a:effectRef idx="1">
         <a:scrgbClr r="0" g="0" b="0"/>
       </a:effectRef>
       <a:fontRef idx="minor"/>
@@ -19349,14 +19787,14 @@
       <a:lnRef idx="0">
         <a:scrgbClr r="0" g="0" b="0"/>
       </a:lnRef>
-      <a:fillRef idx="1">
+      <a:fillRef idx="2">
         <a:scrgbClr r="0" g="0" b="0"/>
       </a:fillRef>
-      <a:effectRef idx="0">
+      <a:effectRef idx="1">
         <a:scrgbClr r="0" g="0" b="0"/>
       </a:effectRef>
       <a:fontRef idx="minor">
-        <a:schemeClr val="lt1"/>
+        <a:schemeClr val="dk1"/>
       </a:fontRef>
     </dgm:style>
   </dgm:styleLbl>
@@ -19371,14 +19809,14 @@
       <a:lnRef idx="0">
         <a:scrgbClr r="0" g="0" b="0"/>
       </a:lnRef>
-      <a:fillRef idx="1">
+      <a:fillRef idx="2">
         <a:scrgbClr r="0" g="0" b="0"/>
       </a:fillRef>
-      <a:effectRef idx="0">
+      <a:effectRef idx="1">
         <a:scrgbClr r="0" g="0" b="0"/>
       </a:effectRef>
       <a:fontRef idx="minor">
-        <a:schemeClr val="lt1"/>
+        <a:schemeClr val="dk1"/>
       </a:fontRef>
     </dgm:style>
   </dgm:styleLbl>
@@ -19393,14 +19831,14 @@
       <a:lnRef idx="0">
         <a:scrgbClr r="0" g="0" b="0"/>
       </a:lnRef>
-      <a:fillRef idx="1">
+      <a:fillRef idx="2">
         <a:scrgbClr r="0" g="0" b="0"/>
       </a:fillRef>
-      <a:effectRef idx="0">
+      <a:effectRef idx="1">
         <a:scrgbClr r="0" g="0" b="0"/>
       </a:effectRef>
       <a:fontRef idx="minor">
-        <a:schemeClr val="lt1"/>
+        <a:schemeClr val="dk1"/>
       </a:fontRef>
     </dgm:style>
   </dgm:styleLbl>
@@ -19432,13 +19870,13 @@
     <dgm:sp3d/>
     <dgm:txPr/>
     <dgm:style>
-      <a:lnRef idx="2">
+      <a:lnRef idx="1">
         <a:scrgbClr r="0" g="0" b="0"/>
       </a:lnRef>
-      <a:fillRef idx="1">
+      <a:fillRef idx="2">
         <a:scrgbClr r="0" g="0" b="0"/>
       </a:fillRef>
-      <a:effectRef idx="0">
+      <a:effectRef idx="1">
         <a:scrgbClr r="0" g="0" b="0"/>
       </a:effectRef>
       <a:fontRef idx="minor"/>
@@ -19447,110 +19885,120 @@
   <dgm:styleLbl name="asst0">
     <dgm:scene3d>
       <a:camera prst="orthographicFront"/>
-      <a:lightRig rig="threePt" dir="t"/>
+      <a:lightRig rig="flat" dir="t"/>
     </dgm:scene3d>
-    <dgm:sp3d/>
+    <dgm:sp3d prstMaterial="dkEdge">
+      <a:bevelT w="8200" h="38100"/>
+    </dgm:sp3d>
     <dgm:txPr/>
     <dgm:style>
-      <a:lnRef idx="2">
+      <a:lnRef idx="0">
         <a:scrgbClr r="0" g="0" b="0"/>
       </a:lnRef>
-      <a:fillRef idx="1">
+      <a:fillRef idx="2">
         <a:scrgbClr r="0" g="0" b="0"/>
       </a:fillRef>
-      <a:effectRef idx="0">
+      <a:effectRef idx="1">
         <a:scrgbClr r="0" g="0" b="0"/>
       </a:effectRef>
       <a:fontRef idx="minor">
-        <a:schemeClr val="lt1"/>
+        <a:schemeClr val="dk1"/>
       </a:fontRef>
     </dgm:style>
   </dgm:styleLbl>
   <dgm:styleLbl name="asst1">
     <dgm:scene3d>
       <a:camera prst="orthographicFront"/>
-      <a:lightRig rig="threePt" dir="t"/>
+      <a:lightRig rig="flat" dir="t"/>
     </dgm:scene3d>
-    <dgm:sp3d/>
+    <dgm:sp3d prstMaterial="dkEdge">
+      <a:bevelT w="8200" h="38100"/>
+    </dgm:sp3d>
     <dgm:txPr/>
     <dgm:style>
-      <a:lnRef idx="2">
+      <a:lnRef idx="0">
         <a:scrgbClr r="0" g="0" b="0"/>
       </a:lnRef>
-      <a:fillRef idx="1">
+      <a:fillRef idx="2">
         <a:scrgbClr r="0" g="0" b="0"/>
       </a:fillRef>
-      <a:effectRef idx="0">
+      <a:effectRef idx="1">
         <a:scrgbClr r="0" g="0" b="0"/>
       </a:effectRef>
       <a:fontRef idx="minor">
-        <a:schemeClr val="lt1"/>
+        <a:schemeClr val="dk1"/>
       </a:fontRef>
     </dgm:style>
   </dgm:styleLbl>
   <dgm:styleLbl name="asst2">
     <dgm:scene3d>
       <a:camera prst="orthographicFront"/>
-      <a:lightRig rig="threePt" dir="t"/>
+      <a:lightRig rig="flat" dir="t"/>
     </dgm:scene3d>
-    <dgm:sp3d/>
+    <dgm:sp3d prstMaterial="dkEdge">
+      <a:bevelT w="8200" h="38100"/>
+    </dgm:sp3d>
     <dgm:txPr/>
     <dgm:style>
-      <a:lnRef idx="2">
+      <a:lnRef idx="0">
         <a:scrgbClr r="0" g="0" b="0"/>
       </a:lnRef>
-      <a:fillRef idx="1">
+      <a:fillRef idx="2">
         <a:scrgbClr r="0" g="0" b="0"/>
       </a:fillRef>
-      <a:effectRef idx="0">
+      <a:effectRef idx="1">
         <a:scrgbClr r="0" g="0" b="0"/>
       </a:effectRef>
       <a:fontRef idx="minor">
-        <a:schemeClr val="lt1"/>
+        <a:schemeClr val="dk1"/>
       </a:fontRef>
     </dgm:style>
   </dgm:styleLbl>
   <dgm:styleLbl name="asst3">
     <dgm:scene3d>
       <a:camera prst="orthographicFront"/>
-      <a:lightRig rig="threePt" dir="t"/>
+      <a:lightRig rig="flat" dir="t"/>
     </dgm:scene3d>
-    <dgm:sp3d/>
+    <dgm:sp3d prstMaterial="dkEdge">
+      <a:bevelT w="8200" h="38100"/>
+    </dgm:sp3d>
     <dgm:txPr/>
     <dgm:style>
-      <a:lnRef idx="2">
+      <a:lnRef idx="0">
         <a:scrgbClr r="0" g="0" b="0"/>
       </a:lnRef>
-      <a:fillRef idx="1">
+      <a:fillRef idx="2">
         <a:scrgbClr r="0" g="0" b="0"/>
       </a:fillRef>
-      <a:effectRef idx="0">
+      <a:effectRef idx="1">
         <a:scrgbClr r="0" g="0" b="0"/>
       </a:effectRef>
       <a:fontRef idx="minor">
-        <a:schemeClr val="lt1"/>
+        <a:schemeClr val="dk1"/>
       </a:fontRef>
     </dgm:style>
   </dgm:styleLbl>
   <dgm:styleLbl name="asst4">
     <dgm:scene3d>
       <a:camera prst="orthographicFront"/>
-      <a:lightRig rig="threePt" dir="t"/>
+      <a:lightRig rig="flat" dir="t"/>
     </dgm:scene3d>
-    <dgm:sp3d/>
+    <dgm:sp3d prstMaterial="dkEdge">
+      <a:bevelT w="8200" h="38100"/>
+    </dgm:sp3d>
     <dgm:txPr/>
     <dgm:style>
-      <a:lnRef idx="2">
+      <a:lnRef idx="0">
         <a:scrgbClr r="0" g="0" b="0"/>
       </a:lnRef>
-      <a:fillRef idx="1">
+      <a:fillRef idx="2">
         <a:scrgbClr r="0" g="0" b="0"/>
       </a:fillRef>
-      <a:effectRef idx="0">
+      <a:effectRef idx="1">
         <a:scrgbClr r="0" g="0" b="0"/>
       </a:effectRef>
       <a:fontRef idx="minor">
-        <a:schemeClr val="lt1"/>
+        <a:schemeClr val="dk1"/>
       </a:fontRef>
     </dgm:style>
   </dgm:styleLbl>
@@ -19562,17 +20010,17 @@
     <dgm:sp3d/>
     <dgm:txPr/>
     <dgm:style>
-      <a:lnRef idx="2">
+      <a:lnRef idx="1">
         <a:scrgbClr r="0" g="0" b="0"/>
       </a:lnRef>
-      <a:fillRef idx="1">
+      <a:fillRef idx="2">
         <a:scrgbClr r="0" g="0" b="0"/>
       </a:fillRef>
-      <a:effectRef idx="0">
+      <a:effectRef idx="1">
         <a:scrgbClr r="0" g="0" b="0"/>
       </a:effectRef>
       <a:fontRef idx="minor">
-        <a:schemeClr val="lt1"/>
+        <a:schemeClr val="dk1"/>
       </a:fontRef>
     </dgm:style>
   </dgm:styleLbl>
@@ -19584,17 +20032,17 @@
     <dgm:sp3d/>
     <dgm:txPr/>
     <dgm:style>
-      <a:lnRef idx="2">
+      <a:lnRef idx="1">
         <a:scrgbClr r="0" g="0" b="0"/>
       </a:lnRef>
-      <a:fillRef idx="1">
+      <a:fillRef idx="2">
         <a:scrgbClr r="0" g="0" b="0"/>
       </a:fillRef>
-      <a:effectRef idx="0">
+      <a:effectRef idx="1">
         <a:scrgbClr r="0" g="0" b="0"/>
       </a:effectRef>
       <a:fontRef idx="minor">
-        <a:schemeClr val="lt1"/>
+        <a:schemeClr val="dk1"/>
       </a:fontRef>
     </dgm:style>
   </dgm:styleLbl>
@@ -19606,17 +20054,17 @@
     <dgm:sp3d/>
     <dgm:txPr/>
     <dgm:style>
-      <a:lnRef idx="2">
+      <a:lnRef idx="1">
         <a:scrgbClr r="0" g="0" b="0"/>
       </a:lnRef>
-      <a:fillRef idx="1">
+      <a:fillRef idx="2">
         <a:scrgbClr r="0" g="0" b="0"/>
       </a:fillRef>
-      <a:effectRef idx="0">
+      <a:effectRef idx="1">
         <a:scrgbClr r="0" g="0" b="0"/>
       </a:effectRef>
       <a:fontRef idx="minor">
-        <a:schemeClr val="lt1"/>
+        <a:schemeClr val="dk1"/>
       </a:fontRef>
     </dgm:style>
   </dgm:styleLbl>
@@ -19628,17 +20076,17 @@
     <dgm:sp3d/>
     <dgm:txPr/>
     <dgm:style>
-      <a:lnRef idx="2">
+      <a:lnRef idx="1">
         <a:scrgbClr r="0" g="0" b="0"/>
       </a:lnRef>
-      <a:fillRef idx="1">
+      <a:fillRef idx="2">
         <a:scrgbClr r="0" g="0" b="0"/>
       </a:fillRef>
-      <a:effectRef idx="0">
+      <a:effectRef idx="1">
         <a:scrgbClr r="0" g="0" b="0"/>
       </a:effectRef>
       <a:fontRef idx="minor">
-        <a:schemeClr val="lt1"/>
+        <a:schemeClr val="dk1"/>
       </a:fontRef>
     </dgm:style>
   </dgm:styleLbl>
@@ -19730,7 +20178,7 @@
     <dgm:sp3d/>
     <dgm:txPr/>
     <dgm:style>
-      <a:lnRef idx="2">
+      <a:lnRef idx="1">
         <a:scrgbClr r="0" g="0" b="0"/>
       </a:lnRef>
       <a:fillRef idx="1">
@@ -19750,7 +20198,7 @@
     <dgm:sp3d/>
     <dgm:txPr/>
     <dgm:style>
-      <a:lnRef idx="2">
+      <a:lnRef idx="1">
         <a:scrgbClr r="0" g="0" b="0"/>
       </a:lnRef>
       <a:fillRef idx="1">
@@ -19770,7 +20218,7 @@
     <dgm:sp3d/>
     <dgm:txPr/>
     <dgm:style>
-      <a:lnRef idx="2">
+      <a:lnRef idx="1">
         <a:scrgbClr r="0" g="0" b="0"/>
       </a:lnRef>
       <a:fillRef idx="1">
@@ -19810,7 +20258,7 @@
     <dgm:sp3d/>
     <dgm:txPr/>
     <dgm:style>
-      <a:lnRef idx="2">
+      <a:lnRef idx="1">
         <a:scrgbClr r="0" g="0" b="0"/>
       </a:lnRef>
       <a:fillRef idx="1">
@@ -19830,10 +20278,10 @@
     <dgm:sp3d/>
     <dgm:txPr/>
     <dgm:style>
-      <a:lnRef idx="2">
+      <a:lnRef idx="1">
         <a:scrgbClr r="0" g="0" b="0"/>
       </a:lnRef>
-      <a:fillRef idx="1">
+      <a:fillRef idx="2">
         <a:scrgbClr r="0" g="0" b="0"/>
       </a:fillRef>
       <a:effectRef idx="0">
@@ -19850,7 +20298,7 @@
     <dgm:sp3d/>
     <dgm:txPr/>
     <dgm:style>
-      <a:lnRef idx="2">
+      <a:lnRef idx="1">
         <a:scrgbClr r="0" g="0" b="0"/>
       </a:lnRef>
       <a:fillRef idx="1">
@@ -19870,7 +20318,7 @@
     <dgm:sp3d/>
     <dgm:txPr/>
     <dgm:style>
-      <a:lnRef idx="2">
+      <a:lnRef idx="1">
         <a:scrgbClr r="0" g="0" b="0"/>
       </a:lnRef>
       <a:fillRef idx="1">
@@ -19890,7 +20338,7 @@
     <dgm:sp3d/>
     <dgm:txPr/>
     <dgm:style>
-      <a:lnRef idx="2">
+      <a:lnRef idx="1">
         <a:scrgbClr r="0" g="0" b="0"/>
       </a:lnRef>
       <a:fillRef idx="1">
@@ -19910,7 +20358,7 @@
     <dgm:sp3d/>
     <dgm:txPr/>
     <dgm:style>
-      <a:lnRef idx="2">
+      <a:lnRef idx="1">
         <a:scrgbClr r="0" g="0" b="0"/>
       </a:lnRef>
       <a:fillRef idx="1">
@@ -19930,7 +20378,7 @@
     <dgm:sp3d/>
     <dgm:txPr/>
     <dgm:style>
-      <a:lnRef idx="2">
+      <a:lnRef idx="1">
         <a:scrgbClr r="0" g="0" b="0"/>
       </a:lnRef>
       <a:fillRef idx="1">
@@ -19950,7 +20398,7 @@
     <dgm:sp3d/>
     <dgm:txPr/>
     <dgm:style>
-      <a:lnRef idx="2">
+      <a:lnRef idx="1">
         <a:scrgbClr r="0" g="0" b="0"/>
       </a:lnRef>
       <a:fillRef idx="1">
@@ -19970,7 +20418,7 @@
     <dgm:sp3d/>
     <dgm:txPr/>
     <dgm:style>
-      <a:lnRef idx="2">
+      <a:lnRef idx="1">
         <a:scrgbClr r="0" g="0" b="0"/>
       </a:lnRef>
       <a:fillRef idx="1">
@@ -19990,7 +20438,7 @@
     <dgm:sp3d/>
     <dgm:txPr/>
     <dgm:style>
-      <a:lnRef idx="2">
+      <a:lnRef idx="1">
         <a:scrgbClr r="0" g="0" b="0"/>
       </a:lnRef>
       <a:fillRef idx="1">
@@ -20010,7 +20458,7 @@
     <dgm:sp3d/>
     <dgm:txPr/>
     <dgm:style>
-      <a:lnRef idx="2">
+      <a:lnRef idx="1">
         <a:scrgbClr r="0" g="0" b="0"/>
       </a:lnRef>
       <a:fillRef idx="1">
@@ -20036,7 +20484,7 @@
       <a:fillRef idx="1">
         <a:scrgbClr r="0" g="0" b="0"/>
       </a:fillRef>
-      <a:effectRef idx="0">
+      <a:effectRef idx="1">
         <a:scrgbClr r="0" g="0" b="0"/>
       </a:effectRef>
       <a:fontRef idx="minor"/>
@@ -20056,7 +20504,7 @@
       <a:fillRef idx="1">
         <a:scrgbClr r="0" g="0" b="0"/>
       </a:fillRef>
-      <a:effectRef idx="0">
+      <a:effectRef idx="1">
         <a:scrgbClr r="0" g="0" b="0"/>
       </a:effectRef>
       <a:fontRef idx="minor"/>
@@ -20085,18 +20533,20 @@
   <dgm:styleLbl name="fgShp">
     <dgm:scene3d>
       <a:camera prst="orthographicFront"/>
-      <a:lightRig rig="threePt" dir="t"/>
+      <a:lightRig rig="flat" dir="t"/>
     </dgm:scene3d>
-    <dgm:sp3d/>
+    <dgm:sp3d prstMaterial="dkEdge">
+      <a:bevelT w="8200" h="38100"/>
+    </dgm:sp3d>
     <dgm:txPr/>
     <dgm:style>
-      <a:lnRef idx="2">
+      <a:lnRef idx="1">
         <a:scrgbClr r="0" g="0" b="0"/>
       </a:lnRef>
-      <a:fillRef idx="1">
+      <a:fillRef idx="2">
         <a:scrgbClr r="0" g="0" b="0"/>
       </a:fillRef>
-      <a:effectRef idx="0">
+      <a:effectRef idx="1">
         <a:scrgbClr r="0" g="0" b="0"/>
       </a:effectRef>
       <a:fontRef idx="minor"/>
@@ -20126,11 +20576,11 @@
 </file>
 
 <file path=ppt/diagrams/quickStyle6.xml><?xml version="1.0" encoding="utf-8"?>
-<dgm:styleDef xmlns:dgm="http://schemas.openxmlformats.org/drawingml/2006/diagram" xmlns:a="http://schemas.openxmlformats.org/drawingml/2006/main" uniqueId="urn:microsoft.com/office/officeart/2005/8/quickstyle/simple1">
+<dgm:styleDef xmlns:dgm="http://schemas.openxmlformats.org/drawingml/2006/diagram" xmlns:a="http://schemas.openxmlformats.org/drawingml/2006/main" uniqueId="urn:microsoft.com/office/officeart/2005/8/quickstyle/simple3">
   <dgm:title val=""/>
   <dgm:desc val=""/>
   <dgm:catLst>
-    <dgm:cat type="simple" pri="10100"/>
+    <dgm:cat type="simple" pri="10300"/>
   </dgm:catLst>
   <dgm:scene3d>
     <a:camera prst="orthographicFront"/>
@@ -20139,59 +20589,65 @@
   <dgm:styleLbl name="node0">
     <dgm:scene3d>
       <a:camera prst="orthographicFront"/>
-      <a:lightRig rig="threePt" dir="t"/>
+      <a:lightRig rig="flat" dir="t"/>
     </dgm:scene3d>
-    <dgm:sp3d/>
+    <dgm:sp3d prstMaterial="dkEdge">
+      <a:bevelT w="8200" h="38100"/>
+    </dgm:sp3d>
     <dgm:txPr/>
     <dgm:style>
-      <a:lnRef idx="2">
+      <a:lnRef idx="0">
         <a:scrgbClr r="0" g="0" b="0"/>
       </a:lnRef>
-      <a:fillRef idx="1">
+      <a:fillRef idx="2">
         <a:scrgbClr r="0" g="0" b="0"/>
       </a:fillRef>
-      <a:effectRef idx="0">
+      <a:effectRef idx="1">
         <a:scrgbClr r="0" g="0" b="0"/>
       </a:effectRef>
       <a:fontRef idx="minor">
-        <a:schemeClr val="lt1"/>
+        <a:schemeClr val="dk1"/>
       </a:fontRef>
     </dgm:style>
   </dgm:styleLbl>
   <dgm:styleLbl name="lnNode1">
     <dgm:scene3d>
       <a:camera prst="orthographicFront"/>
-      <a:lightRig rig="threePt" dir="t"/>
+      <a:lightRig rig="flat" dir="t"/>
     </dgm:scene3d>
-    <dgm:sp3d/>
+    <dgm:sp3d prstMaterial="dkEdge">
+      <a:bevelT w="8200" h="38100"/>
+    </dgm:sp3d>
     <dgm:txPr/>
     <dgm:style>
-      <a:lnRef idx="2">
+      <a:lnRef idx="1">
         <a:scrgbClr r="0" g="0" b="0"/>
       </a:lnRef>
-      <a:fillRef idx="1">
+      <a:fillRef idx="2">
         <a:scrgbClr r="0" g="0" b="0"/>
       </a:fillRef>
       <a:effectRef idx="0">
         <a:scrgbClr r="0" g="0" b="0"/>
       </a:effectRef>
       <a:fontRef idx="minor">
-        <a:schemeClr val="lt1"/>
+        <a:schemeClr val="dk1"/>
       </a:fontRef>
     </dgm:style>
   </dgm:styleLbl>
   <dgm:styleLbl name="vennNode1">
     <dgm:scene3d>
       <a:camera prst="orthographicFront"/>
-      <a:lightRig rig="threePt" dir="t"/>
+      <a:lightRig rig="flat" dir="t"/>
     </dgm:scene3d>
-    <dgm:sp3d/>
+    <dgm:sp3d prstMaterial="dkEdge">
+      <a:bevelT w="8200" h="38100"/>
+    </dgm:sp3d>
     <dgm:txPr/>
     <dgm:style>
-      <a:lnRef idx="2">
+      <a:lnRef idx="0">
         <a:scrgbClr r="0" g="0" b="0"/>
       </a:lnRef>
-      <a:fillRef idx="1">
+      <a:fillRef idx="2">
         <a:scrgbClr r="0" g="0" b="0"/>
       </a:fillRef>
       <a:effectRef idx="0">
@@ -20210,105 +20666,113 @@
     <dgm:sp3d/>
     <dgm:txPr/>
     <dgm:style>
-      <a:lnRef idx="2">
+      <a:lnRef idx="1">
         <a:scrgbClr r="0" g="0" b="0"/>
       </a:lnRef>
-      <a:fillRef idx="1">
+      <a:fillRef idx="2">
         <a:scrgbClr r="0" g="0" b="0"/>
       </a:fillRef>
-      <a:effectRef idx="0">
+      <a:effectRef idx="1">
         <a:scrgbClr r="0" g="0" b="0"/>
       </a:effectRef>
       <a:fontRef idx="minor">
-        <a:schemeClr val="lt1"/>
+        <a:schemeClr val="dk1"/>
       </a:fontRef>
     </dgm:style>
   </dgm:styleLbl>
   <dgm:styleLbl name="node1">
     <dgm:scene3d>
       <a:camera prst="orthographicFront"/>
-      <a:lightRig rig="threePt" dir="t"/>
+      <a:lightRig rig="flat" dir="t"/>
     </dgm:scene3d>
-    <dgm:sp3d/>
+    <dgm:sp3d prstMaterial="dkEdge">
+      <a:bevelT w="8200" h="38100"/>
+    </dgm:sp3d>
     <dgm:txPr/>
     <dgm:style>
-      <a:lnRef idx="2">
+      <a:lnRef idx="0">
         <a:scrgbClr r="0" g="0" b="0"/>
       </a:lnRef>
-      <a:fillRef idx="1">
+      <a:fillRef idx="2">
         <a:scrgbClr r="0" g="0" b="0"/>
       </a:fillRef>
-      <a:effectRef idx="0">
+      <a:effectRef idx="1">
         <a:scrgbClr r="0" g="0" b="0"/>
       </a:effectRef>
       <a:fontRef idx="minor">
-        <a:schemeClr val="lt1"/>
+        <a:schemeClr val="dk1"/>
       </a:fontRef>
     </dgm:style>
   </dgm:styleLbl>
   <dgm:styleLbl name="node2">
     <dgm:scene3d>
       <a:camera prst="orthographicFront"/>
-      <a:lightRig rig="threePt" dir="t"/>
+      <a:lightRig rig="flat" dir="t"/>
     </dgm:scene3d>
-    <dgm:sp3d/>
+    <dgm:sp3d prstMaterial="dkEdge">
+      <a:bevelT w="8200" h="38100"/>
+    </dgm:sp3d>
     <dgm:txPr/>
     <dgm:style>
-      <a:lnRef idx="2">
+      <a:lnRef idx="0">
         <a:scrgbClr r="0" g="0" b="0"/>
       </a:lnRef>
-      <a:fillRef idx="1">
+      <a:fillRef idx="2">
         <a:scrgbClr r="0" g="0" b="0"/>
       </a:fillRef>
-      <a:effectRef idx="0">
+      <a:effectRef idx="1">
         <a:scrgbClr r="0" g="0" b="0"/>
       </a:effectRef>
       <a:fontRef idx="minor">
-        <a:schemeClr val="lt1"/>
+        <a:schemeClr val="dk1"/>
       </a:fontRef>
     </dgm:style>
   </dgm:styleLbl>
   <dgm:styleLbl name="node3">
     <dgm:scene3d>
       <a:camera prst="orthographicFront"/>
-      <a:lightRig rig="threePt" dir="t"/>
+      <a:lightRig rig="flat" dir="t"/>
     </dgm:scene3d>
-    <dgm:sp3d/>
+    <dgm:sp3d prstMaterial="dkEdge">
+      <a:bevelT w="8200" h="38100"/>
+    </dgm:sp3d>
     <dgm:txPr/>
     <dgm:style>
-      <a:lnRef idx="2">
+      <a:lnRef idx="0">
         <a:scrgbClr r="0" g="0" b="0"/>
       </a:lnRef>
-      <a:fillRef idx="1">
+      <a:fillRef idx="2">
         <a:scrgbClr r="0" g="0" b="0"/>
       </a:fillRef>
-      <a:effectRef idx="0">
+      <a:effectRef idx="1">
         <a:scrgbClr r="0" g="0" b="0"/>
       </a:effectRef>
       <a:fontRef idx="minor">
-        <a:schemeClr val="lt1"/>
+        <a:schemeClr val="dk1"/>
       </a:fontRef>
     </dgm:style>
   </dgm:styleLbl>
   <dgm:styleLbl name="node4">
     <dgm:scene3d>
       <a:camera prst="orthographicFront"/>
-      <a:lightRig rig="threePt" dir="t"/>
+      <a:lightRig rig="flat" dir="t"/>
     </dgm:scene3d>
-    <dgm:sp3d/>
+    <dgm:sp3d prstMaterial="dkEdge">
+      <a:bevelT w="8200" h="38100"/>
+    </dgm:sp3d>
     <dgm:txPr/>
     <dgm:style>
-      <a:lnRef idx="2">
+      <a:lnRef idx="0">
         <a:scrgbClr r="0" g="0" b="0"/>
       </a:lnRef>
-      <a:fillRef idx="1">
+      <a:fillRef idx="2">
         <a:scrgbClr r="0" g="0" b="0"/>
       </a:fillRef>
-      <a:effectRef idx="0">
+      <a:effectRef idx="1">
         <a:scrgbClr r="0" g="0" b="0"/>
       </a:effectRef>
       <a:fontRef idx="minor">
-        <a:schemeClr val="lt1"/>
+        <a:schemeClr val="dk1"/>
       </a:fontRef>
     </dgm:style>
   </dgm:styleLbl>
@@ -20320,13 +20784,13 @@
     <dgm:sp3d/>
     <dgm:txPr/>
     <dgm:style>
-      <a:lnRef idx="2">
+      <a:lnRef idx="1">
         <a:scrgbClr r="0" g="0" b="0"/>
       </a:lnRef>
       <a:fillRef idx="1">
         <a:scrgbClr r="0" g="0" b="0"/>
       </a:fillRef>
-      <a:effectRef idx="0">
+      <a:effectRef idx="1">
         <a:scrgbClr r="0" g="0" b="0"/>
       </a:effectRef>
       <a:fontRef idx="minor"/>
@@ -20340,13 +20804,13 @@
     <dgm:sp3d/>
     <dgm:txPr/>
     <dgm:style>
-      <a:lnRef idx="2">
+      <a:lnRef idx="1">
         <a:scrgbClr r="0" g="0" b="0"/>
       </a:lnRef>
       <a:fillRef idx="1">
         <a:scrgbClr r="0" g="0" b="0"/>
       </a:fillRef>
-      <a:effectRef idx="0">
+      <a:effectRef idx="1">
         <a:scrgbClr r="0" g="0" b="0"/>
       </a:effectRef>
       <a:fontRef idx="minor"/>
@@ -20360,13 +20824,13 @@
     <dgm:sp3d/>
     <dgm:txPr/>
     <dgm:style>
-      <a:lnRef idx="2">
+      <a:lnRef idx="1">
         <a:scrgbClr r="0" g="0" b="0"/>
       </a:lnRef>
       <a:fillRef idx="1">
         <a:scrgbClr r="0" g="0" b="0"/>
       </a:fillRef>
-      <a:effectRef idx="0">
+      <a:effectRef idx="1">
         <a:scrgbClr r="0" g="0" b="0"/>
       </a:effectRef>
       <a:fontRef idx="minor"/>
@@ -20383,14 +20847,14 @@
       <a:lnRef idx="0">
         <a:scrgbClr r="0" g="0" b="0"/>
       </a:lnRef>
-      <a:fillRef idx="1">
+      <a:fillRef idx="2">
         <a:scrgbClr r="0" g="0" b="0"/>
       </a:fillRef>
-      <a:effectRef idx="0">
+      <a:effectRef idx="1">
         <a:scrgbClr r="0" g="0" b="0"/>
       </a:effectRef>
       <a:fontRef idx="minor">
-        <a:schemeClr val="lt1"/>
+        <a:schemeClr val="dk1"/>
       </a:fontRef>
     </dgm:style>
   </dgm:styleLbl>
@@ -20405,14 +20869,14 @@
       <a:lnRef idx="0">
         <a:scrgbClr r="0" g="0" b="0"/>
       </a:lnRef>
-      <a:fillRef idx="1">
+      <a:fillRef idx="2">
         <a:scrgbClr r="0" g="0" b="0"/>
       </a:fillRef>
-      <a:effectRef idx="0">
+      <a:effectRef idx="1">
         <a:scrgbClr r="0" g="0" b="0"/>
       </a:effectRef>
       <a:fontRef idx="minor">
-        <a:schemeClr val="lt1"/>
+        <a:schemeClr val="dk1"/>
       </a:fontRef>
     </dgm:style>
   </dgm:styleLbl>
@@ -20427,14 +20891,14 @@
       <a:lnRef idx="0">
         <a:scrgbClr r="0" g="0" b="0"/>
       </a:lnRef>
-      <a:fillRef idx="1">
+      <a:fillRef idx="2">
         <a:scrgbClr r="0" g="0" b="0"/>
       </a:fillRef>
-      <a:effectRef idx="0">
+      <a:effectRef idx="1">
         <a:scrgbClr r="0" g="0" b="0"/>
       </a:effectRef>
       <a:fontRef idx="minor">
-        <a:schemeClr val="lt1"/>
+        <a:schemeClr val="dk1"/>
       </a:fontRef>
     </dgm:style>
   </dgm:styleLbl>
@@ -20466,13 +20930,13 @@
     <dgm:sp3d/>
     <dgm:txPr/>
     <dgm:style>
-      <a:lnRef idx="2">
+      <a:lnRef idx="1">
         <a:scrgbClr r="0" g="0" b="0"/>
       </a:lnRef>
-      <a:fillRef idx="1">
+      <a:fillRef idx="2">
         <a:scrgbClr r="0" g="0" b="0"/>
       </a:fillRef>
-      <a:effectRef idx="0">
+      <a:effectRef idx="1">
         <a:scrgbClr r="0" g="0" b="0"/>
       </a:effectRef>
       <a:fontRef idx="minor"/>
@@ -20481,110 +20945,120 @@
   <dgm:styleLbl name="asst0">
     <dgm:scene3d>
       <a:camera prst="orthographicFront"/>
-      <a:lightRig rig="threePt" dir="t"/>
+      <a:lightRig rig="flat" dir="t"/>
     </dgm:scene3d>
-    <dgm:sp3d/>
+    <dgm:sp3d prstMaterial="dkEdge">
+      <a:bevelT w="8200" h="38100"/>
+    </dgm:sp3d>
     <dgm:txPr/>
     <dgm:style>
-      <a:lnRef idx="2">
+      <a:lnRef idx="0">
         <a:scrgbClr r="0" g="0" b="0"/>
       </a:lnRef>
-      <a:fillRef idx="1">
+      <a:fillRef idx="2">
         <a:scrgbClr r="0" g="0" b="0"/>
       </a:fillRef>
-      <a:effectRef idx="0">
+      <a:effectRef idx="1">
         <a:scrgbClr r="0" g="0" b="0"/>
       </a:effectRef>
       <a:fontRef idx="minor">
-        <a:schemeClr val="lt1"/>
+        <a:schemeClr val="dk1"/>
       </a:fontRef>
     </dgm:style>
   </dgm:styleLbl>
   <dgm:styleLbl name="asst1">
     <dgm:scene3d>
       <a:camera prst="orthographicFront"/>
-      <a:lightRig rig="threePt" dir="t"/>
+      <a:lightRig rig="flat" dir="t"/>
     </dgm:scene3d>
-    <dgm:sp3d/>
+    <dgm:sp3d prstMaterial="dkEdge">
+      <a:bevelT w="8200" h="38100"/>
+    </dgm:sp3d>
     <dgm:txPr/>
     <dgm:style>
-      <a:lnRef idx="2">
+      <a:lnRef idx="0">
         <a:scrgbClr r="0" g="0" b="0"/>
       </a:lnRef>
-      <a:fillRef idx="1">
+      <a:fillRef idx="2">
         <a:scrgbClr r="0" g="0" b="0"/>
       </a:fillRef>
-      <a:effectRef idx="0">
+      <a:effectRef idx="1">
         <a:scrgbClr r="0" g="0" b="0"/>
       </a:effectRef>
       <a:fontRef idx="minor">
-        <a:schemeClr val="lt1"/>
+        <a:schemeClr val="dk1"/>
       </a:fontRef>
     </dgm:style>
   </dgm:styleLbl>
   <dgm:styleLbl name="asst2">
     <dgm:scene3d>
       <a:camera prst="orthographicFront"/>
-      <a:lightRig rig="threePt" dir="t"/>
+      <a:lightRig rig="flat" dir="t"/>
     </dgm:scene3d>
-    <dgm:sp3d/>
+    <dgm:sp3d prstMaterial="dkEdge">
+      <a:bevelT w="8200" h="38100"/>
+    </dgm:sp3d>
     <dgm:txPr/>
     <dgm:style>
-      <a:lnRef idx="2">
+      <a:lnRef idx="0">
         <a:scrgbClr r="0" g="0" b="0"/>
       </a:lnRef>
-      <a:fillRef idx="1">
+      <a:fillRef idx="2">
         <a:scrgbClr r="0" g="0" b="0"/>
       </a:fillRef>
-      <a:effectRef idx="0">
+      <a:effectRef idx="1">
         <a:scrgbClr r="0" g="0" b="0"/>
       </a:effectRef>
       <a:fontRef idx="minor">
-        <a:schemeClr val="lt1"/>
+        <a:schemeClr val="dk1"/>
       </a:fontRef>
     </dgm:style>
   </dgm:styleLbl>
   <dgm:styleLbl name="asst3">
     <dgm:scene3d>
       <a:camera prst="orthographicFront"/>
-      <a:lightRig rig="threePt" dir="t"/>
+      <a:lightRig rig="flat" dir="t"/>
     </dgm:scene3d>
-    <dgm:sp3d/>
+    <dgm:sp3d prstMaterial="dkEdge">
+      <a:bevelT w="8200" h="38100"/>
+    </dgm:sp3d>
     <dgm:txPr/>
     <dgm:style>
-      <a:lnRef idx="2">
+      <a:lnRef idx="0">
         <a:scrgbClr r="0" g="0" b="0"/>
       </a:lnRef>
-      <a:fillRef idx="1">
+      <a:fillRef idx="2">
         <a:scrgbClr r="0" g="0" b="0"/>
       </a:fillRef>
-      <a:effectRef idx="0">
+      <a:effectRef idx="1">
         <a:scrgbClr r="0" g="0" b="0"/>
       </a:effectRef>
       <a:fontRef idx="minor">
-        <a:schemeClr val="lt1"/>
+        <a:schemeClr val="dk1"/>
       </a:fontRef>
     </dgm:style>
   </dgm:styleLbl>
   <dgm:styleLbl name="asst4">
     <dgm:scene3d>
       <a:camera prst="orthographicFront"/>
-      <a:lightRig rig="threePt" dir="t"/>
+      <a:lightRig rig="flat" dir="t"/>
     </dgm:scene3d>
-    <dgm:sp3d/>
+    <dgm:sp3d prstMaterial="dkEdge">
+      <a:bevelT w="8200" h="38100"/>
+    </dgm:sp3d>
     <dgm:txPr/>
     <dgm:style>
-      <a:lnRef idx="2">
+      <a:lnRef idx="0">
         <a:scrgbClr r="0" g="0" b="0"/>
       </a:lnRef>
-      <a:fillRef idx="1">
+      <a:fillRef idx="2">
         <a:scrgbClr r="0" g="0" b="0"/>
       </a:fillRef>
-      <a:effectRef idx="0">
+      <a:effectRef idx="1">
         <a:scrgbClr r="0" g="0" b="0"/>
       </a:effectRef>
       <a:fontRef idx="minor">
-        <a:schemeClr val="lt1"/>
+        <a:schemeClr val="dk1"/>
       </a:fontRef>
     </dgm:style>
   </dgm:styleLbl>
@@ -20596,17 +21070,17 @@
     <dgm:sp3d/>
     <dgm:txPr/>
     <dgm:style>
-      <a:lnRef idx="2">
+      <a:lnRef idx="1">
         <a:scrgbClr r="0" g="0" b="0"/>
       </a:lnRef>
-      <a:fillRef idx="1">
+      <a:fillRef idx="2">
         <a:scrgbClr r="0" g="0" b="0"/>
       </a:fillRef>
-      <a:effectRef idx="0">
+      <a:effectRef idx="1">
         <a:scrgbClr r="0" g="0" b="0"/>
       </a:effectRef>
       <a:fontRef idx="minor">
-        <a:schemeClr val="lt1"/>
+        <a:schemeClr val="dk1"/>
       </a:fontRef>
     </dgm:style>
   </dgm:styleLbl>
@@ -20618,17 +21092,17 @@
     <dgm:sp3d/>
     <dgm:txPr/>
     <dgm:style>
-      <a:lnRef idx="2">
+      <a:lnRef idx="1">
         <a:scrgbClr r="0" g="0" b="0"/>
       </a:lnRef>
-      <a:fillRef idx="1">
+      <a:fillRef idx="2">
         <a:scrgbClr r="0" g="0" b="0"/>
       </a:fillRef>
-      <a:effectRef idx="0">
+      <a:effectRef idx="1">
         <a:scrgbClr r="0" g="0" b="0"/>
       </a:effectRef>
       <a:fontRef idx="minor">
-        <a:schemeClr val="lt1"/>
+        <a:schemeClr val="dk1"/>
       </a:fontRef>
     </dgm:style>
   </dgm:styleLbl>
@@ -20640,17 +21114,17 @@
     <dgm:sp3d/>
     <dgm:txPr/>
     <dgm:style>
-      <a:lnRef idx="2">
+      <a:lnRef idx="1">
         <a:scrgbClr r="0" g="0" b="0"/>
       </a:lnRef>
-      <a:fillRef idx="1">
+      <a:fillRef idx="2">
         <a:scrgbClr r="0" g="0" b="0"/>
       </a:fillRef>
-      <a:effectRef idx="0">
+      <a:effectRef idx="1">
         <a:scrgbClr r="0" g="0" b="0"/>
       </a:effectRef>
       <a:fontRef idx="minor">
-        <a:schemeClr val="lt1"/>
+        <a:schemeClr val="dk1"/>
       </a:fontRef>
     </dgm:style>
   </dgm:styleLbl>
@@ -20662,17 +21136,17 @@
     <dgm:sp3d/>
     <dgm:txPr/>
     <dgm:style>
-      <a:lnRef idx="2">
+      <a:lnRef idx="1">
         <a:scrgbClr r="0" g="0" b="0"/>
       </a:lnRef>
-      <a:fillRef idx="1">
+      <a:fillRef idx="2">
         <a:scrgbClr r="0" g="0" b="0"/>
       </a:fillRef>
-      <a:effectRef idx="0">
+      <a:effectRef idx="1">
         <a:scrgbClr r="0" g="0" b="0"/>
       </a:effectRef>
       <a:fontRef idx="minor">
-        <a:schemeClr val="lt1"/>
+        <a:schemeClr val="dk1"/>
       </a:fontRef>
     </dgm:style>
   </dgm:styleLbl>
@@ -20764,7 +21238,7 @@
     <dgm:sp3d/>
     <dgm:txPr/>
     <dgm:style>
-      <a:lnRef idx="2">
+      <a:lnRef idx="1">
         <a:scrgbClr r="0" g="0" b="0"/>
       </a:lnRef>
       <a:fillRef idx="1">
@@ -20784,7 +21258,7 @@
     <dgm:sp3d/>
     <dgm:txPr/>
     <dgm:style>
-      <a:lnRef idx="2">
+      <a:lnRef idx="1">
         <a:scrgbClr r="0" g="0" b="0"/>
       </a:lnRef>
       <a:fillRef idx="1">
@@ -20804,7 +21278,7 @@
     <dgm:sp3d/>
     <dgm:txPr/>
     <dgm:style>
-      <a:lnRef idx="2">
+      <a:lnRef idx="1">
         <a:scrgbClr r="0" g="0" b="0"/>
       </a:lnRef>
       <a:fillRef idx="1">
@@ -20844,7 +21318,7 @@
     <dgm:sp3d/>
     <dgm:txPr/>
     <dgm:style>
-      <a:lnRef idx="2">
+      <a:lnRef idx="1">
         <a:scrgbClr r="0" g="0" b="0"/>
       </a:lnRef>
       <a:fillRef idx="1">
@@ -20864,10 +21338,10 @@
     <dgm:sp3d/>
     <dgm:txPr/>
     <dgm:style>
-      <a:lnRef idx="2">
+      <a:lnRef idx="1">
         <a:scrgbClr r="0" g="0" b="0"/>
       </a:lnRef>
-      <a:fillRef idx="1">
+      <a:fillRef idx="2">
         <a:scrgbClr r="0" g="0" b="0"/>
       </a:fillRef>
       <a:effectRef idx="0">
@@ -20884,7 +21358,7 @@
     <dgm:sp3d/>
     <dgm:txPr/>
     <dgm:style>
-      <a:lnRef idx="2">
+      <a:lnRef idx="1">
         <a:scrgbClr r="0" g="0" b="0"/>
       </a:lnRef>
       <a:fillRef idx="1">
@@ -20904,7 +21378,7 @@
     <dgm:sp3d/>
     <dgm:txPr/>
     <dgm:style>
-      <a:lnRef idx="2">
+      <a:lnRef idx="1">
         <a:scrgbClr r="0" g="0" b="0"/>
       </a:lnRef>
       <a:fillRef idx="1">
@@ -20924,7 +21398,7 @@
     <dgm:sp3d/>
     <dgm:txPr/>
     <dgm:style>
-      <a:lnRef idx="2">
+      <a:lnRef idx="1">
         <a:scrgbClr r="0" g="0" b="0"/>
       </a:lnRef>
       <a:fillRef idx="1">
@@ -20944,7 +21418,7 @@
     <dgm:sp3d/>
     <dgm:txPr/>
     <dgm:style>
-      <a:lnRef idx="2">
+      <a:lnRef idx="1">
         <a:scrgbClr r="0" g="0" b="0"/>
       </a:lnRef>
       <a:fillRef idx="1">
@@ -20964,7 +21438,7 @@
     <dgm:sp3d/>
     <dgm:txPr/>
     <dgm:style>
-      <a:lnRef idx="2">
+      <a:lnRef idx="1">
         <a:scrgbClr r="0" g="0" b="0"/>
       </a:lnRef>
       <a:fillRef idx="1">
@@ -20984,7 +21458,7 @@
     <dgm:sp3d/>
     <dgm:txPr/>
     <dgm:style>
-      <a:lnRef idx="2">
+      <a:lnRef idx="1">
         <a:scrgbClr r="0" g="0" b="0"/>
       </a:lnRef>
       <a:fillRef idx="1">
@@ -21004,7 +21478,7 @@
     <dgm:sp3d/>
     <dgm:txPr/>
     <dgm:style>
-      <a:lnRef idx="2">
+      <a:lnRef idx="1">
         <a:scrgbClr r="0" g="0" b="0"/>
       </a:lnRef>
       <a:fillRef idx="1">
@@ -21024,7 +21498,7 @@
     <dgm:sp3d/>
     <dgm:txPr/>
     <dgm:style>
-      <a:lnRef idx="2">
+      <a:lnRef idx="1">
         <a:scrgbClr r="0" g="0" b="0"/>
       </a:lnRef>
       <a:fillRef idx="1">
@@ -21044,7 +21518,7 @@
     <dgm:sp3d/>
     <dgm:txPr/>
     <dgm:style>
-      <a:lnRef idx="2">
+      <a:lnRef idx="1">
         <a:scrgbClr r="0" g="0" b="0"/>
       </a:lnRef>
       <a:fillRef idx="1">
@@ -21070,7 +21544,7 @@
       <a:fillRef idx="1">
         <a:scrgbClr r="0" g="0" b="0"/>
       </a:fillRef>
-      <a:effectRef idx="0">
+      <a:effectRef idx="1">
         <a:scrgbClr r="0" g="0" b="0"/>
       </a:effectRef>
       <a:fontRef idx="minor"/>
@@ -21090,7 +21564,7 @@
       <a:fillRef idx="1">
         <a:scrgbClr r="0" g="0" b="0"/>
       </a:fillRef>
-      <a:effectRef idx="0">
+      <a:effectRef idx="1">
         <a:scrgbClr r="0" g="0" b="0"/>
       </a:effectRef>
       <a:fontRef idx="minor"/>
@@ -21119,18 +21593,20 @@
   <dgm:styleLbl name="fgShp">
     <dgm:scene3d>
       <a:camera prst="orthographicFront"/>
-      <a:lightRig rig="threePt" dir="t"/>
+      <a:lightRig rig="flat" dir="t"/>
     </dgm:scene3d>
-    <dgm:sp3d/>
+    <dgm:sp3d prstMaterial="dkEdge">
+      <a:bevelT w="8200" h="38100"/>
+    </dgm:sp3d>
     <dgm:txPr/>
     <dgm:style>
-      <a:lnRef idx="2">
+      <a:lnRef idx="1">
         <a:scrgbClr r="0" g="0" b="0"/>
       </a:lnRef>
-      <a:fillRef idx="1">
+      <a:fillRef idx="2">
         <a:scrgbClr r="0" g="0" b="0"/>
       </a:fillRef>
-      <a:effectRef idx="0">
+      <a:effectRef idx="1">
         <a:scrgbClr r="0" g="0" b="0"/>
       </a:effectRef>
       <a:fontRef idx="minor"/>
@@ -22009,7 +22485,7 @@
               <a:pPr>
                 <a:defRPr/>
               </a:pPr>
-              <a:t>2</a:t>
+              <a:t>1</a:t>
             </a:fld>
             <a:endParaRPr lang="en-GB"/>
           </a:p>
@@ -24595,6 +25071,13 @@
   <p:transition>
     <p:wipe dir="r"/>
   </p:transition>
+  <p:timing>
+    <p:tnLst>
+      <p:par>
+        <p:cTn id="1" dur="indefinite" restart="never" nodeType="tmRoot"/>
+      </p:par>
+    </p:tnLst>
+  </p:timing>
 </p:sldLayout>
 </file>
 
@@ -26359,7 +26842,7 @@
         <p:spPr bwMode="auto">
           <a:xfrm>
             <a:off x="2660000" y="7092950"/>
-            <a:ext cx="1043577" cy="546000"/>
+            <a:ext cx="1590179" cy="546000"/>
           </a:xfrm>
           <a:prstGeom prst="rect">
             <a:avLst/>
@@ -26382,6 +26865,28 @@
               <a:defRPr/>
             </a:pPr>
             <a:r>
+              <a:rPr lang="en-US" sz="900" dirty="0" smtClean="0">
+                <a:solidFill>
+                  <a:srgbClr val="000000"/>
+                </a:solidFill>
+                <a:latin typeface="+mn-lt"/>
+                <a:ea typeface="Arial" pitchFamily="-109" charset="0"/>
+                <a:cs typeface="Deutsche Bank Text"/>
+              </a:rPr>
+              <a:t>Team</a:t>
+            </a:r>
+            <a:r>
+              <a:rPr lang="en-US" sz="900" baseline="0" dirty="0" smtClean="0">
+                <a:solidFill>
+                  <a:srgbClr val="000000"/>
+                </a:solidFill>
+                <a:latin typeface="+mn-lt"/>
+                <a:ea typeface="Arial" pitchFamily="-109" charset="0"/>
+                <a:cs typeface="Deutsche Bank Text"/>
+              </a:rPr>
+              <a:t> C1.1.</a:t>
+            </a:r>
+            <a:r>
               <a:rPr lang="en-US" sz="900" dirty="0">
                 <a:solidFill>
                   <a:srgbClr val="000000"/>
@@ -26390,7 +26895,7 @@
                 <a:ea typeface="Arial" pitchFamily="-109" charset="0"/>
                 <a:cs typeface="Deutsche Bank Text"/>
               </a:rPr>
-              <a:t>Speaker name</a:t>
+              <a:t/>
             </a:r>
             <a:br>
               <a:rPr lang="en-US" sz="900" dirty="0">
@@ -26403,7 +26908,7 @@
               </a:rPr>
             </a:br>
             <a:r>
-              <a:rPr lang="en-US" sz="900" dirty="0">
+              <a:rPr lang="en-US" sz="900" dirty="0" smtClean="0">
                 <a:solidFill>
                   <a:srgbClr val="000000"/>
                 </a:solidFill>
@@ -26411,8 +26916,16 @@
                 <a:ea typeface="Arial" pitchFamily="-109" charset="0"/>
                 <a:cs typeface="Deutsche Bank Text"/>
               </a:rPr>
-              <a:t>Name of event/date</a:t>
+              <a:t>App Presentation – 18.08.2018</a:t>
             </a:r>
+            <a:endParaRPr lang="en-US" sz="900" dirty="0">
+              <a:solidFill>
+                <a:srgbClr val="000000"/>
+              </a:solidFill>
+              <a:latin typeface="+mn-lt"/>
+              <a:ea typeface="Arial" pitchFamily="-109" charset="0"/>
+              <a:cs typeface="Deutsche Bank Text"/>
+            </a:endParaRPr>
           </a:p>
         </p:txBody>
       </p:sp>
@@ -26486,6 +26999,13 @@
   <p:transition>
     <p:wipe dir="r"/>
   </p:transition>
+  <p:timing>
+    <p:tnLst>
+      <p:par>
+        <p:cTn id="1" dur="indefinite" restart="never" nodeType="tmRoot"/>
+      </p:par>
+    </p:tnLst>
+  </p:timing>
   <p:hf hdr="0"/>
   <p:txStyles>
     <p:titleStyle>
@@ -26957,6 +27477,18 @@
           <a:bodyPr/>
           <a:lstStyle/>
           <a:p>
+            <a:r>
+              <a:rPr lang="en-GB" dirty="0"/>
+              <a:t>App </a:t>
+            </a:r>
+            <a:r>
+              <a:rPr lang="en-GB" dirty="0" smtClean="0"/>
+              <a:t>Improvements: </a:t>
+            </a:r>
+            <a:r>
+              <a:rPr lang="en-GB" b="1" dirty="0" smtClean="0"/>
+              <a:t>Investment Services</a:t>
+            </a:r>
             <a:endParaRPr lang="de-DE" dirty="0"/>
           </a:p>
         </p:txBody>
@@ -26971,7 +27503,12 @@
             <p:ph type="subTitle" sz="quarter" idx="1"/>
           </p:nvPr>
         </p:nvSpPr>
-        <p:spPr/>
+        <p:spPr>
+          <a:xfrm>
+            <a:off x="269875" y="4376757"/>
+            <a:ext cx="8215313" cy="647014"/>
+          </a:xfrm>
+        </p:spPr>
         <p:txBody>
           <a:bodyPr/>
           <a:lstStyle/>
@@ -26981,7 +27518,36 @@
                 <a:spcPct val="0"/>
               </a:spcAft>
             </a:pPr>
-            <a:endParaRPr lang="de-DE" dirty="0">
+            <a:r>
+              <a:rPr lang="de-DE" dirty="0" smtClean="0">
+                <a:ea typeface="ＭＳ Ｐゴシック" pitchFamily="34" charset="-128"/>
+              </a:rPr>
+              <a:t>Project presentation</a:t>
+            </a:r>
+          </a:p>
+          <a:p>
+            <a:pPr>
+              <a:spcAft>
+                <a:spcPct val="0"/>
+              </a:spcAft>
+            </a:pPr>
+            <a:endParaRPr lang="de-DE" sz="1800" i="1" dirty="0" smtClean="0">
+              <a:ea typeface="ＭＳ Ｐゴシック" pitchFamily="34" charset="-128"/>
+            </a:endParaRPr>
+          </a:p>
+          <a:p>
+            <a:pPr>
+              <a:spcAft>
+                <a:spcPct val="0"/>
+              </a:spcAft>
+            </a:pPr>
+            <a:r>
+              <a:rPr lang="de-DE" sz="1800" i="1" dirty="0" smtClean="0">
+                <a:ea typeface="ＭＳ Ｐゴシック" pitchFamily="34" charset="-128"/>
+              </a:rPr>
+              <a:t>#wearedb</a:t>
+            </a:r>
+            <a:endParaRPr lang="de-DE" sz="1800" i="1" dirty="0">
               <a:ea typeface="ＭＳ Ｐゴシック" pitchFamily="34" charset="-128"/>
             </a:endParaRPr>
           </a:p>
@@ -27009,7 +27575,7 @@
         </p:blipFill>
         <p:spPr>
           <a:xfrm>
-            <a:off x="269875" y="2962992"/>
+            <a:off x="280035" y="2962992"/>
             <a:ext cx="1422000" cy="412879"/>
           </a:xfrm>
           <a:prstGeom prst="rect">
@@ -27025,11 +27591,18 @@
   <p:transition>
     <p:wipe dir="r"/>
   </p:transition>
+  <p:timing>
+    <p:tnLst>
+      <p:par>
+        <p:cTn id="1" dur="indefinite" restart="never" nodeType="tmRoot"/>
+      </p:par>
+    </p:tnLst>
+  </p:timing>
 </p:sld>
 </file>
 
-<file path=ppt/slides/slide2.xml><?xml version="1.0" encoding="utf-8"?>
-<p:sld xmlns:a="http://schemas.openxmlformats.org/drawingml/2006/main" xmlns:r="http://schemas.openxmlformats.org/officeDocument/2006/relationships" xmlns:p="http://schemas.openxmlformats.org/presentationml/2006/main">
+<file path=ppt/slides/slide10.xml><?xml version="1.0" encoding="utf-8"?>
+<p:sld xmlns:a="http://schemas.openxmlformats.org/drawingml/2006/main" xmlns:r="http://schemas.openxmlformats.org/officeDocument/2006/relationships" xmlns:p="http://schemas.openxmlformats.org/presentationml/2006/main" show="0">
   <p:cSld>
     <p:spTree>
       <p:nvGrpSpPr>
@@ -27052,7 +27625,7 @@
             <a:spLocks noGrp="1"/>
           </p:cNvSpPr>
           <p:nvPr>
-            <p:ph type="ctrTitle" sz="quarter"/>
+            <p:ph type="title"/>
           </p:nvPr>
         </p:nvSpPr>
         <p:spPr/>
@@ -27060,18 +27633,21 @@
           <a:bodyPr/>
           <a:lstStyle/>
           <a:p>
-            <a:endParaRPr lang="en-US"/>
+            <a:r>
+              <a:rPr lang="en-US" dirty="0"/>
+              <a:t>Graph two column</a:t>
+            </a:r>
           </a:p>
         </p:txBody>
       </p:sp>
       <p:sp>
         <p:nvSpPr>
-          <p:cNvPr id="3" name="Subtitle 2"/>
+          <p:cNvPr id="3" name="Text Placeholder 2"/>
           <p:cNvSpPr>
             <a:spLocks noGrp="1"/>
           </p:cNvSpPr>
           <p:nvPr>
-            <p:ph type="subTitle" sz="quarter" idx="1"/>
+            <p:ph type="body" sz="quarter" idx="18"/>
           </p:nvPr>
         </p:nvSpPr>
         <p:spPr/>
@@ -27079,14 +27655,217 @@
           <a:bodyPr/>
           <a:lstStyle/>
           <a:p>
-            <a:endParaRPr lang="en-US"/>
+            <a:r>
+              <a:rPr lang="en-US" dirty="0"/>
+              <a:t>Graph title</a:t>
+            </a:r>
           </a:p>
         </p:txBody>
       </p:sp>
+      <p:sp>
+        <p:nvSpPr>
+          <p:cNvPr id="4" name="Text Placeholder 3"/>
+          <p:cNvSpPr>
+            <a:spLocks noGrp="1"/>
+          </p:cNvSpPr>
+          <p:nvPr>
+            <p:ph type="body" sz="quarter" idx="19"/>
+          </p:nvPr>
+        </p:nvSpPr>
+        <p:spPr/>
+        <p:txBody>
+          <a:bodyPr/>
+          <a:lstStyle/>
+          <a:p>
+            <a:r>
+              <a:rPr lang="en-US" dirty="0"/>
+              <a:t>Graph title</a:t>
+            </a:r>
+          </a:p>
+        </p:txBody>
+      </p:sp>
+      <p:sp>
+        <p:nvSpPr>
+          <p:cNvPr id="5" name="Slide Number Placeholder 4"/>
+          <p:cNvSpPr>
+            <a:spLocks noGrp="1"/>
+          </p:cNvSpPr>
+          <p:nvPr>
+            <p:ph type="sldNum" sz="quarter" idx="4"/>
+          </p:nvPr>
+        </p:nvSpPr>
+        <p:spPr/>
+        <p:txBody>
+          <a:bodyPr/>
+          <a:lstStyle/>
+          <a:p>
+            <a:pPr>
+              <a:defRPr/>
+            </a:pPr>
+            <a:fld id="{9934078A-A4B1-1740-A467-EBA327F024F1}" type="slidenum">
+              <a:rPr lang="en-US" smtClean="0"/>
+              <a:t>9</a:t>
+            </a:fld>
+            <a:endParaRPr lang="en-US" dirty="0"/>
+          </a:p>
+        </p:txBody>
+      </p:sp>
+      <p:graphicFrame>
+        <p:nvGraphicFramePr>
+          <p:cNvPr id="6" name="Object 12"/>
+          <p:cNvGraphicFramePr>
+            <a:graphicFrameLocks noChangeAspect="1"/>
+          </p:cNvGraphicFramePr>
+          <p:nvPr>
+            <p:extLst>
+              <p:ext uri="{D42A27DB-BD31-4B8C-83A1-F6EECF244321}">
+                <p14:modId xmlns:p14="http://schemas.microsoft.com/office/powerpoint/2010/main" val="2697729483"/>
+              </p:ext>
+            </p:extLst>
+          </p:nvPr>
+        </p:nvGraphicFramePr>
+        <p:xfrm>
+          <a:off x="5205413" y="2151063"/>
+          <a:ext cx="4333875" cy="4314825"/>
+        </p:xfrm>
+        <a:graphic>
+          <a:graphicData uri="http://schemas.openxmlformats.org/presentationml/2006/ole">
+            <mc:AlternateContent xmlns:mc="http://schemas.openxmlformats.org/markup-compatibility/2006">
+              <mc:Choice xmlns:v="urn:schemas-microsoft-com:vml" Requires="v">
+                <p:oleObj spid="_x0000_s10292" name="Diagramm" r:id="rId3" imgW="4333850" imgH="4314668" progId="MSGraph.Chart.8">
+                  <p:embed followColorScheme="full"/>
+                </p:oleObj>
+              </mc:Choice>
+              <mc:Fallback>
+                <p:oleObj name="Diagramm" r:id="rId3" imgW="4333850" imgH="4314668" progId="MSGraph.Chart.8">
+                  <p:embed followColorScheme="full"/>
+                  <p:pic>
+                    <p:nvPicPr>
+                      <p:cNvPr id="0" name=""/>
+                      <p:cNvPicPr>
+                        <a:picLocks noChangeAspect="1" noChangeArrowheads="1"/>
+                      </p:cNvPicPr>
+                      <p:nvPr/>
+                    </p:nvPicPr>
+                    <p:blipFill>
+                      <a:blip r:embed="rId4">
+                        <a:extLst>
+                          <a:ext uri="{28A0092B-C50C-407E-A947-70E740481C1C}">
+                            <a14:useLocalDpi xmlns:a14="http://schemas.microsoft.com/office/drawing/2010/main" val="0"/>
+                          </a:ext>
+                        </a:extLst>
+                      </a:blip>
+                      <a:srcRect/>
+                      <a:stretch>
+                        <a:fillRect/>
+                      </a:stretch>
+                    </p:blipFill>
+                    <p:spPr bwMode="auto">
+                      <a:xfrm>
+                        <a:off x="5205413" y="2151063"/>
+                        <a:ext cx="4333875" cy="4314825"/>
+                      </a:xfrm>
+                      <a:prstGeom prst="rect">
+                        <a:avLst/>
+                      </a:prstGeom>
+                      <a:noFill/>
+                      <a:extLst>
+                        <a:ext uri="{909E8E84-426E-40dd-AFC4-6F175D3DCCD1}">
+                          <a14:hiddenFill xmlns:a14="http://schemas.microsoft.com/office/drawing/2010/main" xmlns="">
+                            <a:solidFill>
+                              <a:srgbClr val="FFFFFF"/>
+                            </a:solidFill>
+                          </a14:hiddenFill>
+                        </a:ext>
+                      </a:extLst>
+                    </p:spPr>
+                  </p:pic>
+                </p:oleObj>
+              </mc:Fallback>
+            </mc:AlternateContent>
+          </a:graphicData>
+        </a:graphic>
+      </p:graphicFrame>
+      <p:graphicFrame>
+        <p:nvGraphicFramePr>
+          <p:cNvPr id="7" name="Object 12"/>
+          <p:cNvGraphicFramePr>
+            <a:graphicFrameLocks noChangeAspect="1"/>
+          </p:cNvGraphicFramePr>
+          <p:nvPr>
+            <p:extLst>
+              <p:ext uri="{D42A27DB-BD31-4B8C-83A1-F6EECF244321}">
+                <p14:modId xmlns:p14="http://schemas.microsoft.com/office/powerpoint/2010/main" val="3675159821"/>
+              </p:ext>
+            </p:extLst>
+          </p:nvPr>
+        </p:nvGraphicFramePr>
+        <p:xfrm>
+          <a:off x="327151" y="2151063"/>
+          <a:ext cx="4333875" cy="4314825"/>
+        </p:xfrm>
+        <a:graphic>
+          <a:graphicData uri="http://schemas.openxmlformats.org/presentationml/2006/ole">
+            <mc:AlternateContent xmlns:mc="http://schemas.openxmlformats.org/markup-compatibility/2006">
+              <mc:Choice xmlns:v="urn:schemas-microsoft-com:vml" Requires="v">
+                <p:oleObj spid="_x0000_s10293" name="Diagramm" r:id="rId5" imgW="4333850" imgH="4314668" progId="MSGraph.Chart.8">
+                  <p:embed followColorScheme="full"/>
+                </p:oleObj>
+              </mc:Choice>
+              <mc:Fallback>
+                <p:oleObj name="Diagramm" r:id="rId5" imgW="4333850" imgH="4314668" progId="MSGraph.Chart.8">
+                  <p:embed followColorScheme="full"/>
+                  <p:pic>
+                    <p:nvPicPr>
+                      <p:cNvPr id="0" name=""/>
+                      <p:cNvPicPr>
+                        <a:picLocks noChangeAspect="1" noChangeArrowheads="1"/>
+                      </p:cNvPicPr>
+                      <p:nvPr/>
+                    </p:nvPicPr>
+                    <p:blipFill>
+                      <a:blip r:embed="rId4">
+                        <a:extLst>
+                          <a:ext uri="{28A0092B-C50C-407E-A947-70E740481C1C}">
+                            <a14:useLocalDpi xmlns:a14="http://schemas.microsoft.com/office/drawing/2010/main" val="0"/>
+                          </a:ext>
+                        </a:extLst>
+                      </a:blip>
+                      <a:srcRect/>
+                      <a:stretch>
+                        <a:fillRect/>
+                      </a:stretch>
+                    </p:blipFill>
+                    <p:spPr bwMode="auto">
+                      <a:xfrm>
+                        <a:off x="327151" y="2151063"/>
+                        <a:ext cx="4333875" cy="4314825"/>
+                      </a:xfrm>
+                      <a:prstGeom prst="rect">
+                        <a:avLst/>
+                      </a:prstGeom>
+                      <a:noFill/>
+                      <a:extLst>
+                        <a:ext uri="{909E8E84-426E-40dd-AFC4-6F175D3DCCD1}">
+                          <a14:hiddenFill xmlns:a14="http://schemas.microsoft.com/office/drawing/2010/main" xmlns="">
+                            <a:solidFill>
+                              <a:srgbClr val="FFFFFF"/>
+                            </a:solidFill>
+                          </a14:hiddenFill>
+                        </a:ext>
+                      </a:extLst>
+                    </p:spPr>
+                  </p:pic>
+                </p:oleObj>
+              </mc:Fallback>
+            </mc:AlternateContent>
+          </a:graphicData>
+        </a:graphic>
+      </p:graphicFrame>
     </p:spTree>
     <p:extLst>
       <p:ext uri="{BB962C8B-B14F-4D97-AF65-F5344CB8AC3E}">
-        <p14:creationId xmlns:p14="http://schemas.microsoft.com/office/powerpoint/2010/main" val="2355417638"/>
+        <p14:creationId xmlns:p14="http://schemas.microsoft.com/office/powerpoint/2010/main" val="2305520135"/>
       </p:ext>
     </p:extLst>
   </p:cSld>
@@ -27096,17 +27875,751 @@
   <p:transition>
     <p:wipe dir="r"/>
   </p:transition>
-  <p:timing>
-    <p:tnLst>
-      <p:par>
-        <p:cTn id="1" dur="indefinite" restart="never" nodeType="tmRoot"/>
-      </p:par>
-    </p:tnLst>
-  </p:timing>
 </p:sld>
 </file>
 
-<file path=ppt/slides/slide3.xml><?xml version="1.0" encoding="utf-8"?>
+<file path=ppt/slides/slide11.xml><?xml version="1.0" encoding="utf-8"?>
+<p:sld xmlns:a="http://schemas.openxmlformats.org/drawingml/2006/main" xmlns:r="http://schemas.openxmlformats.org/officeDocument/2006/relationships" xmlns:p="http://schemas.openxmlformats.org/presentationml/2006/main" show="0">
+  <p:cSld>
+    <p:spTree>
+      <p:nvGrpSpPr>
+        <p:cNvPr id="1" name=""/>
+        <p:cNvGrpSpPr/>
+        <p:nvPr/>
+      </p:nvGrpSpPr>
+      <p:grpSpPr>
+        <a:xfrm>
+          <a:off x="0" y="0"/>
+          <a:ext cx="0" cy="0"/>
+          <a:chOff x="0" y="0"/>
+          <a:chExt cx="0" cy="0"/>
+        </a:xfrm>
+      </p:grpSpPr>
+      <p:sp>
+        <p:nvSpPr>
+          <p:cNvPr id="3" name="Title 2"/>
+          <p:cNvSpPr>
+            <a:spLocks noGrp="1"/>
+          </p:cNvSpPr>
+          <p:nvPr>
+            <p:ph type="title"/>
+          </p:nvPr>
+        </p:nvSpPr>
+        <p:spPr/>
+        <p:txBody>
+          <a:bodyPr/>
+          <a:lstStyle/>
+          <a:p>
+            <a:r>
+              <a:rPr lang="en-US" dirty="0" err="1"/>
+              <a:t>Organisation</a:t>
+            </a:r>
+            <a:r>
+              <a:rPr lang="en-US" dirty="0"/>
+              <a:t> Chart</a:t>
+            </a:r>
+          </a:p>
+        </p:txBody>
+      </p:sp>
+      <p:sp>
+        <p:nvSpPr>
+          <p:cNvPr id="5" name="Slide Number Placeholder 4"/>
+          <p:cNvSpPr>
+            <a:spLocks noGrp="1"/>
+          </p:cNvSpPr>
+          <p:nvPr>
+            <p:ph type="sldNum" sz="quarter" idx="4"/>
+          </p:nvPr>
+        </p:nvSpPr>
+        <p:spPr/>
+        <p:txBody>
+          <a:bodyPr/>
+          <a:lstStyle/>
+          <a:p>
+            <a:pPr>
+              <a:defRPr/>
+            </a:pPr>
+            <a:fld id="{9934078A-A4B1-1740-A467-EBA327F024F1}" type="slidenum">
+              <a:rPr lang="en-US" smtClean="0"/>
+              <a:t>10</a:t>
+            </a:fld>
+            <a:endParaRPr lang="en-US" dirty="0"/>
+          </a:p>
+        </p:txBody>
+      </p:sp>
+      <p:cxnSp>
+        <p:nvCxnSpPr>
+          <p:cNvPr id="6" name="AutoShape 3"/>
+          <p:cNvCxnSpPr>
+            <a:cxnSpLocks noChangeShapeType="1"/>
+            <a:stCxn id="12" idx="2"/>
+            <a:endCxn id="15" idx="0"/>
+          </p:cNvCxnSpPr>
+          <p:nvPr/>
+        </p:nvCxnSpPr>
+        <p:spPr bwMode="blackWhite">
+          <a:xfrm rot="5400000">
+            <a:off x="4774406" y="4099719"/>
+            <a:ext cx="530225" cy="1588"/>
+          </a:xfrm>
+          <a:prstGeom prst="straightConnector1">
+            <a:avLst/>
+          </a:prstGeom>
+          <a:noFill/>
+          <a:ln w="12700">
+            <a:solidFill>
+              <a:srgbClr val="000000"/>
+            </a:solidFill>
+            <a:round/>
+            <a:headEnd/>
+            <a:tailEnd/>
+          </a:ln>
+        </p:spPr>
+      </p:cxnSp>
+      <p:cxnSp>
+        <p:nvCxnSpPr>
+          <p:cNvPr id="7" name="AutoShape 4"/>
+          <p:cNvCxnSpPr>
+            <a:cxnSpLocks noChangeShapeType="1"/>
+            <a:stCxn id="11" idx="2"/>
+            <a:endCxn id="13" idx="0"/>
+          </p:cNvCxnSpPr>
+          <p:nvPr/>
+        </p:nvCxnSpPr>
+        <p:spPr bwMode="blackWhite">
+          <a:xfrm rot="5400000">
+            <a:off x="3092450" y="1100138"/>
+            <a:ext cx="530225" cy="3365500"/>
+          </a:xfrm>
+          <a:prstGeom prst="bentConnector3">
+            <a:avLst>
+              <a:gd name="adj1" fmla="val 50000"/>
+            </a:avLst>
+          </a:prstGeom>
+          <a:noFill/>
+          <a:ln w="12700">
+            <a:solidFill>
+              <a:srgbClr val="000000"/>
+            </a:solidFill>
+            <a:miter lim="800000"/>
+            <a:headEnd/>
+            <a:tailEnd/>
+          </a:ln>
+        </p:spPr>
+      </p:cxnSp>
+      <p:cxnSp>
+        <p:nvCxnSpPr>
+          <p:cNvPr id="8" name="AutoShape 5"/>
+          <p:cNvCxnSpPr>
+            <a:cxnSpLocks noChangeShapeType="1"/>
+            <a:stCxn id="11" idx="2"/>
+            <a:endCxn id="12" idx="0"/>
+          </p:cNvCxnSpPr>
+          <p:nvPr/>
+        </p:nvCxnSpPr>
+        <p:spPr bwMode="blackWhite">
+          <a:xfrm rot="5400000">
+            <a:off x="4774406" y="2782094"/>
+            <a:ext cx="530225" cy="1588"/>
+          </a:xfrm>
+          <a:prstGeom prst="straightConnector1">
+            <a:avLst/>
+          </a:prstGeom>
+          <a:noFill/>
+          <a:ln w="12700">
+            <a:solidFill>
+              <a:srgbClr val="000000"/>
+            </a:solidFill>
+            <a:round/>
+            <a:headEnd/>
+            <a:tailEnd/>
+          </a:ln>
+        </p:spPr>
+      </p:cxnSp>
+      <p:cxnSp>
+        <p:nvCxnSpPr>
+          <p:cNvPr id="9" name="AutoShape 6"/>
+          <p:cNvCxnSpPr>
+            <a:cxnSpLocks noChangeShapeType="1"/>
+            <a:stCxn id="11" idx="2"/>
+            <a:endCxn id="14" idx="0"/>
+          </p:cNvCxnSpPr>
+          <p:nvPr/>
+        </p:nvCxnSpPr>
+        <p:spPr bwMode="blackWhite">
+          <a:xfrm rot="16200000" flipH="1">
+            <a:off x="6457156" y="1100932"/>
+            <a:ext cx="530225" cy="3363912"/>
+          </a:xfrm>
+          <a:prstGeom prst="bentConnector3">
+            <a:avLst>
+              <a:gd name="adj1" fmla="val 50000"/>
+            </a:avLst>
+          </a:prstGeom>
+          <a:noFill/>
+          <a:ln w="12700">
+            <a:solidFill>
+              <a:srgbClr val="000000"/>
+            </a:solidFill>
+            <a:miter lim="800000"/>
+            <a:headEnd/>
+            <a:tailEnd/>
+          </a:ln>
+        </p:spPr>
+      </p:cxnSp>
+      <p:cxnSp>
+        <p:nvCxnSpPr>
+          <p:cNvPr id="10" name="AutoShape 7"/>
+          <p:cNvCxnSpPr>
+            <a:cxnSpLocks noChangeShapeType="1"/>
+            <a:stCxn id="12" idx="2"/>
+            <a:endCxn id="17" idx="0"/>
+          </p:cNvCxnSpPr>
+          <p:nvPr/>
+        </p:nvCxnSpPr>
+        <p:spPr bwMode="blackWhite">
+          <a:xfrm rot="16200000" flipH="1">
+            <a:off x="6457156" y="2418557"/>
+            <a:ext cx="530225" cy="3363912"/>
+          </a:xfrm>
+          <a:prstGeom prst="bentConnector3">
+            <a:avLst>
+              <a:gd name="adj1" fmla="val 50000"/>
+            </a:avLst>
+          </a:prstGeom>
+          <a:noFill/>
+          <a:ln w="12700">
+            <a:solidFill>
+              <a:srgbClr val="000000"/>
+            </a:solidFill>
+            <a:miter lim="800000"/>
+            <a:headEnd/>
+            <a:tailEnd/>
+          </a:ln>
+        </p:spPr>
+      </p:cxnSp>
+      <p:sp>
+        <p:nvSpPr>
+          <p:cNvPr id="11" name="Text Box 8"/>
+          <p:cNvSpPr txBox="1">
+            <a:spLocks noChangeArrowheads="1"/>
+          </p:cNvSpPr>
+          <p:nvPr/>
+        </p:nvSpPr>
+        <p:spPr bwMode="ltGray">
+          <a:xfrm>
+            <a:off x="3903663" y="1730375"/>
+            <a:ext cx="2273300" cy="787400"/>
+          </a:xfrm>
+          <a:prstGeom prst="rect">
+            <a:avLst/>
+          </a:prstGeom>
+          <a:solidFill>
+            <a:schemeClr val="accent1"/>
+          </a:solidFill>
+          <a:ln w="6350">
+            <a:noFill/>
+            <a:miter lim="800000"/>
+            <a:headEnd/>
+            <a:tailEnd/>
+          </a:ln>
+        </p:spPr>
+        <p:txBody>
+          <a:bodyPr lIns="100913" tIns="50457" rIns="100913" bIns="50457" anchor="ctr"/>
+          <a:lstStyle/>
+          <a:p>
+            <a:pPr algn="ctr" eaLnBrk="0" hangingPunct="0">
+              <a:defRPr/>
+            </a:pPr>
+            <a:r>
+              <a:rPr lang="en-US">
+                <a:solidFill>
+                  <a:srgbClr val="FFFFFF"/>
+                </a:solidFill>
+                <a:latin typeface="+mn-lt"/>
+                <a:cs typeface="Deutsche Bank Text"/>
+              </a:rPr>
+              <a:t>Type text here</a:t>
+            </a:r>
+          </a:p>
+        </p:txBody>
+      </p:sp>
+      <p:sp>
+        <p:nvSpPr>
+          <p:cNvPr id="12" name="Text Box 9"/>
+          <p:cNvSpPr txBox="1">
+            <a:spLocks noChangeArrowheads="1"/>
+          </p:cNvSpPr>
+          <p:nvPr/>
+        </p:nvSpPr>
+        <p:spPr bwMode="ltGray">
+          <a:xfrm>
+            <a:off x="3903663" y="3048000"/>
+            <a:ext cx="2273300" cy="787400"/>
+          </a:xfrm>
+          <a:prstGeom prst="rect">
+            <a:avLst/>
+          </a:prstGeom>
+          <a:solidFill>
+            <a:schemeClr val="accent2"/>
+          </a:solidFill>
+          <a:ln w="6350">
+            <a:noFill/>
+            <a:miter lim="800000"/>
+            <a:headEnd/>
+            <a:tailEnd/>
+          </a:ln>
+        </p:spPr>
+        <p:txBody>
+          <a:bodyPr lIns="100913" tIns="50457" rIns="100913" bIns="50457" anchor="ctr"/>
+          <a:lstStyle/>
+          <a:p>
+            <a:pPr algn="ctr" eaLnBrk="0" hangingPunct="0">
+              <a:defRPr/>
+            </a:pPr>
+            <a:r>
+              <a:rPr lang="en-US">
+                <a:solidFill>
+                  <a:srgbClr val="FFFFFF"/>
+                </a:solidFill>
+                <a:latin typeface="+mn-lt"/>
+                <a:cs typeface="Deutsche Bank Text"/>
+              </a:rPr>
+              <a:t>Type text here</a:t>
+            </a:r>
+          </a:p>
+        </p:txBody>
+      </p:sp>
+      <p:sp>
+        <p:nvSpPr>
+          <p:cNvPr id="13" name="Text Box 10"/>
+          <p:cNvSpPr txBox="1">
+            <a:spLocks noChangeArrowheads="1"/>
+          </p:cNvSpPr>
+          <p:nvPr/>
+        </p:nvSpPr>
+        <p:spPr bwMode="ltGray">
+          <a:xfrm>
+            <a:off x="538163" y="3048000"/>
+            <a:ext cx="2273300" cy="787400"/>
+          </a:xfrm>
+          <a:prstGeom prst="rect">
+            <a:avLst/>
+          </a:prstGeom>
+          <a:solidFill>
+            <a:schemeClr val="accent2"/>
+          </a:solidFill>
+          <a:ln w="6350">
+            <a:noFill/>
+            <a:miter lim="800000"/>
+            <a:headEnd/>
+            <a:tailEnd/>
+          </a:ln>
+        </p:spPr>
+        <p:txBody>
+          <a:bodyPr lIns="100913" tIns="50457" rIns="100913" bIns="50457" anchor="ctr"/>
+          <a:lstStyle/>
+          <a:p>
+            <a:pPr algn="ctr" eaLnBrk="0" hangingPunct="0">
+              <a:defRPr/>
+            </a:pPr>
+            <a:r>
+              <a:rPr lang="en-US" dirty="0">
+                <a:solidFill>
+                  <a:srgbClr val="FFFFFF"/>
+                </a:solidFill>
+                <a:latin typeface="+mn-lt"/>
+                <a:cs typeface="Deutsche Bank Text"/>
+              </a:rPr>
+              <a:t>Type text here</a:t>
+            </a:r>
+          </a:p>
+        </p:txBody>
+      </p:sp>
+      <p:sp>
+        <p:nvSpPr>
+          <p:cNvPr id="14" name="Text Box 11"/>
+          <p:cNvSpPr txBox="1">
+            <a:spLocks noChangeArrowheads="1"/>
+          </p:cNvSpPr>
+          <p:nvPr/>
+        </p:nvSpPr>
+        <p:spPr bwMode="ltGray">
+          <a:xfrm>
+            <a:off x="7267575" y="3048000"/>
+            <a:ext cx="2273300" cy="787400"/>
+          </a:xfrm>
+          <a:prstGeom prst="rect">
+            <a:avLst/>
+          </a:prstGeom>
+          <a:solidFill>
+            <a:schemeClr val="accent2"/>
+          </a:solidFill>
+          <a:ln w="6350">
+            <a:noFill/>
+            <a:miter lim="800000"/>
+            <a:headEnd/>
+            <a:tailEnd/>
+          </a:ln>
+        </p:spPr>
+        <p:txBody>
+          <a:bodyPr lIns="100913" tIns="50457" rIns="100913" bIns="50457" anchor="ctr"/>
+          <a:lstStyle/>
+          <a:p>
+            <a:pPr algn="ctr" eaLnBrk="0" hangingPunct="0">
+              <a:defRPr/>
+            </a:pPr>
+            <a:r>
+              <a:rPr lang="en-US">
+                <a:solidFill>
+                  <a:srgbClr val="FFFFFF"/>
+                </a:solidFill>
+                <a:latin typeface="+mn-lt"/>
+                <a:cs typeface="Deutsche Bank Text"/>
+              </a:rPr>
+              <a:t>Type text here</a:t>
+            </a:r>
+          </a:p>
+        </p:txBody>
+      </p:sp>
+      <p:sp>
+        <p:nvSpPr>
+          <p:cNvPr id="15" name="Text Box 12"/>
+          <p:cNvSpPr txBox="1">
+            <a:spLocks noChangeArrowheads="1"/>
+          </p:cNvSpPr>
+          <p:nvPr/>
+        </p:nvSpPr>
+        <p:spPr bwMode="ltGray">
+          <a:xfrm>
+            <a:off x="3903663" y="4365625"/>
+            <a:ext cx="2273300" cy="787400"/>
+          </a:xfrm>
+          <a:prstGeom prst="rect">
+            <a:avLst/>
+          </a:prstGeom>
+          <a:solidFill>
+            <a:schemeClr val="accent5"/>
+          </a:solidFill>
+          <a:ln w="6350">
+            <a:noFill/>
+            <a:miter lim="800000"/>
+            <a:headEnd/>
+            <a:tailEnd/>
+          </a:ln>
+        </p:spPr>
+        <p:txBody>
+          <a:bodyPr lIns="100913" tIns="50457" rIns="100913" bIns="50457" anchor="ctr"/>
+          <a:lstStyle/>
+          <a:p>
+            <a:pPr algn="ctr" eaLnBrk="0" hangingPunct="0">
+              <a:defRPr/>
+            </a:pPr>
+            <a:r>
+              <a:rPr lang="en-US">
+                <a:solidFill>
+                  <a:srgbClr val="FFFFFF"/>
+                </a:solidFill>
+                <a:latin typeface="+mn-lt"/>
+                <a:cs typeface="Deutsche Bank Text"/>
+              </a:rPr>
+              <a:t>Type text here</a:t>
+            </a:r>
+          </a:p>
+        </p:txBody>
+      </p:sp>
+      <p:sp>
+        <p:nvSpPr>
+          <p:cNvPr id="16" name="Text Box 13"/>
+          <p:cNvSpPr txBox="1">
+            <a:spLocks noChangeArrowheads="1"/>
+          </p:cNvSpPr>
+          <p:nvPr/>
+        </p:nvSpPr>
+        <p:spPr bwMode="ltGray">
+          <a:xfrm>
+            <a:off x="538163" y="4365625"/>
+            <a:ext cx="2273300" cy="787400"/>
+          </a:xfrm>
+          <a:prstGeom prst="rect">
+            <a:avLst/>
+          </a:prstGeom>
+          <a:solidFill>
+            <a:schemeClr val="accent5"/>
+          </a:solidFill>
+          <a:ln w="6350">
+            <a:noFill/>
+            <a:miter lim="800000"/>
+            <a:headEnd/>
+            <a:tailEnd/>
+          </a:ln>
+        </p:spPr>
+        <p:txBody>
+          <a:bodyPr lIns="100913" tIns="50457" rIns="100913" bIns="50457" anchor="ctr"/>
+          <a:lstStyle/>
+          <a:p>
+            <a:pPr algn="ctr" eaLnBrk="0" hangingPunct="0">
+              <a:defRPr/>
+            </a:pPr>
+            <a:r>
+              <a:rPr lang="en-US">
+                <a:solidFill>
+                  <a:srgbClr val="FFFFFF"/>
+                </a:solidFill>
+                <a:latin typeface="+mn-lt"/>
+                <a:cs typeface="Deutsche Bank Text"/>
+              </a:rPr>
+              <a:t>Type text here</a:t>
+            </a:r>
+          </a:p>
+        </p:txBody>
+      </p:sp>
+      <p:sp>
+        <p:nvSpPr>
+          <p:cNvPr id="17" name="Text Box 14"/>
+          <p:cNvSpPr txBox="1">
+            <a:spLocks noChangeArrowheads="1"/>
+          </p:cNvSpPr>
+          <p:nvPr/>
+        </p:nvSpPr>
+        <p:spPr bwMode="ltGray">
+          <a:xfrm>
+            <a:off x="7267575" y="4365625"/>
+            <a:ext cx="2273300" cy="787400"/>
+          </a:xfrm>
+          <a:prstGeom prst="rect">
+            <a:avLst/>
+          </a:prstGeom>
+          <a:solidFill>
+            <a:schemeClr val="accent5"/>
+          </a:solidFill>
+          <a:ln w="6350">
+            <a:noFill/>
+            <a:miter lim="800000"/>
+            <a:headEnd/>
+            <a:tailEnd/>
+          </a:ln>
+        </p:spPr>
+        <p:txBody>
+          <a:bodyPr lIns="100913" tIns="50457" rIns="100913" bIns="50457" anchor="ctr"/>
+          <a:lstStyle/>
+          <a:p>
+            <a:pPr algn="ctr" eaLnBrk="0" hangingPunct="0">
+              <a:defRPr/>
+            </a:pPr>
+            <a:r>
+              <a:rPr lang="en-US">
+                <a:solidFill>
+                  <a:srgbClr val="FFFFFF"/>
+                </a:solidFill>
+                <a:latin typeface="+mn-lt"/>
+                <a:cs typeface="Deutsche Bank Text"/>
+              </a:rPr>
+              <a:t>Type text here</a:t>
+            </a:r>
+          </a:p>
+        </p:txBody>
+      </p:sp>
+      <p:sp>
+        <p:nvSpPr>
+          <p:cNvPr id="18" name="Text Box 16"/>
+          <p:cNvSpPr txBox="1">
+            <a:spLocks noChangeArrowheads="1"/>
+          </p:cNvSpPr>
+          <p:nvPr/>
+        </p:nvSpPr>
+        <p:spPr bwMode="ltGray">
+          <a:xfrm>
+            <a:off x="2220913" y="5683250"/>
+            <a:ext cx="2273300" cy="787400"/>
+          </a:xfrm>
+          <a:prstGeom prst="rect">
+            <a:avLst/>
+          </a:prstGeom>
+          <a:solidFill>
+            <a:schemeClr val="bg2"/>
+          </a:solidFill>
+          <a:ln w="6350">
+            <a:noFill/>
+            <a:miter lim="800000"/>
+            <a:headEnd/>
+            <a:tailEnd/>
+          </a:ln>
+        </p:spPr>
+        <p:txBody>
+          <a:bodyPr lIns="100913" tIns="50457" rIns="100913" bIns="50457" anchor="ctr"/>
+          <a:lstStyle/>
+          <a:p>
+            <a:pPr algn="ctr" eaLnBrk="0" hangingPunct="0">
+              <a:defRPr/>
+            </a:pPr>
+            <a:r>
+              <a:rPr lang="en-US">
+                <a:solidFill>
+                  <a:srgbClr val="113557"/>
+                </a:solidFill>
+                <a:latin typeface="+mn-lt"/>
+                <a:cs typeface="Deutsche Bank Text"/>
+              </a:rPr>
+              <a:t>Type text here</a:t>
+            </a:r>
+          </a:p>
+        </p:txBody>
+      </p:sp>
+      <p:sp>
+        <p:nvSpPr>
+          <p:cNvPr id="19" name="Text Box 17"/>
+          <p:cNvSpPr txBox="1">
+            <a:spLocks noChangeArrowheads="1"/>
+          </p:cNvSpPr>
+          <p:nvPr/>
+        </p:nvSpPr>
+        <p:spPr bwMode="ltGray">
+          <a:xfrm>
+            <a:off x="5584825" y="5683250"/>
+            <a:ext cx="2273300" cy="787400"/>
+          </a:xfrm>
+          <a:prstGeom prst="rect">
+            <a:avLst/>
+          </a:prstGeom>
+          <a:solidFill>
+            <a:schemeClr val="tx2"/>
+          </a:solidFill>
+          <a:ln w="6350">
+            <a:noFill/>
+            <a:miter lim="800000"/>
+            <a:headEnd/>
+            <a:tailEnd/>
+          </a:ln>
+        </p:spPr>
+        <p:txBody>
+          <a:bodyPr lIns="100913" tIns="50457" rIns="100913" bIns="50457" anchor="ctr"/>
+          <a:lstStyle/>
+          <a:p>
+            <a:pPr algn="ctr" eaLnBrk="0" hangingPunct="0">
+              <a:defRPr/>
+            </a:pPr>
+            <a:r>
+              <a:rPr lang="en-US">
+                <a:solidFill>
+                  <a:srgbClr val="113557"/>
+                </a:solidFill>
+                <a:latin typeface="+mn-lt"/>
+                <a:cs typeface="Deutsche Bank Text"/>
+              </a:rPr>
+              <a:t>Type text here</a:t>
+            </a:r>
+          </a:p>
+        </p:txBody>
+      </p:sp>
+      <p:cxnSp>
+        <p:nvCxnSpPr>
+          <p:cNvPr id="20" name="AutoShape 18"/>
+          <p:cNvCxnSpPr>
+            <a:cxnSpLocks noChangeShapeType="1"/>
+            <a:stCxn id="15" idx="2"/>
+            <a:endCxn id="18" idx="0"/>
+          </p:cNvCxnSpPr>
+          <p:nvPr/>
+        </p:nvCxnSpPr>
+        <p:spPr bwMode="blackWhite">
+          <a:xfrm rot="5400000">
+            <a:off x="3933825" y="4576763"/>
+            <a:ext cx="530225" cy="1682750"/>
+          </a:xfrm>
+          <a:prstGeom prst="bentConnector3">
+            <a:avLst>
+              <a:gd name="adj1" fmla="val 50000"/>
+            </a:avLst>
+          </a:prstGeom>
+          <a:noFill/>
+          <a:ln w="12700">
+            <a:solidFill>
+              <a:srgbClr val="000000"/>
+            </a:solidFill>
+            <a:miter lim="800000"/>
+            <a:headEnd/>
+            <a:tailEnd/>
+          </a:ln>
+        </p:spPr>
+      </p:cxnSp>
+      <p:cxnSp>
+        <p:nvCxnSpPr>
+          <p:cNvPr id="21" name="AutoShape 19"/>
+          <p:cNvCxnSpPr>
+            <a:cxnSpLocks noChangeShapeType="1"/>
+            <a:stCxn id="15" idx="2"/>
+            <a:endCxn id="19" idx="0"/>
+          </p:cNvCxnSpPr>
+          <p:nvPr/>
+        </p:nvCxnSpPr>
+        <p:spPr bwMode="blackWhite">
+          <a:xfrm rot="16200000" flipH="1">
+            <a:off x="5615781" y="4577557"/>
+            <a:ext cx="530225" cy="1681162"/>
+          </a:xfrm>
+          <a:prstGeom prst="bentConnector3">
+            <a:avLst>
+              <a:gd name="adj1" fmla="val 50000"/>
+            </a:avLst>
+          </a:prstGeom>
+          <a:noFill/>
+          <a:ln w="12700">
+            <a:solidFill>
+              <a:srgbClr val="000000"/>
+            </a:solidFill>
+            <a:miter lim="800000"/>
+            <a:headEnd/>
+            <a:tailEnd/>
+          </a:ln>
+        </p:spPr>
+      </p:cxnSp>
+      <p:cxnSp>
+        <p:nvCxnSpPr>
+          <p:cNvPr id="22" name="AutoShape 20"/>
+          <p:cNvCxnSpPr>
+            <a:cxnSpLocks noChangeShapeType="1"/>
+            <a:stCxn id="13" idx="2"/>
+            <a:endCxn id="16" idx="0"/>
+          </p:cNvCxnSpPr>
+          <p:nvPr/>
+        </p:nvCxnSpPr>
+        <p:spPr bwMode="blackWhite">
+          <a:xfrm rot="5400000">
+            <a:off x="1410494" y="4099719"/>
+            <a:ext cx="530225" cy="1587"/>
+          </a:xfrm>
+          <a:prstGeom prst="straightConnector1">
+            <a:avLst/>
+          </a:prstGeom>
+          <a:noFill/>
+          <a:ln w="12700">
+            <a:solidFill>
+              <a:srgbClr val="000000"/>
+            </a:solidFill>
+            <a:round/>
+            <a:headEnd/>
+            <a:tailEnd/>
+          </a:ln>
+        </p:spPr>
+      </p:cxnSp>
+    </p:spTree>
+    <p:extLst>
+      <p:ext uri="{BB962C8B-B14F-4D97-AF65-F5344CB8AC3E}">
+        <p14:creationId xmlns:p14="http://schemas.microsoft.com/office/powerpoint/2010/main" val="383374242"/>
+      </p:ext>
+    </p:extLst>
+  </p:cSld>
+  <p:clrMapOvr>
+    <a:masterClrMapping/>
+  </p:clrMapOvr>
+  <p:transition>
+    <p:wipe dir="r"/>
+  </p:transition>
+</p:sld>
+</file>
+
+<file path=ppt/slides/slide2.xml><?xml version="1.0" encoding="utf-8"?>
 <p:sld xmlns:a="http://schemas.openxmlformats.org/drawingml/2006/main" xmlns:r="http://schemas.openxmlformats.org/officeDocument/2006/relationships" xmlns:p="http://schemas.openxmlformats.org/presentationml/2006/main">
   <p:cSld>
     <p:spTree>
@@ -27150,7 +28663,7 @@
               <a:pPr>
                 <a:defRPr/>
               </a:pPr>
-              <a:t>2</a:t>
+              <a:t>1</a:t>
             </a:fld>
             <a:endParaRPr lang="en-US" dirty="0"/>
           </a:p>
@@ -27163,7 +28676,7 @@
           <p:nvPr>
             <p:extLst>
               <p:ext uri="{D42A27DB-BD31-4B8C-83A1-F6EECF244321}">
-                <p14:modId xmlns:p14="http://schemas.microsoft.com/office/powerpoint/2010/main" val="897704998"/>
+                <p14:modId xmlns:p14="http://schemas.microsoft.com/office/powerpoint/2010/main" val="351743545"/>
               </p:ext>
             </p:extLst>
           </p:nvPr>
@@ -27185,7 +28698,7 @@
           <p:nvPr>
             <p:extLst>
               <p:ext uri="{D42A27DB-BD31-4B8C-83A1-F6EECF244321}">
-                <p14:modId xmlns:p14="http://schemas.microsoft.com/office/powerpoint/2010/main" val="1792722591"/>
+                <p14:modId xmlns:p14="http://schemas.microsoft.com/office/powerpoint/2010/main" val="2386780129"/>
               </p:ext>
             </p:extLst>
           </p:nvPr>
@@ -27207,7 +28720,7 @@
           <p:nvPr>
             <p:extLst>
               <p:ext uri="{D42A27DB-BD31-4B8C-83A1-F6EECF244321}">
-                <p14:modId xmlns:p14="http://schemas.microsoft.com/office/powerpoint/2010/main" val="2905594962"/>
+                <p14:modId xmlns:p14="http://schemas.microsoft.com/office/powerpoint/2010/main" val="2569295407"/>
               </p:ext>
             </p:extLst>
           </p:nvPr>
@@ -27229,7 +28742,7 @@
           <p:nvPr>
             <p:extLst>
               <p:ext uri="{D42A27DB-BD31-4B8C-83A1-F6EECF244321}">
-                <p14:modId xmlns:p14="http://schemas.microsoft.com/office/powerpoint/2010/main" val="3094904590"/>
+                <p14:modId xmlns:p14="http://schemas.microsoft.com/office/powerpoint/2010/main" val="1771555713"/>
               </p:ext>
             </p:extLst>
           </p:nvPr>
@@ -27251,7 +28764,7 @@
           <p:nvPr>
             <p:extLst>
               <p:ext uri="{D42A27DB-BD31-4B8C-83A1-F6EECF244321}">
-                <p14:modId xmlns:p14="http://schemas.microsoft.com/office/powerpoint/2010/main" val="1962050518"/>
+                <p14:modId xmlns:p14="http://schemas.microsoft.com/office/powerpoint/2010/main" val="3278712498"/>
               </p:ext>
             </p:extLst>
           </p:nvPr>
@@ -27273,7 +28786,7 @@
           <p:nvPr>
             <p:extLst>
               <p:ext uri="{D42A27DB-BD31-4B8C-83A1-F6EECF244321}">
-                <p14:modId xmlns:p14="http://schemas.microsoft.com/office/powerpoint/2010/main" val="944887479"/>
+                <p14:modId xmlns:p14="http://schemas.microsoft.com/office/powerpoint/2010/main" val="386394982"/>
               </p:ext>
             </p:extLst>
           </p:nvPr>
@@ -27391,9 +28904,6 @@
               </a:rPr>
               <a:t>Software Engineer – Front End</a:t>
             </a:r>
-            <a:endParaRPr lang="en-GB" sz="1400" i="1" dirty="0" smtClean="0">
-              <a:latin typeface="Garamond" panose="02020404030301010803" pitchFamily="18" charset="0"/>
-            </a:endParaRPr>
           </a:p>
         </p:txBody>
       </p:sp>
@@ -27456,9 +28966,6 @@
               </a:rPr>
               <a:t>Software Engineer - Backend</a:t>
             </a:r>
-            <a:endParaRPr lang="en-GB" sz="1400" i="1" dirty="0" smtClean="0">
-              <a:latin typeface="Garamond" panose="02020404030301010803" pitchFamily="18" charset="0"/>
-            </a:endParaRPr>
           </a:p>
         </p:txBody>
       </p:sp>
@@ -27515,9 +29022,6 @@
               </a:rPr>
               <a:t>Business Analyst</a:t>
             </a:r>
-            <a:endParaRPr lang="en-GB" sz="1400" i="1" dirty="0" smtClean="0">
-              <a:latin typeface="Garamond" panose="02020404030301010803" pitchFamily="18" charset="0"/>
-            </a:endParaRPr>
           </a:p>
         </p:txBody>
       </p:sp>
@@ -27574,9 +29078,6 @@
               </a:rPr>
               <a:t>Business Analyst</a:t>
             </a:r>
-            <a:endParaRPr lang="en-GB" sz="1400" i="1" dirty="0" smtClean="0">
-              <a:latin typeface="Garamond" panose="02020404030301010803" pitchFamily="18" charset="0"/>
-            </a:endParaRPr>
           </a:p>
         </p:txBody>
       </p:sp>
@@ -27624,9 +29125,6 @@
               </a:rPr>
               <a:t>Software Engineer  - Backend</a:t>
             </a:r>
-            <a:endParaRPr lang="en-GB" sz="1400" i="1" dirty="0" smtClean="0">
-              <a:latin typeface="Garamond" panose="02020404030301010803" pitchFamily="18" charset="0"/>
-            </a:endParaRPr>
           </a:p>
         </p:txBody>
       </p:sp>
@@ -27643,7 +29141,7 @@
         <p:spPr>
           <a:xfrm>
             <a:off x="269875" y="321438"/>
-            <a:ext cx="3275965" cy="458925"/>
+            <a:ext cx="5196205" cy="458925"/>
           </a:xfrm>
         </p:spPr>
         <p:txBody>
@@ -27654,7 +29152,11 @@
               <a:rPr lang="en-GB" dirty="0" smtClean="0"/>
               <a:t>Team presentation</a:t>
             </a:r>
-            <a:endParaRPr lang="en-GB" dirty="0"/>
+            <a:endParaRPr lang="en-GB" b="1" dirty="0">
+              <a:solidFill>
+                <a:srgbClr val="0018A8"/>
+              </a:solidFill>
+            </a:endParaRPr>
           </a:p>
         </p:txBody>
       </p:sp>
@@ -27808,6 +29310,31 @@
           </a:ln>
         </p:spPr>
       </p:cxnSp>
+      <p:cxnSp>
+        <p:nvCxnSpPr>
+          <p:cNvPr id="5" name="Straight Connector 4"/>
+          <p:cNvCxnSpPr/>
+          <p:nvPr/>
+        </p:nvCxnSpPr>
+        <p:spPr bwMode="auto">
+          <a:xfrm>
+            <a:off x="269875" y="802640"/>
+            <a:ext cx="7350125" cy="0"/>
+          </a:xfrm>
+          <a:prstGeom prst="line">
+            <a:avLst/>
+          </a:prstGeom>
+          <a:noFill/>
+          <a:ln w="12700">
+            <a:solidFill>
+              <a:schemeClr val="tx1"/>
+            </a:solidFill>
+            <a:round/>
+            <a:headEnd/>
+            <a:tailEnd/>
+          </a:ln>
+        </p:spPr>
+      </p:cxnSp>
     </p:spTree>
     <p:extLst>
       <p:ext uri="{BB962C8B-B14F-4D97-AF65-F5344CB8AC3E}">
@@ -27831,8 +29358,1234 @@
 </p:sld>
 </file>
 
+<file path=ppt/slides/slide3.xml><?xml version="1.0" encoding="utf-8"?>
+<p:sld xmlns:a="http://schemas.openxmlformats.org/drawingml/2006/main" xmlns:r="http://schemas.openxmlformats.org/officeDocument/2006/relationships" xmlns:p="http://schemas.openxmlformats.org/presentationml/2006/main">
+  <p:cSld>
+    <p:spTree>
+      <p:nvGrpSpPr>
+        <p:cNvPr id="1" name=""/>
+        <p:cNvGrpSpPr/>
+        <p:nvPr/>
+      </p:nvGrpSpPr>
+      <p:grpSpPr>
+        <a:xfrm>
+          <a:off x="0" y="0"/>
+          <a:ext cx="0" cy="0"/>
+          <a:chOff x="0" y="0"/>
+          <a:chExt cx="0" cy="0"/>
+        </a:xfrm>
+      </p:grpSpPr>
+      <p:sp>
+        <p:nvSpPr>
+          <p:cNvPr id="2" name="Title 1"/>
+          <p:cNvSpPr>
+            <a:spLocks noGrp="1"/>
+          </p:cNvSpPr>
+          <p:nvPr>
+            <p:ph type="title"/>
+          </p:nvPr>
+        </p:nvSpPr>
+        <p:spPr/>
+        <p:txBody>
+          <a:bodyPr/>
+          <a:lstStyle/>
+          <a:p>
+            <a:r>
+              <a:rPr lang="en-GB" dirty="0" smtClean="0"/>
+              <a:t>Overview: </a:t>
+            </a:r>
+            <a:r>
+              <a:rPr lang="en-GB" b="1" dirty="0" smtClean="0"/>
+              <a:t>Technologies</a:t>
+            </a:r>
+            <a:endParaRPr lang="en-GB" b="1" dirty="0"/>
+          </a:p>
+        </p:txBody>
+      </p:sp>
+      <p:sp>
+        <p:nvSpPr>
+          <p:cNvPr id="5" name="Slide Number Placeholder 4"/>
+          <p:cNvSpPr>
+            <a:spLocks noGrp="1"/>
+          </p:cNvSpPr>
+          <p:nvPr>
+            <p:ph type="sldNum" sz="quarter" idx="4"/>
+          </p:nvPr>
+        </p:nvSpPr>
+        <p:spPr/>
+        <p:txBody>
+          <a:bodyPr/>
+          <a:lstStyle/>
+          <a:p>
+            <a:pPr>
+              <a:defRPr/>
+            </a:pPr>
+            <a:fld id="{9934078A-A4B1-1740-A467-EBA327F024F1}" type="slidenum">
+              <a:rPr lang="en-US" smtClean="0"/>
+              <a:pPr>
+                <a:defRPr/>
+              </a:pPr>
+              <a:t>2</a:t>
+            </a:fld>
+            <a:endParaRPr lang="en-US" dirty="0"/>
+          </a:p>
+        </p:txBody>
+      </p:sp>
+      <p:cxnSp>
+        <p:nvCxnSpPr>
+          <p:cNvPr id="7" name="Straight Connector 6"/>
+          <p:cNvCxnSpPr/>
+          <p:nvPr/>
+        </p:nvCxnSpPr>
+        <p:spPr bwMode="auto">
+          <a:xfrm>
+            <a:off x="269875" y="802640"/>
+            <a:ext cx="7350125" cy="0"/>
+          </a:xfrm>
+          <a:prstGeom prst="line">
+            <a:avLst/>
+          </a:prstGeom>
+          <a:noFill/>
+          <a:ln w="12700">
+            <a:solidFill>
+              <a:schemeClr val="tx1"/>
+            </a:solidFill>
+            <a:round/>
+            <a:headEnd/>
+            <a:tailEnd/>
+          </a:ln>
+        </p:spPr>
+      </p:cxnSp>
+      <p:sp>
+        <p:nvSpPr>
+          <p:cNvPr id="10" name="Rectangle 9"/>
+          <p:cNvSpPr/>
+          <p:nvPr/>
+        </p:nvSpPr>
+        <p:spPr bwMode="auto">
+          <a:xfrm>
+            <a:off x="210502" y="1079500"/>
+            <a:ext cx="9656445" cy="5808980"/>
+          </a:xfrm>
+          <a:prstGeom prst="rect">
+            <a:avLst/>
+          </a:prstGeom>
+          <a:solidFill>
+            <a:srgbClr val="FFFFFF"/>
+          </a:solidFill>
+          <a:ln w="6350">
+            <a:solidFill>
+              <a:srgbClr val="0018A8"/>
+            </a:solidFill>
+            <a:prstDash val="dash"/>
+            <a:miter lim="800000"/>
+            <a:headEnd/>
+            <a:tailEnd/>
+          </a:ln>
+        </p:spPr>
+        <p:txBody>
+          <a:bodyPr lIns="100913" tIns="50457" rIns="100913" bIns="50457" rtlCol="0" anchor="ctr">
+            <a:noAutofit/>
+          </a:bodyPr>
+          <a:lstStyle/>
+          <a:p>
+            <a:pPr algn="ctr" defTabSz="963613" eaLnBrk="0" hangingPunct="0">
+              <a:tabLst>
+                <a:tab pos="1257300" algn="l"/>
+              </a:tabLst>
+            </a:pPr>
+            <a:endParaRPr lang="en-GB" dirty="0" err="1" smtClean="0">
+              <a:solidFill>
+                <a:srgbClr val="FFFFFF"/>
+              </a:solidFill>
+              <a:latin typeface="+mn-lt"/>
+            </a:endParaRPr>
+          </a:p>
+        </p:txBody>
+      </p:sp>
+      <p:cxnSp>
+        <p:nvCxnSpPr>
+          <p:cNvPr id="12" name="Straight Connector 11"/>
+          <p:cNvCxnSpPr/>
+          <p:nvPr/>
+        </p:nvCxnSpPr>
+        <p:spPr bwMode="auto">
+          <a:xfrm>
+            <a:off x="2265680" y="1079500"/>
+            <a:ext cx="0" cy="5808980"/>
+          </a:xfrm>
+          <a:prstGeom prst="line">
+            <a:avLst/>
+          </a:prstGeom>
+          <a:noFill/>
+          <a:ln w="12700">
+            <a:solidFill>
+              <a:srgbClr val="0018A8"/>
+            </a:solidFill>
+            <a:prstDash val="dash"/>
+            <a:round/>
+            <a:headEnd/>
+            <a:tailEnd/>
+          </a:ln>
+        </p:spPr>
+      </p:cxnSp>
+      <p:cxnSp>
+        <p:nvCxnSpPr>
+          <p:cNvPr id="13" name="Straight Connector 12"/>
+          <p:cNvCxnSpPr/>
+          <p:nvPr/>
+        </p:nvCxnSpPr>
+        <p:spPr bwMode="auto">
+          <a:xfrm flipH="1">
+            <a:off x="7853680" y="1137920"/>
+            <a:ext cx="10160" cy="5750560"/>
+          </a:xfrm>
+          <a:prstGeom prst="line">
+            <a:avLst/>
+          </a:prstGeom>
+          <a:noFill/>
+          <a:ln w="12700">
+            <a:solidFill>
+              <a:srgbClr val="0018A8"/>
+            </a:solidFill>
+            <a:prstDash val="dash"/>
+            <a:round/>
+            <a:headEnd/>
+            <a:tailEnd/>
+          </a:ln>
+        </p:spPr>
+      </p:cxnSp>
+      <p:sp>
+        <p:nvSpPr>
+          <p:cNvPr id="17" name="TextBox 16"/>
+          <p:cNvSpPr txBox="1"/>
+          <p:nvPr/>
+        </p:nvSpPr>
+        <p:spPr bwMode="ltGray">
+          <a:xfrm>
+            <a:off x="262573" y="1137920"/>
+            <a:ext cx="1152525" cy="348121"/>
+          </a:xfrm>
+          <a:prstGeom prst="rect">
+            <a:avLst/>
+          </a:prstGeom>
+          <a:noFill/>
+          <a:ln w="6350">
+            <a:noFill/>
+            <a:miter lim="800000"/>
+            <a:headEnd/>
+            <a:tailEnd/>
+          </a:ln>
+        </p:spPr>
+        <p:txBody>
+          <a:bodyPr wrap="square" lIns="100913" tIns="50457" rIns="100913" bIns="50457" rtlCol="0" anchor="t" anchorCtr="0">
+            <a:spAutoFit/>
+          </a:bodyPr>
+          <a:lstStyle/>
+          <a:p>
+            <a:pPr eaLnBrk="0" hangingPunct="0"/>
+            <a:r>
+              <a:rPr lang="en-GB" sz="1600" dirty="0" smtClean="0">
+                <a:solidFill>
+                  <a:srgbClr val="0018A8"/>
+                </a:solidFill>
+                <a:latin typeface="+mn-lt"/>
+              </a:rPr>
+              <a:t>Front </a:t>
+            </a:r>
+            <a:r>
+              <a:rPr lang="en-GB" sz="1600" dirty="0" smtClean="0">
+                <a:solidFill>
+                  <a:srgbClr val="0018A8"/>
+                </a:solidFill>
+                <a:latin typeface="+mn-lt"/>
+              </a:rPr>
+              <a:t>End</a:t>
+            </a:r>
+            <a:endParaRPr lang="en-GB" sz="1600" dirty="0" smtClean="0">
+              <a:solidFill>
+                <a:srgbClr val="0018A8"/>
+              </a:solidFill>
+              <a:latin typeface="+mn-lt"/>
+            </a:endParaRPr>
+          </a:p>
+        </p:txBody>
+      </p:sp>
+      <p:sp>
+        <p:nvSpPr>
+          <p:cNvPr id="19" name="TextBox 18"/>
+          <p:cNvSpPr txBox="1"/>
+          <p:nvPr/>
+        </p:nvSpPr>
+        <p:spPr bwMode="ltGray">
+          <a:xfrm>
+            <a:off x="2265681" y="1108195"/>
+            <a:ext cx="1137920" cy="348121"/>
+          </a:xfrm>
+          <a:prstGeom prst="rect">
+            <a:avLst/>
+          </a:prstGeom>
+          <a:noFill/>
+          <a:ln w="6350">
+            <a:noFill/>
+            <a:miter lim="800000"/>
+            <a:headEnd/>
+            <a:tailEnd/>
+          </a:ln>
+        </p:spPr>
+        <p:txBody>
+          <a:bodyPr wrap="square" lIns="100913" tIns="50457" rIns="100913" bIns="50457" rtlCol="0" anchor="t" anchorCtr="0">
+            <a:spAutoFit/>
+          </a:bodyPr>
+          <a:lstStyle/>
+          <a:p>
+            <a:pPr eaLnBrk="0" hangingPunct="0"/>
+            <a:r>
+              <a:rPr lang="en-GB" sz="1600" dirty="0" smtClean="0">
+                <a:solidFill>
+                  <a:srgbClr val="0018A8"/>
+                </a:solidFill>
+                <a:latin typeface="+mn-lt"/>
+              </a:rPr>
+              <a:t>Back End</a:t>
+            </a:r>
+            <a:endParaRPr lang="en-GB" sz="1600" dirty="0" smtClean="0">
+              <a:solidFill>
+                <a:srgbClr val="0018A8"/>
+              </a:solidFill>
+              <a:latin typeface="+mn-lt"/>
+            </a:endParaRPr>
+          </a:p>
+        </p:txBody>
+      </p:sp>
+      <p:sp>
+        <p:nvSpPr>
+          <p:cNvPr id="20" name="TextBox 19"/>
+          <p:cNvSpPr txBox="1"/>
+          <p:nvPr/>
+        </p:nvSpPr>
+        <p:spPr bwMode="ltGray">
+          <a:xfrm>
+            <a:off x="7874001" y="1137920"/>
+            <a:ext cx="1137920" cy="348121"/>
+          </a:xfrm>
+          <a:prstGeom prst="rect">
+            <a:avLst/>
+          </a:prstGeom>
+          <a:noFill/>
+          <a:ln w="6350">
+            <a:noFill/>
+            <a:miter lim="800000"/>
+            <a:headEnd/>
+            <a:tailEnd/>
+          </a:ln>
+        </p:spPr>
+        <p:txBody>
+          <a:bodyPr wrap="square" lIns="100913" tIns="50457" rIns="100913" bIns="50457" rtlCol="0" anchor="t" anchorCtr="0">
+            <a:spAutoFit/>
+          </a:bodyPr>
+          <a:lstStyle/>
+          <a:p>
+            <a:pPr eaLnBrk="0" hangingPunct="0"/>
+            <a:r>
+              <a:rPr lang="en-GB" sz="1600" dirty="0" smtClean="0">
+                <a:solidFill>
+                  <a:srgbClr val="0018A8"/>
+                </a:solidFill>
+                <a:latin typeface="+mn-lt"/>
+              </a:rPr>
+              <a:t>Database</a:t>
+            </a:r>
+            <a:endParaRPr lang="en-GB" sz="1600" dirty="0" smtClean="0">
+              <a:solidFill>
+                <a:srgbClr val="0018A8"/>
+              </a:solidFill>
+              <a:latin typeface="+mn-lt"/>
+            </a:endParaRPr>
+          </a:p>
+        </p:txBody>
+      </p:sp>
+      <p:pic>
+        <p:nvPicPr>
+          <p:cNvPr id="13314" name="Picture 2" descr="Image result for mysql"/>
+          <p:cNvPicPr>
+            <a:picLocks noChangeAspect="1" noChangeArrowheads="1"/>
+          </p:cNvPicPr>
+          <p:nvPr/>
+        </p:nvPicPr>
+        <p:blipFill>
+          <a:blip r:embed="rId2" cstate="print">
+            <a:extLst>
+              <a:ext uri="{28A0092B-C50C-407E-A947-70E740481C1C}">
+                <a14:useLocalDpi xmlns:a14="http://schemas.microsoft.com/office/drawing/2010/main" val="0"/>
+              </a:ext>
+            </a:extLst>
+          </a:blip>
+          <a:srcRect/>
+          <a:stretch>
+            <a:fillRect/>
+          </a:stretch>
+        </p:blipFill>
+        <p:spPr bwMode="auto">
+          <a:xfrm>
+            <a:off x="8241356" y="3305652"/>
+            <a:ext cx="1232287" cy="1232287"/>
+          </a:xfrm>
+          <a:prstGeom prst="rect">
+            <a:avLst/>
+          </a:prstGeom>
+          <a:noFill/>
+          <a:extLst>
+            <a:ext uri="{909E8E84-426E-40DD-AFC4-6F175D3DCCD1}">
+              <a14:hiddenFill xmlns:a14="http://schemas.microsoft.com/office/drawing/2010/main">
+                <a:solidFill>
+                  <a:srgbClr val="FFFFFF"/>
+                </a:solidFill>
+              </a14:hiddenFill>
+            </a:ext>
+          </a:extLst>
+        </p:spPr>
+      </p:pic>
+      <p:sp>
+        <p:nvSpPr>
+          <p:cNvPr id="21" name="Flowchart: Magnetic Disk 20"/>
+          <p:cNvSpPr/>
+          <p:nvPr/>
+        </p:nvSpPr>
+        <p:spPr bwMode="auto">
+          <a:xfrm>
+            <a:off x="8146300" y="2846864"/>
+            <a:ext cx="1422400" cy="1889760"/>
+          </a:xfrm>
+          <a:prstGeom prst="flowChartMagneticDisk">
+            <a:avLst/>
+          </a:prstGeom>
+          <a:solidFill>
+            <a:srgbClr val="FFFFFF">
+              <a:alpha val="0"/>
+            </a:srgbClr>
+          </a:solidFill>
+          <a:ln w="6350">
+            <a:solidFill>
+              <a:srgbClr val="0018A8"/>
+            </a:solidFill>
+            <a:miter lim="800000"/>
+            <a:headEnd/>
+            <a:tailEnd/>
+          </a:ln>
+        </p:spPr>
+        <p:txBody>
+          <a:bodyPr lIns="100913" tIns="50457" rIns="100913" bIns="50457" rtlCol="0" anchor="ctr">
+            <a:noAutofit/>
+          </a:bodyPr>
+          <a:lstStyle/>
+          <a:p>
+            <a:pPr algn="ctr" defTabSz="963613" eaLnBrk="0" hangingPunct="0">
+              <a:tabLst>
+                <a:tab pos="1257300" algn="l"/>
+              </a:tabLst>
+            </a:pPr>
+            <a:endParaRPr lang="en-GB" dirty="0" err="1" smtClean="0">
+              <a:solidFill>
+                <a:srgbClr val="FFFFFF"/>
+              </a:solidFill>
+              <a:latin typeface="+mn-lt"/>
+            </a:endParaRPr>
+          </a:p>
+        </p:txBody>
+      </p:sp>
+      <p:cxnSp>
+        <p:nvCxnSpPr>
+          <p:cNvPr id="24" name="Straight Connector 23"/>
+          <p:cNvCxnSpPr/>
+          <p:nvPr/>
+        </p:nvCxnSpPr>
+        <p:spPr bwMode="auto">
+          <a:xfrm>
+            <a:off x="345440" y="1486041"/>
+            <a:ext cx="1371600" cy="0"/>
+          </a:xfrm>
+          <a:prstGeom prst="line">
+            <a:avLst/>
+          </a:prstGeom>
+          <a:ln>
+            <a:prstDash val="lgDash"/>
+            <a:headEnd/>
+            <a:tailEnd/>
+          </a:ln>
+        </p:spPr>
+        <p:style>
+          <a:lnRef idx="1">
+            <a:schemeClr val="accent1"/>
+          </a:lnRef>
+          <a:fillRef idx="0">
+            <a:schemeClr val="accent1"/>
+          </a:fillRef>
+          <a:effectRef idx="0">
+            <a:schemeClr val="accent1"/>
+          </a:effectRef>
+          <a:fontRef idx="minor">
+            <a:schemeClr val="tx1"/>
+          </a:fontRef>
+        </p:style>
+      </p:cxnSp>
+      <p:cxnSp>
+        <p:nvCxnSpPr>
+          <p:cNvPr id="26" name="Straight Connector 25"/>
+          <p:cNvCxnSpPr/>
+          <p:nvPr/>
+        </p:nvCxnSpPr>
+        <p:spPr bwMode="auto">
+          <a:xfrm>
+            <a:off x="8016241" y="1486041"/>
+            <a:ext cx="1371600" cy="0"/>
+          </a:xfrm>
+          <a:prstGeom prst="line">
+            <a:avLst/>
+          </a:prstGeom>
+          <a:ln>
+            <a:prstDash val="lgDash"/>
+            <a:headEnd/>
+            <a:tailEnd/>
+          </a:ln>
+        </p:spPr>
+        <p:style>
+          <a:lnRef idx="1">
+            <a:schemeClr val="accent1"/>
+          </a:lnRef>
+          <a:fillRef idx="0">
+            <a:schemeClr val="accent1"/>
+          </a:fillRef>
+          <a:effectRef idx="0">
+            <a:schemeClr val="accent1"/>
+          </a:effectRef>
+          <a:fontRef idx="minor">
+            <a:schemeClr val="tx1"/>
+          </a:fontRef>
+        </p:style>
+      </p:cxnSp>
+      <p:cxnSp>
+        <p:nvCxnSpPr>
+          <p:cNvPr id="27" name="Straight Connector 26"/>
+          <p:cNvCxnSpPr/>
+          <p:nvPr/>
+        </p:nvCxnSpPr>
+        <p:spPr bwMode="auto">
+          <a:xfrm>
+            <a:off x="2438400" y="1486041"/>
+            <a:ext cx="4947920" cy="0"/>
+          </a:xfrm>
+          <a:prstGeom prst="line">
+            <a:avLst/>
+          </a:prstGeom>
+          <a:ln>
+            <a:prstDash val="lgDash"/>
+            <a:headEnd/>
+            <a:tailEnd/>
+          </a:ln>
+        </p:spPr>
+        <p:style>
+          <a:lnRef idx="1">
+            <a:schemeClr val="accent1"/>
+          </a:lnRef>
+          <a:fillRef idx="0">
+            <a:schemeClr val="accent1"/>
+          </a:fillRef>
+          <a:effectRef idx="0">
+            <a:schemeClr val="accent1"/>
+          </a:effectRef>
+          <a:fontRef idx="minor">
+            <a:schemeClr val="tx1"/>
+          </a:fontRef>
+        </p:style>
+      </p:cxnSp>
+      <p:pic>
+        <p:nvPicPr>
+          <p:cNvPr id="13318" name="Picture 6" descr="Image result for jackson java"/>
+          <p:cNvPicPr>
+            <a:picLocks noChangeAspect="1" noChangeArrowheads="1"/>
+          </p:cNvPicPr>
+          <p:nvPr/>
+        </p:nvPicPr>
+        <p:blipFill>
+          <a:blip r:embed="rId3">
+            <a:extLst>
+              <a:ext uri="{28A0092B-C50C-407E-A947-70E740481C1C}">
+                <a14:useLocalDpi xmlns:a14="http://schemas.microsoft.com/office/drawing/2010/main" val="0"/>
+              </a:ext>
+            </a:extLst>
+          </a:blip>
+          <a:srcRect/>
+          <a:stretch>
+            <a:fillRect/>
+          </a:stretch>
+        </p:blipFill>
+        <p:spPr bwMode="auto">
+          <a:xfrm>
+            <a:off x="2434070" y="1511564"/>
+            <a:ext cx="2361676" cy="2209311"/>
+          </a:xfrm>
+          <a:prstGeom prst="rect">
+            <a:avLst/>
+          </a:prstGeom>
+          <a:noFill/>
+          <a:extLst>
+            <a:ext uri="{909E8E84-426E-40DD-AFC4-6F175D3DCCD1}">
+              <a14:hiddenFill xmlns:a14="http://schemas.microsoft.com/office/drawing/2010/main">
+                <a:solidFill>
+                  <a:srgbClr val="FFFFFF"/>
+                </a:solidFill>
+              </a14:hiddenFill>
+            </a:ext>
+          </a:extLst>
+        </p:spPr>
+      </p:pic>
+      <p:pic>
+        <p:nvPicPr>
+          <p:cNvPr id="13320" name="Picture 8" descr="Image result for docker"/>
+          <p:cNvPicPr>
+            <a:picLocks noChangeAspect="1" noChangeArrowheads="1"/>
+          </p:cNvPicPr>
+          <p:nvPr/>
+        </p:nvPicPr>
+        <p:blipFill>
+          <a:blip r:embed="rId4" cstate="print">
+            <a:extLst>
+              <a:ext uri="{28A0092B-C50C-407E-A947-70E740481C1C}">
+                <a14:useLocalDpi xmlns:a14="http://schemas.microsoft.com/office/drawing/2010/main" val="0"/>
+              </a:ext>
+            </a:extLst>
+          </a:blip>
+          <a:srcRect/>
+          <a:stretch>
+            <a:fillRect/>
+          </a:stretch>
+        </p:blipFill>
+        <p:spPr bwMode="auto">
+          <a:xfrm>
+            <a:off x="4775211" y="1261293"/>
+            <a:ext cx="2846604" cy="2539659"/>
+          </a:xfrm>
+          <a:prstGeom prst="rect">
+            <a:avLst/>
+          </a:prstGeom>
+          <a:noFill/>
+          <a:extLst>
+            <a:ext uri="{909E8E84-426E-40DD-AFC4-6F175D3DCCD1}">
+              <a14:hiddenFill xmlns:a14="http://schemas.microsoft.com/office/drawing/2010/main">
+                <a:solidFill>
+                  <a:srgbClr val="FFFFFF"/>
+                </a:solidFill>
+              </a14:hiddenFill>
+            </a:ext>
+          </a:extLst>
+        </p:spPr>
+      </p:pic>
+      <p:pic>
+        <p:nvPicPr>
+          <p:cNvPr id="13322" name="Picture 10" descr="Image result for tomcat"/>
+          <p:cNvPicPr>
+            <a:picLocks noChangeAspect="1" noChangeArrowheads="1"/>
+          </p:cNvPicPr>
+          <p:nvPr/>
+        </p:nvPicPr>
+        <p:blipFill>
+          <a:blip r:embed="rId5">
+            <a:extLst>
+              <a:ext uri="{28A0092B-C50C-407E-A947-70E740481C1C}">
+                <a14:useLocalDpi xmlns:a14="http://schemas.microsoft.com/office/drawing/2010/main" val="0"/>
+              </a:ext>
+            </a:extLst>
+          </a:blip>
+          <a:srcRect/>
+          <a:stretch>
+            <a:fillRect/>
+          </a:stretch>
+        </p:blipFill>
+        <p:spPr bwMode="auto">
+          <a:xfrm>
+            <a:off x="3048002" y="4025700"/>
+            <a:ext cx="2419667" cy="2419667"/>
+          </a:xfrm>
+          <a:prstGeom prst="rect">
+            <a:avLst/>
+          </a:prstGeom>
+          <a:noFill/>
+          <a:extLst>
+            <a:ext uri="{909E8E84-426E-40DD-AFC4-6F175D3DCCD1}">
+              <a14:hiddenFill xmlns:a14="http://schemas.microsoft.com/office/drawing/2010/main">
+                <a:solidFill>
+                  <a:srgbClr val="FFFFFF"/>
+                </a:solidFill>
+              </a14:hiddenFill>
+            </a:ext>
+          </a:extLst>
+        </p:spPr>
+      </p:pic>
+      <p:pic>
+        <p:nvPicPr>
+          <p:cNvPr id="13324" name="Picture 12" descr="Image result for bootstrap"/>
+          <p:cNvPicPr>
+            <a:picLocks noChangeAspect="1" noChangeArrowheads="1"/>
+          </p:cNvPicPr>
+          <p:nvPr/>
+        </p:nvPicPr>
+        <p:blipFill>
+          <a:blip r:embed="rId6">
+            <a:extLst>
+              <a:ext uri="{28A0092B-C50C-407E-A947-70E740481C1C}">
+                <a14:useLocalDpi xmlns:a14="http://schemas.microsoft.com/office/drawing/2010/main" val="0"/>
+              </a:ext>
+            </a:extLst>
+          </a:blip>
+          <a:srcRect/>
+          <a:stretch>
+            <a:fillRect/>
+          </a:stretch>
+        </p:blipFill>
+        <p:spPr bwMode="auto">
+          <a:xfrm>
+            <a:off x="574215" y="3238198"/>
+            <a:ext cx="1107090" cy="1107091"/>
+          </a:xfrm>
+          <a:prstGeom prst="rect">
+            <a:avLst/>
+          </a:prstGeom>
+          <a:noFill/>
+          <a:extLst>
+            <a:ext uri="{909E8E84-426E-40DD-AFC4-6F175D3DCCD1}">
+              <a14:hiddenFill xmlns:a14="http://schemas.microsoft.com/office/drawing/2010/main">
+                <a:solidFill>
+                  <a:srgbClr val="FFFFFF"/>
+                </a:solidFill>
+              </a14:hiddenFill>
+            </a:ext>
+          </a:extLst>
+        </p:spPr>
+      </p:pic>
+      <p:pic>
+        <p:nvPicPr>
+          <p:cNvPr id="13326" name="Picture 14" descr="Image result for d3js"/>
+          <p:cNvPicPr>
+            <a:picLocks noChangeAspect="1" noChangeArrowheads="1"/>
+          </p:cNvPicPr>
+          <p:nvPr/>
+        </p:nvPicPr>
+        <p:blipFill>
+          <a:blip r:embed="rId7">
+            <a:extLst>
+              <a:ext uri="{28A0092B-C50C-407E-A947-70E740481C1C}">
+                <a14:useLocalDpi xmlns:a14="http://schemas.microsoft.com/office/drawing/2010/main" val="0"/>
+              </a:ext>
+            </a:extLst>
+          </a:blip>
+          <a:srcRect/>
+          <a:stretch>
+            <a:fillRect/>
+          </a:stretch>
+        </p:blipFill>
+        <p:spPr bwMode="auto">
+          <a:xfrm>
+            <a:off x="236320" y="4494449"/>
+            <a:ext cx="1810281" cy="1357711"/>
+          </a:xfrm>
+          <a:prstGeom prst="rect">
+            <a:avLst/>
+          </a:prstGeom>
+          <a:noFill/>
+          <a:extLst>
+            <a:ext uri="{909E8E84-426E-40DD-AFC4-6F175D3DCCD1}">
+              <a14:hiddenFill xmlns:a14="http://schemas.microsoft.com/office/drawing/2010/main">
+                <a:solidFill>
+                  <a:srgbClr val="FFFFFF"/>
+                </a:solidFill>
+              </a14:hiddenFill>
+            </a:ext>
+          </a:extLst>
+        </p:spPr>
+      </p:pic>
+      <p:pic>
+        <p:nvPicPr>
+          <p:cNvPr id="13328" name="Picture 16" descr="Image result for angular"/>
+          <p:cNvPicPr>
+            <a:picLocks noChangeAspect="1" noChangeArrowheads="1"/>
+          </p:cNvPicPr>
+          <p:nvPr/>
+        </p:nvPicPr>
+        <p:blipFill>
+          <a:blip r:embed="rId8">
+            <a:extLst>
+              <a:ext uri="{28A0092B-C50C-407E-A947-70E740481C1C}">
+                <a14:useLocalDpi xmlns:a14="http://schemas.microsoft.com/office/drawing/2010/main" val="0"/>
+              </a:ext>
+            </a:extLst>
+          </a:blip>
+          <a:srcRect/>
+          <a:stretch>
+            <a:fillRect/>
+          </a:stretch>
+        </p:blipFill>
+        <p:spPr bwMode="auto">
+          <a:xfrm>
+            <a:off x="470067" y="1531154"/>
+            <a:ext cx="1452508" cy="1452508"/>
+          </a:xfrm>
+          <a:prstGeom prst="rect">
+            <a:avLst/>
+          </a:prstGeom>
+          <a:noFill/>
+          <a:extLst>
+            <a:ext uri="{909E8E84-426E-40DD-AFC4-6F175D3DCCD1}">
+              <a14:hiddenFill xmlns:a14="http://schemas.microsoft.com/office/drawing/2010/main">
+                <a:solidFill>
+                  <a:srgbClr val="FFFFFF"/>
+                </a:solidFill>
+              </a14:hiddenFill>
+            </a:ext>
+          </a:extLst>
+        </p:spPr>
+      </p:pic>
+      <p:pic>
+        <p:nvPicPr>
+          <p:cNvPr id="13332" name="Picture 20" descr="Image result for java"/>
+          <p:cNvPicPr>
+            <a:picLocks noChangeAspect="1" noChangeArrowheads="1"/>
+          </p:cNvPicPr>
+          <p:nvPr/>
+        </p:nvPicPr>
+        <p:blipFill>
+          <a:blip r:embed="rId9" cstate="print">
+            <a:extLst>
+              <a:ext uri="{28A0092B-C50C-407E-A947-70E740481C1C}">
+                <a14:useLocalDpi xmlns:a14="http://schemas.microsoft.com/office/drawing/2010/main" val="0"/>
+              </a:ext>
+            </a:extLst>
+          </a:blip>
+          <a:srcRect/>
+          <a:stretch>
+            <a:fillRect/>
+          </a:stretch>
+        </p:blipFill>
+        <p:spPr bwMode="auto">
+          <a:xfrm>
+            <a:off x="6179896" y="4106227"/>
+            <a:ext cx="1234534" cy="2258168"/>
+          </a:xfrm>
+          <a:prstGeom prst="rect">
+            <a:avLst/>
+          </a:prstGeom>
+          <a:noFill/>
+          <a:extLst>
+            <a:ext uri="{909E8E84-426E-40DD-AFC4-6F175D3DCCD1}">
+              <a14:hiddenFill xmlns:a14="http://schemas.microsoft.com/office/drawing/2010/main">
+                <a:solidFill>
+                  <a:srgbClr val="FFFFFF"/>
+                </a:solidFill>
+              </a14:hiddenFill>
+            </a:ext>
+          </a:extLst>
+        </p:spPr>
+      </p:pic>
+      <p:pic>
+        <p:nvPicPr>
+          <p:cNvPr id="13316" name="Picture 4" descr="Related image"/>
+          <p:cNvPicPr>
+            <a:picLocks noChangeAspect="1" noChangeArrowheads="1"/>
+          </p:cNvPicPr>
+          <p:nvPr/>
+        </p:nvPicPr>
+        <p:blipFill>
+          <a:blip r:embed="rId10">
+            <a:extLst>
+              <a:ext uri="{28A0092B-C50C-407E-A947-70E740481C1C}">
+                <a14:useLocalDpi xmlns:a14="http://schemas.microsoft.com/office/drawing/2010/main" val="0"/>
+              </a:ext>
+            </a:extLst>
+          </a:blip>
+          <a:srcRect/>
+          <a:stretch>
+            <a:fillRect/>
+          </a:stretch>
+        </p:blipFill>
+        <p:spPr bwMode="auto">
+          <a:xfrm>
+            <a:off x="1313181" y="4876800"/>
+            <a:ext cx="1905000" cy="1905000"/>
+          </a:xfrm>
+          <a:prstGeom prst="rect">
+            <a:avLst/>
+          </a:prstGeom>
+          <a:noFill/>
+          <a:extLst>
+            <a:ext uri="{909E8E84-426E-40DD-AFC4-6F175D3DCCD1}">
+              <a14:hiddenFill xmlns:a14="http://schemas.microsoft.com/office/drawing/2010/main">
+                <a:solidFill>
+                  <a:srgbClr val="FFFFFF"/>
+                </a:solidFill>
+              </a14:hiddenFill>
+            </a:ext>
+          </a:extLst>
+        </p:spPr>
+      </p:pic>
+    </p:spTree>
+    <p:extLst>
+      <p:ext uri="{BB962C8B-B14F-4D97-AF65-F5344CB8AC3E}">
+        <p14:creationId xmlns:p14="http://schemas.microsoft.com/office/powerpoint/2010/main" val="1233260380"/>
+      </p:ext>
+    </p:extLst>
+  </p:cSld>
+  <p:clrMapOvr>
+    <a:masterClrMapping/>
+  </p:clrMapOvr>
+  <p:transition>
+    <p:wipe dir="r"/>
+  </p:transition>
+  <p:timing>
+    <p:tnLst>
+      <p:par>
+        <p:cTn id="1" dur="indefinite" restart="never" nodeType="tmRoot"/>
+      </p:par>
+    </p:tnLst>
+  </p:timing>
+</p:sld>
+</file>
+
 <file path=ppt/slides/slide4.xml><?xml version="1.0" encoding="utf-8"?>
 <p:sld xmlns:a="http://schemas.openxmlformats.org/drawingml/2006/main" xmlns:r="http://schemas.openxmlformats.org/officeDocument/2006/relationships" xmlns:p="http://schemas.openxmlformats.org/presentationml/2006/main">
+  <p:cSld>
+    <p:spTree>
+      <p:nvGrpSpPr>
+        <p:cNvPr id="1" name=""/>
+        <p:cNvGrpSpPr/>
+        <p:nvPr/>
+      </p:nvGrpSpPr>
+      <p:grpSpPr>
+        <a:xfrm>
+          <a:off x="0" y="0"/>
+          <a:ext cx="0" cy="0"/>
+          <a:chOff x="0" y="0"/>
+          <a:chExt cx="0" cy="0"/>
+        </a:xfrm>
+      </p:grpSpPr>
+      <p:sp>
+        <p:nvSpPr>
+          <p:cNvPr id="2" name="Title 1"/>
+          <p:cNvSpPr>
+            <a:spLocks noGrp="1"/>
+          </p:cNvSpPr>
+          <p:nvPr>
+            <p:ph type="title"/>
+          </p:nvPr>
+        </p:nvSpPr>
+        <p:spPr/>
+        <p:txBody>
+          <a:bodyPr/>
+          <a:lstStyle/>
+          <a:p>
+            <a:endParaRPr lang="en-GB"/>
+          </a:p>
+        </p:txBody>
+      </p:sp>
+      <p:sp>
+        <p:nvSpPr>
+          <p:cNvPr id="3" name="Text Placeholder 2"/>
+          <p:cNvSpPr>
+            <a:spLocks noGrp="1"/>
+          </p:cNvSpPr>
+          <p:nvPr>
+            <p:ph type="body" sz="quarter" idx="18"/>
+          </p:nvPr>
+        </p:nvSpPr>
+        <p:spPr/>
+        <p:txBody>
+          <a:bodyPr/>
+          <a:lstStyle/>
+          <a:p>
+            <a:endParaRPr lang="en-GB"/>
+          </a:p>
+        </p:txBody>
+      </p:sp>
+      <p:sp>
+        <p:nvSpPr>
+          <p:cNvPr id="4" name="Text Placeholder 3"/>
+          <p:cNvSpPr>
+            <a:spLocks noGrp="1"/>
+          </p:cNvSpPr>
+          <p:nvPr>
+            <p:ph type="body" sz="quarter" idx="19"/>
+          </p:nvPr>
+        </p:nvSpPr>
+        <p:spPr/>
+        <p:txBody>
+          <a:bodyPr/>
+          <a:lstStyle/>
+          <a:p>
+            <a:endParaRPr lang="en-GB"/>
+          </a:p>
+        </p:txBody>
+      </p:sp>
+      <p:sp>
+        <p:nvSpPr>
+          <p:cNvPr id="5" name="Slide Number Placeholder 4"/>
+          <p:cNvSpPr>
+            <a:spLocks noGrp="1"/>
+          </p:cNvSpPr>
+          <p:nvPr>
+            <p:ph type="sldNum" sz="quarter" idx="4"/>
+          </p:nvPr>
+        </p:nvSpPr>
+        <p:spPr/>
+        <p:txBody>
+          <a:bodyPr/>
+          <a:lstStyle/>
+          <a:p>
+            <a:pPr>
+              <a:defRPr/>
+            </a:pPr>
+            <a:fld id="{9934078A-A4B1-1740-A467-EBA327F024F1}" type="slidenum">
+              <a:rPr lang="en-US" smtClean="0"/>
+              <a:pPr>
+                <a:defRPr/>
+              </a:pPr>
+              <a:t>3</a:t>
+            </a:fld>
+            <a:endParaRPr lang="en-US" dirty="0"/>
+          </a:p>
+        </p:txBody>
+      </p:sp>
+      <p:pic>
+        <p:nvPicPr>
+          <p:cNvPr id="11266" name="Picture 2" descr="db-gradprog-architecture-image.png"/>
+          <p:cNvPicPr>
+            <a:picLocks noChangeAspect="1" noChangeArrowheads="1"/>
+          </p:cNvPicPr>
+          <p:nvPr/>
+        </p:nvPicPr>
+        <p:blipFill>
+          <a:blip r:embed="rId2">
+            <a:extLst>
+              <a:ext uri="{28A0092B-C50C-407E-A947-70E740481C1C}">
+                <a14:useLocalDpi xmlns:a14="http://schemas.microsoft.com/office/drawing/2010/main" val="0"/>
+              </a:ext>
+            </a:extLst>
+          </a:blip>
+          <a:srcRect/>
+          <a:stretch>
+            <a:fillRect/>
+          </a:stretch>
+        </p:blipFill>
+        <p:spPr bwMode="auto">
+          <a:xfrm>
+            <a:off x="-398773" y="-163830"/>
+            <a:ext cx="10517546" cy="7269480"/>
+          </a:xfrm>
+          <a:prstGeom prst="rect">
+            <a:avLst/>
+          </a:prstGeom>
+          <a:noFill/>
+          <a:extLst>
+            <a:ext uri="{909E8E84-426E-40DD-AFC4-6F175D3DCCD1}">
+              <a14:hiddenFill xmlns:a14="http://schemas.microsoft.com/office/drawing/2010/main">
+                <a:solidFill>
+                  <a:srgbClr val="FFFFFF"/>
+                </a:solidFill>
+              </a14:hiddenFill>
+            </a:ext>
+          </a:extLst>
+        </p:spPr>
+      </p:pic>
+    </p:spTree>
+    <p:extLst>
+      <p:ext uri="{BB962C8B-B14F-4D97-AF65-F5344CB8AC3E}">
+        <p14:creationId xmlns:p14="http://schemas.microsoft.com/office/powerpoint/2010/main" val="1414627635"/>
+      </p:ext>
+    </p:extLst>
+  </p:cSld>
+  <p:clrMapOvr>
+    <a:masterClrMapping/>
+  </p:clrMapOvr>
+  <p:transition>
+    <p:wipe dir="r"/>
+  </p:transition>
+  <p:timing>
+    <p:tnLst>
+      <p:par>
+        <p:cTn id="1" dur="indefinite" restart="never" nodeType="tmRoot"/>
+      </p:par>
+    </p:tnLst>
+  </p:timing>
+</p:sld>
+</file>
+
+<file path=ppt/slides/slide5.xml><?xml version="1.0" encoding="utf-8"?>
+<p:sld xmlns:a="http://schemas.openxmlformats.org/drawingml/2006/main" xmlns:r="http://schemas.openxmlformats.org/officeDocument/2006/relationships" xmlns:p="http://schemas.openxmlformats.org/presentationml/2006/main">
+  <p:cSld>
+    <p:spTree>
+      <p:nvGrpSpPr>
+        <p:cNvPr id="1" name=""/>
+        <p:cNvGrpSpPr/>
+        <p:nvPr/>
+      </p:nvGrpSpPr>
+      <p:grpSpPr>
+        <a:xfrm>
+          <a:off x="0" y="0"/>
+          <a:ext cx="0" cy="0"/>
+          <a:chOff x="0" y="0"/>
+          <a:chExt cx="0" cy="0"/>
+        </a:xfrm>
+      </p:grpSpPr>
+      <p:sp>
+        <p:nvSpPr>
+          <p:cNvPr id="2" name="Title 1"/>
+          <p:cNvSpPr>
+            <a:spLocks noGrp="1"/>
+          </p:cNvSpPr>
+          <p:nvPr>
+            <p:ph type="title"/>
+          </p:nvPr>
+        </p:nvSpPr>
+        <p:spPr/>
+        <p:txBody>
+          <a:bodyPr/>
+          <a:lstStyle/>
+          <a:p>
+            <a:endParaRPr lang="en-GB"/>
+          </a:p>
+        </p:txBody>
+      </p:sp>
+      <p:sp>
+        <p:nvSpPr>
+          <p:cNvPr id="3" name="Text Placeholder 2"/>
+          <p:cNvSpPr>
+            <a:spLocks noGrp="1"/>
+          </p:cNvSpPr>
+          <p:nvPr>
+            <p:ph type="body" sz="quarter" idx="18"/>
+          </p:nvPr>
+        </p:nvSpPr>
+        <p:spPr/>
+        <p:txBody>
+          <a:bodyPr/>
+          <a:lstStyle/>
+          <a:p>
+            <a:endParaRPr lang="en-GB"/>
+          </a:p>
+        </p:txBody>
+      </p:sp>
+      <p:sp>
+        <p:nvSpPr>
+          <p:cNvPr id="4" name="Text Placeholder 3"/>
+          <p:cNvSpPr>
+            <a:spLocks noGrp="1"/>
+          </p:cNvSpPr>
+          <p:nvPr>
+            <p:ph type="body" sz="quarter" idx="19"/>
+          </p:nvPr>
+        </p:nvSpPr>
+        <p:spPr/>
+        <p:txBody>
+          <a:bodyPr/>
+          <a:lstStyle/>
+          <a:p>
+            <a:endParaRPr lang="en-GB"/>
+          </a:p>
+        </p:txBody>
+      </p:sp>
+      <p:sp>
+        <p:nvSpPr>
+          <p:cNvPr id="5" name="Slide Number Placeholder 4"/>
+          <p:cNvSpPr>
+            <a:spLocks noGrp="1"/>
+          </p:cNvSpPr>
+          <p:nvPr>
+            <p:ph type="sldNum" sz="quarter" idx="4"/>
+          </p:nvPr>
+        </p:nvSpPr>
+        <p:spPr/>
+        <p:txBody>
+          <a:bodyPr/>
+          <a:lstStyle/>
+          <a:p>
+            <a:pPr>
+              <a:defRPr/>
+            </a:pPr>
+            <a:fld id="{9934078A-A4B1-1740-A467-EBA327F024F1}" type="slidenum">
+              <a:rPr lang="en-US" smtClean="0"/>
+              <a:pPr>
+                <a:defRPr/>
+              </a:pPr>
+              <a:t>4</a:t>
+            </a:fld>
+            <a:endParaRPr lang="en-US" dirty="0"/>
+          </a:p>
+        </p:txBody>
+      </p:sp>
+      <p:pic>
+        <p:nvPicPr>
+          <p:cNvPr id="12290" name="Picture 2" descr="Image result for IT architecture ppt"/>
+          <p:cNvPicPr>
+            <a:picLocks noChangeAspect="1" noChangeArrowheads="1"/>
+          </p:cNvPicPr>
+          <p:nvPr/>
+        </p:nvPicPr>
+        <p:blipFill>
+          <a:blip r:embed="rId2">
+            <a:extLst>
+              <a:ext uri="{28A0092B-C50C-407E-A947-70E740481C1C}">
+                <a14:useLocalDpi xmlns:a14="http://schemas.microsoft.com/office/drawing/2010/main" val="0"/>
+              </a:ext>
+            </a:extLst>
+          </a:blip>
+          <a:srcRect/>
+          <a:stretch>
+            <a:fillRect/>
+          </a:stretch>
+        </p:blipFill>
+        <p:spPr bwMode="auto">
+          <a:xfrm>
+            <a:off x="1176881" y="2286001"/>
+            <a:ext cx="6979468" cy="3925952"/>
+          </a:xfrm>
+          <a:prstGeom prst="rect">
+            <a:avLst/>
+          </a:prstGeom>
+          <a:noFill/>
+          <a:extLst>
+            <a:ext uri="{909E8E84-426E-40DD-AFC4-6F175D3DCCD1}">
+              <a14:hiddenFill xmlns:a14="http://schemas.microsoft.com/office/drawing/2010/main">
+                <a:solidFill>
+                  <a:srgbClr val="FFFFFF"/>
+                </a:solidFill>
+              </a14:hiddenFill>
+            </a:ext>
+          </a:extLst>
+        </p:spPr>
+      </p:pic>
+    </p:spTree>
+    <p:extLst>
+      <p:ext uri="{BB962C8B-B14F-4D97-AF65-F5344CB8AC3E}">
+        <p14:creationId xmlns:p14="http://schemas.microsoft.com/office/powerpoint/2010/main" val="4004536644"/>
+      </p:ext>
+    </p:extLst>
+  </p:cSld>
+  <p:clrMapOvr>
+    <a:masterClrMapping/>
+  </p:clrMapOvr>
+  <p:transition>
+    <p:wipe dir="r"/>
+  </p:transition>
+  <p:timing>
+    <p:tnLst>
+      <p:par>
+        <p:cTn id="1" dur="indefinite" restart="never" nodeType="tmRoot"/>
+      </p:par>
+    </p:tnLst>
+  </p:timing>
+</p:sld>
+</file>
+
+<file path=ppt/slides/slide6.xml><?xml version="1.0" encoding="utf-8"?>
+<p:sld xmlns:a="http://schemas.openxmlformats.org/drawingml/2006/main" xmlns:r="http://schemas.openxmlformats.org/officeDocument/2006/relationships" xmlns:p="http://schemas.openxmlformats.org/presentationml/2006/main" show="0">
   <p:cSld>
     <p:spTree>
       <p:nvGrpSpPr>
@@ -27891,7 +30644,7 @@
             </a:pPr>
             <a:fld id="{9934078A-A4B1-1740-A467-EBA327F024F1}" type="slidenum">
               <a:rPr lang="en-US" smtClean="0"/>
-              <a:t>3</a:t>
+              <a:t>5</a:t>
             </a:fld>
             <a:endParaRPr lang="en-US" dirty="0"/>
           </a:p>
@@ -27906,7 +30659,7 @@
           <p:nvPr>
             <p:extLst>
               <p:ext uri="{D42A27DB-BD31-4B8C-83A1-F6EECF244321}">
-                <p14:modId xmlns:p14="http://schemas.microsoft.com/office/powerpoint/2010/main" val="1306592740"/>
+                <p14:modId xmlns:p14="http://schemas.microsoft.com/office/powerpoint/2010/main" val="3546995858"/>
               </p:ext>
             </p:extLst>
           </p:nvPr>
@@ -28038,7 +30791,7 @@
                     <a:p>
                       <a:r>
                         <a:rPr lang="en-GB" sz="1800" dirty="0" err="1" smtClean="0"/>
-                        <a:t>getCorrelation</a:t>
+                        <a:t>getCorrelationCounterparty</a:t>
                       </a:r>
                       <a:r>
                         <a:rPr lang="en-GB" sz="1800" dirty="0" smtClean="0"/>
@@ -28068,7 +30821,7 @@
           <p:nvPr>
             <p:extLst>
               <p:ext uri="{D42A27DB-BD31-4B8C-83A1-F6EECF244321}">
-                <p14:modId xmlns:p14="http://schemas.microsoft.com/office/powerpoint/2010/main" val="450256891"/>
+                <p14:modId xmlns:p14="http://schemas.microsoft.com/office/powerpoint/2010/main" val="3278092474"/>
               </p:ext>
             </p:extLst>
           </p:nvPr>
@@ -28169,12 +30922,13 @@
                       </a:pPr>
                       <a:r>
                         <a:rPr lang="en-GB" sz="1800" dirty="0" err="1" smtClean="0"/>
-                        <a:t>getCorrelation</a:t>
+                        <a:t>getCorrelationInstrument</a:t>
                       </a:r>
                       <a:r>
                         <a:rPr lang="en-GB" sz="1800" dirty="0" smtClean="0"/>
                         <a:t>()</a:t>
                       </a:r>
+                      <a:endParaRPr lang="en-GB" sz="1800" dirty="0" smtClean="0"/>
                     </a:p>
                   </a:txBody>
                   <a:tcPr/>
@@ -28647,8 +31401,8 @@
 </p:sld>
 </file>
 
-<file path=ppt/slides/slide5.xml><?xml version="1.0" encoding="utf-8"?>
-<p:sld xmlns:a="http://schemas.openxmlformats.org/drawingml/2006/main" xmlns:r="http://schemas.openxmlformats.org/officeDocument/2006/relationships" xmlns:p="http://schemas.openxmlformats.org/presentationml/2006/main">
+<file path=ppt/slides/slide7.xml><?xml version="1.0" encoding="utf-8"?>
+<p:sld xmlns:a="http://schemas.openxmlformats.org/drawingml/2006/main" xmlns:r="http://schemas.openxmlformats.org/officeDocument/2006/relationships" xmlns:p="http://schemas.openxmlformats.org/presentationml/2006/main" show="0">
   <p:cSld>
     <p:spTree>
       <p:nvGrpSpPr>
@@ -28725,7 +31479,7 @@
             </a:pPr>
             <a:fld id="{9934078A-A4B1-1740-A467-EBA327F024F1}" type="slidenum">
               <a:rPr lang="en-US" smtClean="0"/>
-              <a:t>4</a:t>
+              <a:t>6</a:t>
             </a:fld>
             <a:endParaRPr lang="en-US" dirty="0"/>
           </a:p>
@@ -29130,8 +31884,8 @@
 </p:sld>
 </file>
 
-<file path=ppt/slides/slide6.xml><?xml version="1.0" encoding="utf-8"?>
-<p:sld xmlns:a="http://schemas.openxmlformats.org/drawingml/2006/main" xmlns:r="http://schemas.openxmlformats.org/officeDocument/2006/relationships" xmlns:p="http://schemas.openxmlformats.org/presentationml/2006/main">
+<file path=ppt/slides/slide8.xml><?xml version="1.0" encoding="utf-8"?>
+<p:sld xmlns:a="http://schemas.openxmlformats.org/drawingml/2006/main" xmlns:r="http://schemas.openxmlformats.org/officeDocument/2006/relationships" xmlns:p="http://schemas.openxmlformats.org/presentationml/2006/main" show="0">
   <p:cSld>
     <p:spTree>
       <p:nvGrpSpPr>
@@ -29240,7 +31994,7 @@
             </a:pPr>
             <a:fld id="{9934078A-A4B1-1740-A467-EBA327F024F1}" type="slidenum">
               <a:rPr lang="en-US" smtClean="0"/>
-              <a:t>5</a:t>
+              <a:t>7</a:t>
             </a:fld>
             <a:endParaRPr lang="en-US" dirty="0"/>
           </a:p>
@@ -30078,8 +32832,8 @@
 </p:sld>
 </file>
 
-<file path=ppt/slides/slide7.xml><?xml version="1.0" encoding="utf-8"?>
-<p:sld xmlns:a="http://schemas.openxmlformats.org/drawingml/2006/main" xmlns:r="http://schemas.openxmlformats.org/officeDocument/2006/relationships" xmlns:p="http://schemas.openxmlformats.org/presentationml/2006/main">
+<file path=ppt/slides/slide9.xml><?xml version="1.0" encoding="utf-8"?>
+<p:sld xmlns:a="http://schemas.openxmlformats.org/drawingml/2006/main" xmlns:r="http://schemas.openxmlformats.org/officeDocument/2006/relationships" xmlns:p="http://schemas.openxmlformats.org/presentationml/2006/main" show="0">
   <p:cSld>
     <p:spTree>
       <p:nvGrpSpPr>
@@ -30159,7 +32913,7 @@
             </a:pPr>
             <a:fld id="{9934078A-A4B1-1740-A467-EBA327F024F1}" type="slidenum">
               <a:rPr lang="en-US" smtClean="0"/>
-              <a:t>6</a:t>
+              <a:t>8</a:t>
             </a:fld>
             <a:endParaRPr lang="en-US" dirty="0"/>
           </a:p>
@@ -30284,7 +33038,7 @@
           <a:graphicData uri="http://schemas.openxmlformats.org/presentationml/2006/ole">
             <mc:AlternateContent xmlns:mc="http://schemas.openxmlformats.org/markup-compatibility/2006">
               <mc:Choice xmlns:v="urn:schemas-microsoft-com:vml" Requires="v">
-                <p:oleObj spid="_x0000_s9230" name="Chart" r:id="rId3" imgW="9029700" imgH="4292600" progId="MSGraph.Chart.8">
+                <p:oleObj spid="_x0000_s9243" name="Chart" r:id="rId3" imgW="9029700" imgH="4292600" progId="MSGraph.Chart.8">
                   <p:embed followColorScheme="full"/>
                 </p:oleObj>
               </mc:Choice>
@@ -30317,7 +33071,7 @@
                       <a:noFill/>
                       <a:extLst>
                         <a:ext uri="{909E8E84-426E-40dd-AFC4-6F175D3DCCD1}">
-                          <a14:hiddenFill xmlns="" xmlns:a14="http://schemas.microsoft.com/office/drawing/2010/main">
+                          <a14:hiddenFill xmlns:a14="http://schemas.microsoft.com/office/drawing/2010/main" xmlns="">
                             <a:solidFill>
                               <a:srgbClr val="FFFFFF"/>
                             </a:solidFill>
@@ -30336,1024 +33090,6 @@
     <p:extLst>
       <p:ext uri="{BB962C8B-B14F-4D97-AF65-F5344CB8AC3E}">
         <p14:creationId xmlns:p14="http://schemas.microsoft.com/office/powerpoint/2010/main" val="3389100216"/>
-      </p:ext>
-    </p:extLst>
-  </p:cSld>
-  <p:clrMapOvr>
-    <a:masterClrMapping/>
-  </p:clrMapOvr>
-  <p:transition>
-    <p:wipe dir="r"/>
-  </p:transition>
-</p:sld>
-</file>
-
-<file path=ppt/slides/slide8.xml><?xml version="1.0" encoding="utf-8"?>
-<p:sld xmlns:a="http://schemas.openxmlformats.org/drawingml/2006/main" xmlns:r="http://schemas.openxmlformats.org/officeDocument/2006/relationships" xmlns:p="http://schemas.openxmlformats.org/presentationml/2006/main">
-  <p:cSld>
-    <p:spTree>
-      <p:nvGrpSpPr>
-        <p:cNvPr id="1" name=""/>
-        <p:cNvGrpSpPr/>
-        <p:nvPr/>
-      </p:nvGrpSpPr>
-      <p:grpSpPr>
-        <a:xfrm>
-          <a:off x="0" y="0"/>
-          <a:ext cx="0" cy="0"/>
-          <a:chOff x="0" y="0"/>
-          <a:chExt cx="0" cy="0"/>
-        </a:xfrm>
-      </p:grpSpPr>
-      <p:sp>
-        <p:nvSpPr>
-          <p:cNvPr id="2" name="Title 1"/>
-          <p:cNvSpPr>
-            <a:spLocks noGrp="1"/>
-          </p:cNvSpPr>
-          <p:nvPr>
-            <p:ph type="title"/>
-          </p:nvPr>
-        </p:nvSpPr>
-        <p:spPr/>
-        <p:txBody>
-          <a:bodyPr/>
-          <a:lstStyle/>
-          <a:p>
-            <a:r>
-              <a:rPr lang="en-US" dirty="0"/>
-              <a:t>Graph two column</a:t>
-            </a:r>
-          </a:p>
-        </p:txBody>
-      </p:sp>
-      <p:sp>
-        <p:nvSpPr>
-          <p:cNvPr id="3" name="Text Placeholder 2"/>
-          <p:cNvSpPr>
-            <a:spLocks noGrp="1"/>
-          </p:cNvSpPr>
-          <p:nvPr>
-            <p:ph type="body" sz="quarter" idx="18"/>
-          </p:nvPr>
-        </p:nvSpPr>
-        <p:spPr/>
-        <p:txBody>
-          <a:bodyPr/>
-          <a:lstStyle/>
-          <a:p>
-            <a:r>
-              <a:rPr lang="en-US" dirty="0"/>
-              <a:t>Graph title</a:t>
-            </a:r>
-          </a:p>
-        </p:txBody>
-      </p:sp>
-      <p:sp>
-        <p:nvSpPr>
-          <p:cNvPr id="4" name="Text Placeholder 3"/>
-          <p:cNvSpPr>
-            <a:spLocks noGrp="1"/>
-          </p:cNvSpPr>
-          <p:nvPr>
-            <p:ph type="body" sz="quarter" idx="19"/>
-          </p:nvPr>
-        </p:nvSpPr>
-        <p:spPr/>
-        <p:txBody>
-          <a:bodyPr/>
-          <a:lstStyle/>
-          <a:p>
-            <a:r>
-              <a:rPr lang="en-US" dirty="0"/>
-              <a:t>Graph title</a:t>
-            </a:r>
-          </a:p>
-        </p:txBody>
-      </p:sp>
-      <p:sp>
-        <p:nvSpPr>
-          <p:cNvPr id="5" name="Slide Number Placeholder 4"/>
-          <p:cNvSpPr>
-            <a:spLocks noGrp="1"/>
-          </p:cNvSpPr>
-          <p:nvPr>
-            <p:ph type="sldNum" sz="quarter" idx="4"/>
-          </p:nvPr>
-        </p:nvSpPr>
-        <p:spPr/>
-        <p:txBody>
-          <a:bodyPr/>
-          <a:lstStyle/>
-          <a:p>
-            <a:pPr>
-              <a:defRPr/>
-            </a:pPr>
-            <a:fld id="{9934078A-A4B1-1740-A467-EBA327F024F1}" type="slidenum">
-              <a:rPr lang="en-US" smtClean="0"/>
-              <a:t>7</a:t>
-            </a:fld>
-            <a:endParaRPr lang="en-US" dirty="0"/>
-          </a:p>
-        </p:txBody>
-      </p:sp>
-      <p:graphicFrame>
-        <p:nvGraphicFramePr>
-          <p:cNvPr id="6" name="Object 12"/>
-          <p:cNvGraphicFramePr>
-            <a:graphicFrameLocks noChangeAspect="1"/>
-          </p:cNvGraphicFramePr>
-          <p:nvPr>
-            <p:extLst>
-              <p:ext uri="{D42A27DB-BD31-4B8C-83A1-F6EECF244321}">
-                <p14:modId xmlns:p14="http://schemas.microsoft.com/office/powerpoint/2010/main" val="2697729483"/>
-              </p:ext>
-            </p:extLst>
-          </p:nvPr>
-        </p:nvGraphicFramePr>
-        <p:xfrm>
-          <a:off x="5205413" y="2151063"/>
-          <a:ext cx="4333875" cy="4314825"/>
-        </p:xfrm>
-        <a:graphic>
-          <a:graphicData uri="http://schemas.openxmlformats.org/presentationml/2006/ole">
-            <mc:AlternateContent xmlns:mc="http://schemas.openxmlformats.org/markup-compatibility/2006">
-              <mc:Choice xmlns:v="urn:schemas-microsoft-com:vml" Requires="v">
-                <p:oleObj spid="_x0000_s10266" name="Diagramm" r:id="rId3" imgW="4333850" imgH="4314668" progId="MSGraph.Chart.8">
-                  <p:embed followColorScheme="full"/>
-                </p:oleObj>
-              </mc:Choice>
-              <mc:Fallback>
-                <p:oleObj name="Diagramm" r:id="rId3" imgW="4333850" imgH="4314668" progId="MSGraph.Chart.8">
-                  <p:embed followColorScheme="full"/>
-                  <p:pic>
-                    <p:nvPicPr>
-                      <p:cNvPr id="0" name=""/>
-                      <p:cNvPicPr>
-                        <a:picLocks noChangeAspect="1" noChangeArrowheads="1"/>
-                      </p:cNvPicPr>
-                      <p:nvPr/>
-                    </p:nvPicPr>
-                    <p:blipFill>
-                      <a:blip r:embed="rId4">
-                        <a:extLst>
-                          <a:ext uri="{28A0092B-C50C-407E-A947-70E740481C1C}">
-                            <a14:useLocalDpi xmlns:a14="http://schemas.microsoft.com/office/drawing/2010/main" val="0"/>
-                          </a:ext>
-                        </a:extLst>
-                      </a:blip>
-                      <a:srcRect/>
-                      <a:stretch>
-                        <a:fillRect/>
-                      </a:stretch>
-                    </p:blipFill>
-                    <p:spPr bwMode="auto">
-                      <a:xfrm>
-                        <a:off x="5205413" y="2151063"/>
-                        <a:ext cx="4333875" cy="4314825"/>
-                      </a:xfrm>
-                      <a:prstGeom prst="rect">
-                        <a:avLst/>
-                      </a:prstGeom>
-                      <a:noFill/>
-                      <a:extLst>
-                        <a:ext uri="{909E8E84-426E-40dd-AFC4-6F175D3DCCD1}">
-                          <a14:hiddenFill xmlns="" xmlns:a14="http://schemas.microsoft.com/office/drawing/2010/main">
-                            <a:solidFill>
-                              <a:srgbClr val="FFFFFF"/>
-                            </a:solidFill>
-                          </a14:hiddenFill>
-                        </a:ext>
-                      </a:extLst>
-                    </p:spPr>
-                  </p:pic>
-                </p:oleObj>
-              </mc:Fallback>
-            </mc:AlternateContent>
-          </a:graphicData>
-        </a:graphic>
-      </p:graphicFrame>
-      <p:graphicFrame>
-        <p:nvGraphicFramePr>
-          <p:cNvPr id="7" name="Object 12"/>
-          <p:cNvGraphicFramePr>
-            <a:graphicFrameLocks noChangeAspect="1"/>
-          </p:cNvGraphicFramePr>
-          <p:nvPr>
-            <p:extLst>
-              <p:ext uri="{D42A27DB-BD31-4B8C-83A1-F6EECF244321}">
-                <p14:modId xmlns:p14="http://schemas.microsoft.com/office/powerpoint/2010/main" val="3675159821"/>
-              </p:ext>
-            </p:extLst>
-          </p:nvPr>
-        </p:nvGraphicFramePr>
-        <p:xfrm>
-          <a:off x="327151" y="2151063"/>
-          <a:ext cx="4333875" cy="4314825"/>
-        </p:xfrm>
-        <a:graphic>
-          <a:graphicData uri="http://schemas.openxmlformats.org/presentationml/2006/ole">
-            <mc:AlternateContent xmlns:mc="http://schemas.openxmlformats.org/markup-compatibility/2006">
-              <mc:Choice xmlns:v="urn:schemas-microsoft-com:vml" Requires="v">
-                <p:oleObj spid="_x0000_s10267" name="Diagramm" r:id="rId5" imgW="4333850" imgH="4314668" progId="MSGraph.Chart.8">
-                  <p:embed followColorScheme="full"/>
-                </p:oleObj>
-              </mc:Choice>
-              <mc:Fallback>
-                <p:oleObj name="Diagramm" r:id="rId5" imgW="4333850" imgH="4314668" progId="MSGraph.Chart.8">
-                  <p:embed followColorScheme="full"/>
-                  <p:pic>
-                    <p:nvPicPr>
-                      <p:cNvPr id="0" name=""/>
-                      <p:cNvPicPr>
-                        <a:picLocks noChangeAspect="1" noChangeArrowheads="1"/>
-                      </p:cNvPicPr>
-                      <p:nvPr/>
-                    </p:nvPicPr>
-                    <p:blipFill>
-                      <a:blip r:embed="rId4">
-                        <a:extLst>
-                          <a:ext uri="{28A0092B-C50C-407E-A947-70E740481C1C}">
-                            <a14:useLocalDpi xmlns:a14="http://schemas.microsoft.com/office/drawing/2010/main" val="0"/>
-                          </a:ext>
-                        </a:extLst>
-                      </a:blip>
-                      <a:srcRect/>
-                      <a:stretch>
-                        <a:fillRect/>
-                      </a:stretch>
-                    </p:blipFill>
-                    <p:spPr bwMode="auto">
-                      <a:xfrm>
-                        <a:off x="327151" y="2151063"/>
-                        <a:ext cx="4333875" cy="4314825"/>
-                      </a:xfrm>
-                      <a:prstGeom prst="rect">
-                        <a:avLst/>
-                      </a:prstGeom>
-                      <a:noFill/>
-                      <a:extLst>
-                        <a:ext uri="{909E8E84-426E-40dd-AFC4-6F175D3DCCD1}">
-                          <a14:hiddenFill xmlns="" xmlns:a14="http://schemas.microsoft.com/office/drawing/2010/main">
-                            <a:solidFill>
-                              <a:srgbClr val="FFFFFF"/>
-                            </a:solidFill>
-                          </a14:hiddenFill>
-                        </a:ext>
-                      </a:extLst>
-                    </p:spPr>
-                  </p:pic>
-                </p:oleObj>
-              </mc:Fallback>
-            </mc:AlternateContent>
-          </a:graphicData>
-        </a:graphic>
-      </p:graphicFrame>
-    </p:spTree>
-    <p:extLst>
-      <p:ext uri="{BB962C8B-B14F-4D97-AF65-F5344CB8AC3E}">
-        <p14:creationId xmlns:p14="http://schemas.microsoft.com/office/powerpoint/2010/main" val="2305520135"/>
-      </p:ext>
-    </p:extLst>
-  </p:cSld>
-  <p:clrMapOvr>
-    <a:masterClrMapping/>
-  </p:clrMapOvr>
-  <p:transition>
-    <p:wipe dir="r"/>
-  </p:transition>
-</p:sld>
-</file>
-
-<file path=ppt/slides/slide9.xml><?xml version="1.0" encoding="utf-8"?>
-<p:sld xmlns:a="http://schemas.openxmlformats.org/drawingml/2006/main" xmlns:r="http://schemas.openxmlformats.org/officeDocument/2006/relationships" xmlns:p="http://schemas.openxmlformats.org/presentationml/2006/main">
-  <p:cSld>
-    <p:spTree>
-      <p:nvGrpSpPr>
-        <p:cNvPr id="1" name=""/>
-        <p:cNvGrpSpPr/>
-        <p:nvPr/>
-      </p:nvGrpSpPr>
-      <p:grpSpPr>
-        <a:xfrm>
-          <a:off x="0" y="0"/>
-          <a:ext cx="0" cy="0"/>
-          <a:chOff x="0" y="0"/>
-          <a:chExt cx="0" cy="0"/>
-        </a:xfrm>
-      </p:grpSpPr>
-      <p:sp>
-        <p:nvSpPr>
-          <p:cNvPr id="3" name="Title 2"/>
-          <p:cNvSpPr>
-            <a:spLocks noGrp="1"/>
-          </p:cNvSpPr>
-          <p:nvPr>
-            <p:ph type="title"/>
-          </p:nvPr>
-        </p:nvSpPr>
-        <p:spPr/>
-        <p:txBody>
-          <a:bodyPr/>
-          <a:lstStyle/>
-          <a:p>
-            <a:r>
-              <a:rPr lang="en-US" dirty="0" err="1"/>
-              <a:t>Organisation</a:t>
-            </a:r>
-            <a:r>
-              <a:rPr lang="en-US" dirty="0"/>
-              <a:t> Chart</a:t>
-            </a:r>
-          </a:p>
-        </p:txBody>
-      </p:sp>
-      <p:sp>
-        <p:nvSpPr>
-          <p:cNvPr id="5" name="Slide Number Placeholder 4"/>
-          <p:cNvSpPr>
-            <a:spLocks noGrp="1"/>
-          </p:cNvSpPr>
-          <p:nvPr>
-            <p:ph type="sldNum" sz="quarter" idx="4"/>
-          </p:nvPr>
-        </p:nvSpPr>
-        <p:spPr/>
-        <p:txBody>
-          <a:bodyPr/>
-          <a:lstStyle/>
-          <a:p>
-            <a:pPr>
-              <a:defRPr/>
-            </a:pPr>
-            <a:fld id="{9934078A-A4B1-1740-A467-EBA327F024F1}" type="slidenum">
-              <a:rPr lang="en-US" smtClean="0"/>
-              <a:t>8</a:t>
-            </a:fld>
-            <a:endParaRPr lang="en-US" dirty="0"/>
-          </a:p>
-        </p:txBody>
-      </p:sp>
-      <p:cxnSp>
-        <p:nvCxnSpPr>
-          <p:cNvPr id="6" name="AutoShape 3"/>
-          <p:cNvCxnSpPr>
-            <a:cxnSpLocks noChangeShapeType="1"/>
-            <a:stCxn id="12" idx="2"/>
-            <a:endCxn id="15" idx="0"/>
-          </p:cNvCxnSpPr>
-          <p:nvPr/>
-        </p:nvCxnSpPr>
-        <p:spPr bwMode="blackWhite">
-          <a:xfrm rot="5400000">
-            <a:off x="4774406" y="4099719"/>
-            <a:ext cx="530225" cy="1588"/>
-          </a:xfrm>
-          <a:prstGeom prst="straightConnector1">
-            <a:avLst/>
-          </a:prstGeom>
-          <a:noFill/>
-          <a:ln w="12700">
-            <a:solidFill>
-              <a:srgbClr val="000000"/>
-            </a:solidFill>
-            <a:round/>
-            <a:headEnd/>
-            <a:tailEnd/>
-          </a:ln>
-        </p:spPr>
-      </p:cxnSp>
-      <p:cxnSp>
-        <p:nvCxnSpPr>
-          <p:cNvPr id="7" name="AutoShape 4"/>
-          <p:cNvCxnSpPr>
-            <a:cxnSpLocks noChangeShapeType="1"/>
-            <a:stCxn id="11" idx="2"/>
-            <a:endCxn id="13" idx="0"/>
-          </p:cNvCxnSpPr>
-          <p:nvPr/>
-        </p:nvCxnSpPr>
-        <p:spPr bwMode="blackWhite">
-          <a:xfrm rot="5400000">
-            <a:off x="3092450" y="1100138"/>
-            <a:ext cx="530225" cy="3365500"/>
-          </a:xfrm>
-          <a:prstGeom prst="bentConnector3">
-            <a:avLst>
-              <a:gd name="adj1" fmla="val 50000"/>
-            </a:avLst>
-          </a:prstGeom>
-          <a:noFill/>
-          <a:ln w="12700">
-            <a:solidFill>
-              <a:srgbClr val="000000"/>
-            </a:solidFill>
-            <a:miter lim="800000"/>
-            <a:headEnd/>
-            <a:tailEnd/>
-          </a:ln>
-        </p:spPr>
-      </p:cxnSp>
-      <p:cxnSp>
-        <p:nvCxnSpPr>
-          <p:cNvPr id="8" name="AutoShape 5"/>
-          <p:cNvCxnSpPr>
-            <a:cxnSpLocks noChangeShapeType="1"/>
-            <a:stCxn id="11" idx="2"/>
-            <a:endCxn id="12" idx="0"/>
-          </p:cNvCxnSpPr>
-          <p:nvPr/>
-        </p:nvCxnSpPr>
-        <p:spPr bwMode="blackWhite">
-          <a:xfrm rot="5400000">
-            <a:off x="4774406" y="2782094"/>
-            <a:ext cx="530225" cy="1588"/>
-          </a:xfrm>
-          <a:prstGeom prst="straightConnector1">
-            <a:avLst/>
-          </a:prstGeom>
-          <a:noFill/>
-          <a:ln w="12700">
-            <a:solidFill>
-              <a:srgbClr val="000000"/>
-            </a:solidFill>
-            <a:round/>
-            <a:headEnd/>
-            <a:tailEnd/>
-          </a:ln>
-        </p:spPr>
-      </p:cxnSp>
-      <p:cxnSp>
-        <p:nvCxnSpPr>
-          <p:cNvPr id="9" name="AutoShape 6"/>
-          <p:cNvCxnSpPr>
-            <a:cxnSpLocks noChangeShapeType="1"/>
-            <a:stCxn id="11" idx="2"/>
-            <a:endCxn id="14" idx="0"/>
-          </p:cNvCxnSpPr>
-          <p:nvPr/>
-        </p:nvCxnSpPr>
-        <p:spPr bwMode="blackWhite">
-          <a:xfrm rot="16200000" flipH="1">
-            <a:off x="6457156" y="1100932"/>
-            <a:ext cx="530225" cy="3363912"/>
-          </a:xfrm>
-          <a:prstGeom prst="bentConnector3">
-            <a:avLst>
-              <a:gd name="adj1" fmla="val 50000"/>
-            </a:avLst>
-          </a:prstGeom>
-          <a:noFill/>
-          <a:ln w="12700">
-            <a:solidFill>
-              <a:srgbClr val="000000"/>
-            </a:solidFill>
-            <a:miter lim="800000"/>
-            <a:headEnd/>
-            <a:tailEnd/>
-          </a:ln>
-        </p:spPr>
-      </p:cxnSp>
-      <p:cxnSp>
-        <p:nvCxnSpPr>
-          <p:cNvPr id="10" name="AutoShape 7"/>
-          <p:cNvCxnSpPr>
-            <a:cxnSpLocks noChangeShapeType="1"/>
-            <a:stCxn id="12" idx="2"/>
-            <a:endCxn id="17" idx="0"/>
-          </p:cNvCxnSpPr>
-          <p:nvPr/>
-        </p:nvCxnSpPr>
-        <p:spPr bwMode="blackWhite">
-          <a:xfrm rot="16200000" flipH="1">
-            <a:off x="6457156" y="2418557"/>
-            <a:ext cx="530225" cy="3363912"/>
-          </a:xfrm>
-          <a:prstGeom prst="bentConnector3">
-            <a:avLst>
-              <a:gd name="adj1" fmla="val 50000"/>
-            </a:avLst>
-          </a:prstGeom>
-          <a:noFill/>
-          <a:ln w="12700">
-            <a:solidFill>
-              <a:srgbClr val="000000"/>
-            </a:solidFill>
-            <a:miter lim="800000"/>
-            <a:headEnd/>
-            <a:tailEnd/>
-          </a:ln>
-        </p:spPr>
-      </p:cxnSp>
-      <p:sp>
-        <p:nvSpPr>
-          <p:cNvPr id="11" name="Text Box 8"/>
-          <p:cNvSpPr txBox="1">
-            <a:spLocks noChangeArrowheads="1"/>
-          </p:cNvSpPr>
-          <p:nvPr/>
-        </p:nvSpPr>
-        <p:spPr bwMode="ltGray">
-          <a:xfrm>
-            <a:off x="3903663" y="1730375"/>
-            <a:ext cx="2273300" cy="787400"/>
-          </a:xfrm>
-          <a:prstGeom prst="rect">
-            <a:avLst/>
-          </a:prstGeom>
-          <a:solidFill>
-            <a:schemeClr val="accent1"/>
-          </a:solidFill>
-          <a:ln w="6350">
-            <a:noFill/>
-            <a:miter lim="800000"/>
-            <a:headEnd/>
-            <a:tailEnd/>
-          </a:ln>
-        </p:spPr>
-        <p:txBody>
-          <a:bodyPr lIns="100913" tIns="50457" rIns="100913" bIns="50457" anchor="ctr"/>
-          <a:lstStyle/>
-          <a:p>
-            <a:pPr algn="ctr" eaLnBrk="0" hangingPunct="0">
-              <a:defRPr/>
-            </a:pPr>
-            <a:r>
-              <a:rPr lang="en-US">
-                <a:solidFill>
-                  <a:srgbClr val="FFFFFF"/>
-                </a:solidFill>
-                <a:latin typeface="+mn-lt"/>
-                <a:cs typeface="Deutsche Bank Text"/>
-              </a:rPr>
-              <a:t>Type text here</a:t>
-            </a:r>
-          </a:p>
-        </p:txBody>
-      </p:sp>
-      <p:sp>
-        <p:nvSpPr>
-          <p:cNvPr id="12" name="Text Box 9"/>
-          <p:cNvSpPr txBox="1">
-            <a:spLocks noChangeArrowheads="1"/>
-          </p:cNvSpPr>
-          <p:nvPr/>
-        </p:nvSpPr>
-        <p:spPr bwMode="ltGray">
-          <a:xfrm>
-            <a:off x="3903663" y="3048000"/>
-            <a:ext cx="2273300" cy="787400"/>
-          </a:xfrm>
-          <a:prstGeom prst="rect">
-            <a:avLst/>
-          </a:prstGeom>
-          <a:solidFill>
-            <a:schemeClr val="accent2"/>
-          </a:solidFill>
-          <a:ln w="6350">
-            <a:noFill/>
-            <a:miter lim="800000"/>
-            <a:headEnd/>
-            <a:tailEnd/>
-          </a:ln>
-        </p:spPr>
-        <p:txBody>
-          <a:bodyPr lIns="100913" tIns="50457" rIns="100913" bIns="50457" anchor="ctr"/>
-          <a:lstStyle/>
-          <a:p>
-            <a:pPr algn="ctr" eaLnBrk="0" hangingPunct="0">
-              <a:defRPr/>
-            </a:pPr>
-            <a:r>
-              <a:rPr lang="en-US">
-                <a:solidFill>
-                  <a:srgbClr val="FFFFFF"/>
-                </a:solidFill>
-                <a:latin typeface="+mn-lt"/>
-                <a:cs typeface="Deutsche Bank Text"/>
-              </a:rPr>
-              <a:t>Type text here</a:t>
-            </a:r>
-          </a:p>
-        </p:txBody>
-      </p:sp>
-      <p:sp>
-        <p:nvSpPr>
-          <p:cNvPr id="13" name="Text Box 10"/>
-          <p:cNvSpPr txBox="1">
-            <a:spLocks noChangeArrowheads="1"/>
-          </p:cNvSpPr>
-          <p:nvPr/>
-        </p:nvSpPr>
-        <p:spPr bwMode="ltGray">
-          <a:xfrm>
-            <a:off x="538163" y="3048000"/>
-            <a:ext cx="2273300" cy="787400"/>
-          </a:xfrm>
-          <a:prstGeom prst="rect">
-            <a:avLst/>
-          </a:prstGeom>
-          <a:solidFill>
-            <a:schemeClr val="accent2"/>
-          </a:solidFill>
-          <a:ln w="6350">
-            <a:noFill/>
-            <a:miter lim="800000"/>
-            <a:headEnd/>
-            <a:tailEnd/>
-          </a:ln>
-        </p:spPr>
-        <p:txBody>
-          <a:bodyPr lIns="100913" tIns="50457" rIns="100913" bIns="50457" anchor="ctr"/>
-          <a:lstStyle/>
-          <a:p>
-            <a:pPr algn="ctr" eaLnBrk="0" hangingPunct="0">
-              <a:defRPr/>
-            </a:pPr>
-            <a:r>
-              <a:rPr lang="en-US" dirty="0">
-                <a:solidFill>
-                  <a:srgbClr val="FFFFFF"/>
-                </a:solidFill>
-                <a:latin typeface="+mn-lt"/>
-                <a:cs typeface="Deutsche Bank Text"/>
-              </a:rPr>
-              <a:t>Type text here</a:t>
-            </a:r>
-          </a:p>
-        </p:txBody>
-      </p:sp>
-      <p:sp>
-        <p:nvSpPr>
-          <p:cNvPr id="14" name="Text Box 11"/>
-          <p:cNvSpPr txBox="1">
-            <a:spLocks noChangeArrowheads="1"/>
-          </p:cNvSpPr>
-          <p:nvPr/>
-        </p:nvSpPr>
-        <p:spPr bwMode="ltGray">
-          <a:xfrm>
-            <a:off x="7267575" y="3048000"/>
-            <a:ext cx="2273300" cy="787400"/>
-          </a:xfrm>
-          <a:prstGeom prst="rect">
-            <a:avLst/>
-          </a:prstGeom>
-          <a:solidFill>
-            <a:schemeClr val="accent2"/>
-          </a:solidFill>
-          <a:ln w="6350">
-            <a:noFill/>
-            <a:miter lim="800000"/>
-            <a:headEnd/>
-            <a:tailEnd/>
-          </a:ln>
-        </p:spPr>
-        <p:txBody>
-          <a:bodyPr lIns="100913" tIns="50457" rIns="100913" bIns="50457" anchor="ctr"/>
-          <a:lstStyle/>
-          <a:p>
-            <a:pPr algn="ctr" eaLnBrk="0" hangingPunct="0">
-              <a:defRPr/>
-            </a:pPr>
-            <a:r>
-              <a:rPr lang="en-US">
-                <a:solidFill>
-                  <a:srgbClr val="FFFFFF"/>
-                </a:solidFill>
-                <a:latin typeface="+mn-lt"/>
-                <a:cs typeface="Deutsche Bank Text"/>
-              </a:rPr>
-              <a:t>Type text here</a:t>
-            </a:r>
-          </a:p>
-        </p:txBody>
-      </p:sp>
-      <p:sp>
-        <p:nvSpPr>
-          <p:cNvPr id="15" name="Text Box 12"/>
-          <p:cNvSpPr txBox="1">
-            <a:spLocks noChangeArrowheads="1"/>
-          </p:cNvSpPr>
-          <p:nvPr/>
-        </p:nvSpPr>
-        <p:spPr bwMode="ltGray">
-          <a:xfrm>
-            <a:off x="3903663" y="4365625"/>
-            <a:ext cx="2273300" cy="787400"/>
-          </a:xfrm>
-          <a:prstGeom prst="rect">
-            <a:avLst/>
-          </a:prstGeom>
-          <a:solidFill>
-            <a:schemeClr val="accent5"/>
-          </a:solidFill>
-          <a:ln w="6350">
-            <a:noFill/>
-            <a:miter lim="800000"/>
-            <a:headEnd/>
-            <a:tailEnd/>
-          </a:ln>
-        </p:spPr>
-        <p:txBody>
-          <a:bodyPr lIns="100913" tIns="50457" rIns="100913" bIns="50457" anchor="ctr"/>
-          <a:lstStyle/>
-          <a:p>
-            <a:pPr algn="ctr" eaLnBrk="0" hangingPunct="0">
-              <a:defRPr/>
-            </a:pPr>
-            <a:r>
-              <a:rPr lang="en-US">
-                <a:solidFill>
-                  <a:srgbClr val="FFFFFF"/>
-                </a:solidFill>
-                <a:latin typeface="+mn-lt"/>
-                <a:cs typeface="Deutsche Bank Text"/>
-              </a:rPr>
-              <a:t>Type text here</a:t>
-            </a:r>
-          </a:p>
-        </p:txBody>
-      </p:sp>
-      <p:sp>
-        <p:nvSpPr>
-          <p:cNvPr id="16" name="Text Box 13"/>
-          <p:cNvSpPr txBox="1">
-            <a:spLocks noChangeArrowheads="1"/>
-          </p:cNvSpPr>
-          <p:nvPr/>
-        </p:nvSpPr>
-        <p:spPr bwMode="ltGray">
-          <a:xfrm>
-            <a:off x="538163" y="4365625"/>
-            <a:ext cx="2273300" cy="787400"/>
-          </a:xfrm>
-          <a:prstGeom prst="rect">
-            <a:avLst/>
-          </a:prstGeom>
-          <a:solidFill>
-            <a:schemeClr val="accent5"/>
-          </a:solidFill>
-          <a:ln w="6350">
-            <a:noFill/>
-            <a:miter lim="800000"/>
-            <a:headEnd/>
-            <a:tailEnd/>
-          </a:ln>
-        </p:spPr>
-        <p:txBody>
-          <a:bodyPr lIns="100913" tIns="50457" rIns="100913" bIns="50457" anchor="ctr"/>
-          <a:lstStyle/>
-          <a:p>
-            <a:pPr algn="ctr" eaLnBrk="0" hangingPunct="0">
-              <a:defRPr/>
-            </a:pPr>
-            <a:r>
-              <a:rPr lang="en-US">
-                <a:solidFill>
-                  <a:srgbClr val="FFFFFF"/>
-                </a:solidFill>
-                <a:latin typeface="+mn-lt"/>
-                <a:cs typeface="Deutsche Bank Text"/>
-              </a:rPr>
-              <a:t>Type text here</a:t>
-            </a:r>
-          </a:p>
-        </p:txBody>
-      </p:sp>
-      <p:sp>
-        <p:nvSpPr>
-          <p:cNvPr id="17" name="Text Box 14"/>
-          <p:cNvSpPr txBox="1">
-            <a:spLocks noChangeArrowheads="1"/>
-          </p:cNvSpPr>
-          <p:nvPr/>
-        </p:nvSpPr>
-        <p:spPr bwMode="ltGray">
-          <a:xfrm>
-            <a:off x="7267575" y="4365625"/>
-            <a:ext cx="2273300" cy="787400"/>
-          </a:xfrm>
-          <a:prstGeom prst="rect">
-            <a:avLst/>
-          </a:prstGeom>
-          <a:solidFill>
-            <a:schemeClr val="accent5"/>
-          </a:solidFill>
-          <a:ln w="6350">
-            <a:noFill/>
-            <a:miter lim="800000"/>
-            <a:headEnd/>
-            <a:tailEnd/>
-          </a:ln>
-        </p:spPr>
-        <p:txBody>
-          <a:bodyPr lIns="100913" tIns="50457" rIns="100913" bIns="50457" anchor="ctr"/>
-          <a:lstStyle/>
-          <a:p>
-            <a:pPr algn="ctr" eaLnBrk="0" hangingPunct="0">
-              <a:defRPr/>
-            </a:pPr>
-            <a:r>
-              <a:rPr lang="en-US">
-                <a:solidFill>
-                  <a:srgbClr val="FFFFFF"/>
-                </a:solidFill>
-                <a:latin typeface="+mn-lt"/>
-                <a:cs typeface="Deutsche Bank Text"/>
-              </a:rPr>
-              <a:t>Type text here</a:t>
-            </a:r>
-          </a:p>
-        </p:txBody>
-      </p:sp>
-      <p:sp>
-        <p:nvSpPr>
-          <p:cNvPr id="18" name="Text Box 16"/>
-          <p:cNvSpPr txBox="1">
-            <a:spLocks noChangeArrowheads="1"/>
-          </p:cNvSpPr>
-          <p:nvPr/>
-        </p:nvSpPr>
-        <p:spPr bwMode="ltGray">
-          <a:xfrm>
-            <a:off x="2220913" y="5683250"/>
-            <a:ext cx="2273300" cy="787400"/>
-          </a:xfrm>
-          <a:prstGeom prst="rect">
-            <a:avLst/>
-          </a:prstGeom>
-          <a:solidFill>
-            <a:schemeClr val="bg2"/>
-          </a:solidFill>
-          <a:ln w="6350">
-            <a:noFill/>
-            <a:miter lim="800000"/>
-            <a:headEnd/>
-            <a:tailEnd/>
-          </a:ln>
-        </p:spPr>
-        <p:txBody>
-          <a:bodyPr lIns="100913" tIns="50457" rIns="100913" bIns="50457" anchor="ctr"/>
-          <a:lstStyle/>
-          <a:p>
-            <a:pPr algn="ctr" eaLnBrk="0" hangingPunct="0">
-              <a:defRPr/>
-            </a:pPr>
-            <a:r>
-              <a:rPr lang="en-US">
-                <a:solidFill>
-                  <a:srgbClr val="113557"/>
-                </a:solidFill>
-                <a:latin typeface="+mn-lt"/>
-                <a:cs typeface="Deutsche Bank Text"/>
-              </a:rPr>
-              <a:t>Type text here</a:t>
-            </a:r>
-          </a:p>
-        </p:txBody>
-      </p:sp>
-      <p:sp>
-        <p:nvSpPr>
-          <p:cNvPr id="19" name="Text Box 17"/>
-          <p:cNvSpPr txBox="1">
-            <a:spLocks noChangeArrowheads="1"/>
-          </p:cNvSpPr>
-          <p:nvPr/>
-        </p:nvSpPr>
-        <p:spPr bwMode="ltGray">
-          <a:xfrm>
-            <a:off x="5584825" y="5683250"/>
-            <a:ext cx="2273300" cy="787400"/>
-          </a:xfrm>
-          <a:prstGeom prst="rect">
-            <a:avLst/>
-          </a:prstGeom>
-          <a:solidFill>
-            <a:schemeClr val="tx2"/>
-          </a:solidFill>
-          <a:ln w="6350">
-            <a:noFill/>
-            <a:miter lim="800000"/>
-            <a:headEnd/>
-            <a:tailEnd/>
-          </a:ln>
-        </p:spPr>
-        <p:txBody>
-          <a:bodyPr lIns="100913" tIns="50457" rIns="100913" bIns="50457" anchor="ctr"/>
-          <a:lstStyle/>
-          <a:p>
-            <a:pPr algn="ctr" eaLnBrk="0" hangingPunct="0">
-              <a:defRPr/>
-            </a:pPr>
-            <a:r>
-              <a:rPr lang="en-US">
-                <a:solidFill>
-                  <a:srgbClr val="113557"/>
-                </a:solidFill>
-                <a:latin typeface="+mn-lt"/>
-                <a:cs typeface="Deutsche Bank Text"/>
-              </a:rPr>
-              <a:t>Type text here</a:t>
-            </a:r>
-          </a:p>
-        </p:txBody>
-      </p:sp>
-      <p:cxnSp>
-        <p:nvCxnSpPr>
-          <p:cNvPr id="20" name="AutoShape 18"/>
-          <p:cNvCxnSpPr>
-            <a:cxnSpLocks noChangeShapeType="1"/>
-            <a:stCxn id="15" idx="2"/>
-            <a:endCxn id="18" idx="0"/>
-          </p:cNvCxnSpPr>
-          <p:nvPr/>
-        </p:nvCxnSpPr>
-        <p:spPr bwMode="blackWhite">
-          <a:xfrm rot="5400000">
-            <a:off x="3933825" y="4576763"/>
-            <a:ext cx="530225" cy="1682750"/>
-          </a:xfrm>
-          <a:prstGeom prst="bentConnector3">
-            <a:avLst>
-              <a:gd name="adj1" fmla="val 50000"/>
-            </a:avLst>
-          </a:prstGeom>
-          <a:noFill/>
-          <a:ln w="12700">
-            <a:solidFill>
-              <a:srgbClr val="000000"/>
-            </a:solidFill>
-            <a:miter lim="800000"/>
-            <a:headEnd/>
-            <a:tailEnd/>
-          </a:ln>
-        </p:spPr>
-      </p:cxnSp>
-      <p:cxnSp>
-        <p:nvCxnSpPr>
-          <p:cNvPr id="21" name="AutoShape 19"/>
-          <p:cNvCxnSpPr>
-            <a:cxnSpLocks noChangeShapeType="1"/>
-            <a:stCxn id="15" idx="2"/>
-            <a:endCxn id="19" idx="0"/>
-          </p:cNvCxnSpPr>
-          <p:nvPr/>
-        </p:nvCxnSpPr>
-        <p:spPr bwMode="blackWhite">
-          <a:xfrm rot="16200000" flipH="1">
-            <a:off x="5615781" y="4577557"/>
-            <a:ext cx="530225" cy="1681162"/>
-          </a:xfrm>
-          <a:prstGeom prst="bentConnector3">
-            <a:avLst>
-              <a:gd name="adj1" fmla="val 50000"/>
-            </a:avLst>
-          </a:prstGeom>
-          <a:noFill/>
-          <a:ln w="12700">
-            <a:solidFill>
-              <a:srgbClr val="000000"/>
-            </a:solidFill>
-            <a:miter lim="800000"/>
-            <a:headEnd/>
-            <a:tailEnd/>
-          </a:ln>
-        </p:spPr>
-      </p:cxnSp>
-      <p:cxnSp>
-        <p:nvCxnSpPr>
-          <p:cNvPr id="22" name="AutoShape 20"/>
-          <p:cNvCxnSpPr>
-            <a:cxnSpLocks noChangeShapeType="1"/>
-            <a:stCxn id="13" idx="2"/>
-            <a:endCxn id="16" idx="0"/>
-          </p:cNvCxnSpPr>
-          <p:nvPr/>
-        </p:nvCxnSpPr>
-        <p:spPr bwMode="blackWhite">
-          <a:xfrm rot="5400000">
-            <a:off x="1410494" y="4099719"/>
-            <a:ext cx="530225" cy="1587"/>
-          </a:xfrm>
-          <a:prstGeom prst="straightConnector1">
-            <a:avLst/>
-          </a:prstGeom>
-          <a:noFill/>
-          <a:ln w="12700">
-            <a:solidFill>
-              <a:srgbClr val="000000"/>
-            </a:solidFill>
-            <a:round/>
-            <a:headEnd/>
-            <a:tailEnd/>
-          </a:ln>
-        </p:spPr>
-      </p:cxnSp>
-    </p:spTree>
-    <p:extLst>
-      <p:ext uri="{BB962C8B-B14F-4D97-AF65-F5344CB8AC3E}">
-        <p14:creationId xmlns:p14="http://schemas.microsoft.com/office/powerpoint/2010/main" val="383374242"/>
       </p:ext>
     </p:extLst>
   </p:cSld>

--- a/business/C11_FinalPresentation.pptx
+++ b/business/C11_FinalPresentation.pptx
@@ -27732,7 +27732,7 @@
           <a:graphicData uri="http://schemas.openxmlformats.org/presentationml/2006/ole">
             <mc:AlternateContent xmlns:mc="http://schemas.openxmlformats.org/markup-compatibility/2006">
               <mc:Choice xmlns:v="urn:schemas-microsoft-com:vml" Requires="v">
-                <p:oleObj spid="_x0000_s10292" name="Diagramm" r:id="rId3" imgW="4333850" imgH="4314668" progId="MSGraph.Chart.8">
+                <p:oleObj spid="_x0000_s10300" name="Diagramm" r:id="rId3" imgW="4333850" imgH="4314668" progId="MSGraph.Chart.8">
                   <p:embed followColorScheme="full"/>
                 </p:oleObj>
               </mc:Choice>
@@ -27771,7 +27771,7 @@
                       <a:noFill/>
                       <a:extLst>
                         <a:ext uri="{909E8E84-426E-40dd-AFC4-6F175D3DCCD1}">
-                          <a14:hiddenFill xmlns:a14="http://schemas.microsoft.com/office/drawing/2010/main" xmlns="">
+                          <a14:hiddenFill xmlns="" xmlns:a14="http://schemas.microsoft.com/office/drawing/2010/main">
                             <a:solidFill>
                               <a:srgbClr val="FFFFFF"/>
                             </a:solidFill>
@@ -27808,7 +27808,7 @@
           <a:graphicData uri="http://schemas.openxmlformats.org/presentationml/2006/ole">
             <mc:AlternateContent xmlns:mc="http://schemas.openxmlformats.org/markup-compatibility/2006">
               <mc:Choice xmlns:v="urn:schemas-microsoft-com:vml" Requires="v">
-                <p:oleObj spid="_x0000_s10293" name="Diagramm" r:id="rId5" imgW="4333850" imgH="4314668" progId="MSGraph.Chart.8">
+                <p:oleObj spid="_x0000_s10301" name="Diagramm" r:id="rId5" imgW="4333850" imgH="4314668" progId="MSGraph.Chart.8">
                   <p:embed followColorScheme="full"/>
                 </p:oleObj>
               </mc:Choice>
@@ -27847,7 +27847,7 @@
                       <a:noFill/>
                       <a:extLst>
                         <a:ext uri="{909E8E84-426E-40dd-AFC4-6F175D3DCCD1}">
-                          <a14:hiddenFill xmlns:a14="http://schemas.microsoft.com/office/drawing/2010/main" xmlns="">
+                          <a14:hiddenFill xmlns="" xmlns:a14="http://schemas.microsoft.com/office/drawing/2010/main">
                             <a:solidFill>
                               <a:srgbClr val="FFFFFF"/>
                             </a:solidFill>
@@ -28854,9 +28854,6 @@
               </a:rPr>
               <a:t>Software Engineer - Backend</a:t>
             </a:r>
-            <a:endParaRPr lang="en-GB" sz="1400" i="1" dirty="0" smtClean="0">
-              <a:latin typeface="Garamond" panose="02020404030301010803" pitchFamily="18" charset="0"/>
-            </a:endParaRPr>
           </a:p>
         </p:txBody>
       </p:sp>
@@ -29064,7 +29061,7 @@
               <a:rPr lang="en-GB" b="1" dirty="0" err="1" smtClean="0">
                 <a:latin typeface="Garamond" panose="02020404030301010803" pitchFamily="18" charset="0"/>
               </a:rPr>
-              <a:t>Gruen</a:t>
+              <a:t>Grün</a:t>
             </a:r>
             <a:endParaRPr lang="en-GB" b="1" dirty="0" smtClean="0">
               <a:latin typeface="Garamond" panose="02020404030301010803" pitchFamily="18" charset="0"/>
@@ -29076,8 +29073,17 @@
               <a:rPr lang="en-GB" sz="1400" i="1" dirty="0" smtClean="0">
                 <a:latin typeface="Garamond" panose="02020404030301010803" pitchFamily="18" charset="0"/>
               </a:rPr>
-              <a:t>Business Analyst</a:t>
+              <a:t>Business </a:t>
             </a:r>
+            <a:r>
+              <a:rPr lang="en-GB" sz="1400" i="1" dirty="0" smtClean="0">
+                <a:latin typeface="Garamond" panose="02020404030301010803" pitchFamily="18" charset="0"/>
+              </a:rPr>
+              <a:t>Analyst / Front End</a:t>
+            </a:r>
+            <a:endParaRPr lang="en-GB" sz="1400" i="1" dirty="0" smtClean="0">
+              <a:latin typeface="Garamond" panose="02020404030301010803" pitchFamily="18" charset="0"/>
+            </a:endParaRPr>
           </a:p>
         </p:txBody>
       </p:sp>
@@ -29591,23 +29597,8 @@
                 </a:solidFill>
                 <a:latin typeface="+mn-lt"/>
               </a:rPr>
-              <a:t>Front </a:t>
+              <a:t>Front End</a:t>
             </a:r>
-            <a:r>
-              <a:rPr lang="en-GB" sz="1600" dirty="0" smtClean="0">
-                <a:solidFill>
-                  <a:srgbClr val="0018A8"/>
-                </a:solidFill>
-                <a:latin typeface="+mn-lt"/>
-              </a:rPr>
-              <a:t>End</a:t>
-            </a:r>
-            <a:endParaRPr lang="en-GB" sz="1600" dirty="0" smtClean="0">
-              <a:solidFill>
-                <a:srgbClr val="0018A8"/>
-              </a:solidFill>
-              <a:latin typeface="+mn-lt"/>
-            </a:endParaRPr>
           </a:p>
         </p:txBody>
       </p:sp>
@@ -29649,12 +29640,6 @@
               </a:rPr>
               <a:t>Back End</a:t>
             </a:r>
-            <a:endParaRPr lang="en-GB" sz="1600" dirty="0" smtClean="0">
-              <a:solidFill>
-                <a:srgbClr val="0018A8"/>
-              </a:solidFill>
-              <a:latin typeface="+mn-lt"/>
-            </a:endParaRPr>
           </a:p>
         </p:txBody>
       </p:sp>
@@ -29696,12 +29681,6 @@
               </a:rPr>
               <a:t>Database</a:t>
             </a:r>
-            <a:endParaRPr lang="en-GB" sz="1600" dirty="0" smtClean="0">
-              <a:solidFill>
-                <a:srgbClr val="0018A8"/>
-              </a:solidFill>
-              <a:latin typeface="+mn-lt"/>
-            </a:endParaRPr>
           </a:p>
         </p:txBody>
       </p:sp>
@@ -30928,7 +30907,6 @@
                         <a:rPr lang="en-GB" sz="1800" dirty="0" smtClean="0"/>
                         <a:t>()</a:t>
                       </a:r>
-                      <a:endParaRPr lang="en-GB" sz="1800" dirty="0" smtClean="0"/>
                     </a:p>
                   </a:txBody>
                   <a:tcPr/>
@@ -33038,7 +33016,7 @@
           <a:graphicData uri="http://schemas.openxmlformats.org/presentationml/2006/ole">
             <mc:AlternateContent xmlns:mc="http://schemas.openxmlformats.org/markup-compatibility/2006">
               <mc:Choice xmlns:v="urn:schemas-microsoft-com:vml" Requires="v">
-                <p:oleObj spid="_x0000_s9243" name="Chart" r:id="rId3" imgW="9029700" imgH="4292600" progId="MSGraph.Chart.8">
+                <p:oleObj spid="_x0000_s9247" name="Chart" r:id="rId3" imgW="9029700" imgH="4292600" progId="MSGraph.Chart.8">
                   <p:embed followColorScheme="full"/>
                 </p:oleObj>
               </mc:Choice>
@@ -33071,7 +33049,7 @@
                       <a:noFill/>
                       <a:extLst>
                         <a:ext uri="{909E8E84-426E-40dd-AFC4-6F175D3DCCD1}">
-                          <a14:hiddenFill xmlns:a14="http://schemas.microsoft.com/office/drawing/2010/main" xmlns="">
+                          <a14:hiddenFill xmlns="" xmlns:a14="http://schemas.microsoft.com/office/drawing/2010/main">
                             <a:solidFill>
                               <a:srgbClr val="FFFFFF"/>
                             </a:solidFill>
